--- a/ClickOnce.pptx
+++ b/ClickOnce.pptx
@@ -21,18 +21,19 @@
     <p:sldId id="456" r:id="rId15"/>
     <p:sldId id="460" r:id="rId16"/>
     <p:sldId id="461" r:id="rId17"/>
-    <p:sldId id="462" r:id="rId18"/>
-    <p:sldId id="463" r:id="rId19"/>
-    <p:sldId id="466" r:id="rId20"/>
-    <p:sldId id="467" r:id="rId21"/>
-    <p:sldId id="468" r:id="rId22"/>
-    <p:sldId id="469" r:id="rId23"/>
-    <p:sldId id="471" r:id="rId24"/>
-    <p:sldId id="470" r:id="rId25"/>
-    <p:sldId id="472" r:id="rId26"/>
-    <p:sldId id="473" r:id="rId27"/>
-    <p:sldId id="474" r:id="rId28"/>
-    <p:sldId id="475" r:id="rId29"/>
+    <p:sldId id="476" r:id="rId18"/>
+    <p:sldId id="462" r:id="rId19"/>
+    <p:sldId id="463" r:id="rId20"/>
+    <p:sldId id="466" r:id="rId21"/>
+    <p:sldId id="467" r:id="rId22"/>
+    <p:sldId id="468" r:id="rId23"/>
+    <p:sldId id="469" r:id="rId24"/>
+    <p:sldId id="471" r:id="rId25"/>
+    <p:sldId id="470" r:id="rId26"/>
+    <p:sldId id="472" r:id="rId27"/>
+    <p:sldId id="473" r:id="rId28"/>
+    <p:sldId id="474" r:id="rId29"/>
+    <p:sldId id="475" r:id="rId30"/>
   </p:sldIdLst>
   <p:sldSz cx="12192000" cy="6858000"/>
   <p:notesSz cx="6858000" cy="9144000"/>
@@ -4926,6 +4927,116 @@
           </a:p>
         </p:txBody>
       </p:sp>
+      <p:sp>
+        <p:nvSpPr>
+          <p:cNvPr id="4" name="TextBox 3"/>
+          <p:cNvSpPr txBox="1"/>
+          <p:nvPr/>
+        </p:nvSpPr>
+        <p:spPr>
+          <a:xfrm>
+            <a:off x="3881737" y="3906982"/>
+            <a:ext cx="2752677" cy="276999"/>
+          </a:xfrm>
+          <a:prstGeom prst="rect">
+            <a:avLst/>
+          </a:prstGeom>
+          <a:noFill/>
+        </p:spPr>
+        <p:txBody>
+          <a:bodyPr wrap="none" rtlCol="0">
+            <a:spAutoFit/>
+          </a:bodyPr>
+          <a:lstStyle/>
+          <a:p>
+            <a:r>
+              <a:rPr lang="ko-KR" altLang="en-US" sz="1200" dirty="0" smtClean="0"/>
+              <a:t>배포 파일의 </a:t>
+            </a:r>
+            <a:r>
+              <a:rPr lang="ko-KR" altLang="en-US" sz="1200" dirty="0" err="1" smtClean="0"/>
+              <a:t>확장자를</a:t>
+            </a:r>
+            <a:r>
+              <a:rPr lang="ko-KR" altLang="en-US" sz="1200" dirty="0" smtClean="0"/>
+              <a:t> </a:t>
+            </a:r>
+            <a:r>
+              <a:rPr lang="en-US" altLang="ko-KR" sz="1200" dirty="0" smtClean="0"/>
+              <a:t>‘.deploy’</a:t>
+            </a:r>
+            <a:r>
+              <a:rPr lang="ko-KR" altLang="en-US" sz="1200" dirty="0" smtClean="0"/>
+              <a:t>로 바꿈</a:t>
+            </a:r>
+            <a:endParaRPr lang="ko-KR" altLang="en-US" sz="1200" dirty="0"/>
+          </a:p>
+        </p:txBody>
+      </p:sp>
+      <p:sp>
+        <p:nvSpPr>
+          <p:cNvPr id="5" name="TextBox 4"/>
+          <p:cNvSpPr txBox="1"/>
+          <p:nvPr/>
+        </p:nvSpPr>
+        <p:spPr>
+          <a:xfrm>
+            <a:off x="4039986" y="4445155"/>
+            <a:ext cx="5662127" cy="276999"/>
+          </a:xfrm>
+          <a:prstGeom prst="rect">
+            <a:avLst/>
+          </a:prstGeom>
+          <a:noFill/>
+        </p:spPr>
+        <p:txBody>
+          <a:bodyPr wrap="none" rtlCol="0">
+            <a:spAutoFit/>
+          </a:bodyPr>
+          <a:lstStyle/>
+          <a:p>
+            <a:r>
+              <a:rPr lang="ko-KR" altLang="en-US" sz="1200" dirty="0" smtClean="0"/>
+              <a:t>게시 프로세스에서 각 파일을 다운로드하여 각 파일 이 다운로드 될 수 있는지 확인</a:t>
+            </a:r>
+            <a:endParaRPr lang="ko-KR" altLang="en-US" sz="1200" dirty="0"/>
+          </a:p>
+        </p:txBody>
+      </p:sp>
+      <p:sp>
+        <p:nvSpPr>
+          <p:cNvPr id="17" name="TextBox 16"/>
+          <p:cNvSpPr txBox="1"/>
+          <p:nvPr/>
+        </p:nvSpPr>
+        <p:spPr>
+          <a:xfrm>
+            <a:off x="4962699" y="4175411"/>
+            <a:ext cx="1819729" cy="276999"/>
+          </a:xfrm>
+          <a:prstGeom prst="rect">
+            <a:avLst/>
+          </a:prstGeom>
+          <a:noFill/>
+        </p:spPr>
+        <p:txBody>
+          <a:bodyPr wrap="none" rtlCol="0">
+            <a:spAutoFit/>
+          </a:bodyPr>
+          <a:lstStyle/>
+          <a:p>
+            <a:r>
+              <a:rPr lang="en-US" altLang="ko-KR" sz="1200" dirty="0" smtClean="0"/>
+              <a:t>autorun.inf </a:t>
+            </a:r>
+            <a:r>
+              <a:rPr lang="ko-KR" altLang="en-US" sz="1200" dirty="0" smtClean="0"/>
+              <a:t>파일을 생성</a:t>
+            </a:r>
+            <a:endParaRPr lang="ko-KR" altLang="en-US" sz="1200" dirty="0"/>
+          </a:p>
+        </p:txBody>
+      </p:sp>
     </p:spTree>
     <p:extLst>
       <p:ext uri="{BB962C8B-B14F-4D97-AF65-F5344CB8AC3E}">
@@ -5029,7 +5140,7 @@
         <p:spPr>
           <a:xfrm>
             <a:off x="838200" y="2102065"/>
-            <a:ext cx="2303836" cy="369332"/>
+            <a:ext cx="1401346" cy="369332"/>
           </a:xfrm>
           <a:prstGeom prst="rect">
             <a:avLst/>
@@ -5048,7 +5159,7 @@
             </a:pPr>
             <a:r>
               <a:rPr lang="en-US" altLang="ko-KR" dirty="0" smtClean="0"/>
-              <a:t>Associations File</a:t>
+              <a:t>Manifest</a:t>
             </a:r>
             <a:endParaRPr lang="ko-KR" altLang="en-US" dirty="0"/>
           </a:p>
@@ -5056,7 +5167,7 @@
       </p:sp>
       <p:pic>
         <p:nvPicPr>
-          <p:cNvPr id="5" name="그림 4"/>
+          <p:cNvPr id="3" name="그림 2"/>
           <p:cNvPicPr>
             <a:picLocks noChangeAspect="1"/>
           </p:cNvPicPr>
@@ -5070,153 +5181,18 @@
         </p:blipFill>
         <p:spPr>
           <a:xfrm>
-            <a:off x="838200" y="2658728"/>
-            <a:ext cx="5857875" cy="3914775"/>
+            <a:off x="838200" y="2607079"/>
+            <a:ext cx="5857875" cy="3771900"/>
           </a:xfrm>
           <a:prstGeom prst="rect">
             <a:avLst/>
           </a:prstGeom>
         </p:spPr>
       </p:pic>
-      <p:sp>
-        <p:nvSpPr>
-          <p:cNvPr id="6" name="TextBox 5"/>
-          <p:cNvSpPr txBox="1"/>
-          <p:nvPr/>
-        </p:nvSpPr>
-        <p:spPr>
-          <a:xfrm>
-            <a:off x="7154781" y="2658728"/>
-            <a:ext cx="4576894" cy="3139321"/>
-          </a:xfrm>
-          <a:prstGeom prst="rect">
-            <a:avLst/>
-          </a:prstGeom>
-          <a:noFill/>
-        </p:spPr>
-        <p:txBody>
-          <a:bodyPr wrap="none" rtlCol="0">
-            <a:spAutoFit/>
-          </a:bodyPr>
-          <a:lstStyle/>
-          <a:p>
-            <a:pPr marL="285750" indent="-285750">
-              <a:buFont typeface="Arial" panose="020B0604020202020204" pitchFamily="34" charset="0"/>
-              <a:buChar char="•"/>
-            </a:pPr>
-            <a:r>
-              <a:rPr lang="ko-KR" altLang="en-US" dirty="0" smtClean="0"/>
-              <a:t>확장명</a:t>
-            </a:r>
-            <a:endParaRPr lang="en-US" altLang="ko-KR" dirty="0"/>
-          </a:p>
-          <a:p>
-            <a:pPr marL="742950" lvl="1" indent="-285750">
-              <a:buFont typeface="Arial" panose="020B0604020202020204" pitchFamily="34" charset="0"/>
-              <a:buChar char="•"/>
-            </a:pPr>
-            <a:r>
-              <a:rPr lang="ko-KR" altLang="en-US" dirty="0" smtClean="0"/>
-              <a:t>응용 프로그램과 연결할 파일 </a:t>
-            </a:r>
-            <a:r>
-              <a:rPr lang="ko-KR" altLang="en-US" dirty="0" err="1" smtClean="0"/>
-              <a:t>확장자</a:t>
-            </a:r>
-            <a:endParaRPr lang="en-US" altLang="ko-KR" dirty="0" smtClean="0"/>
-          </a:p>
-          <a:p>
-            <a:pPr marL="742950" lvl="1" indent="-285750">
-              <a:buFont typeface="Arial" panose="020B0604020202020204" pitchFamily="34" charset="0"/>
-              <a:buChar char="•"/>
-            </a:pPr>
-            <a:endParaRPr lang="en-US" altLang="ko-KR" dirty="0" smtClean="0"/>
-          </a:p>
-          <a:p>
-            <a:pPr marL="285750" indent="-285750">
-              <a:buFont typeface="Arial" panose="020B0604020202020204" pitchFamily="34" charset="0"/>
-              <a:buChar char="•"/>
-            </a:pPr>
-            <a:r>
-              <a:rPr lang="ko-KR" altLang="en-US" dirty="0" smtClean="0"/>
-              <a:t>설명</a:t>
-            </a:r>
-            <a:endParaRPr lang="en-US" altLang="ko-KR" dirty="0" smtClean="0"/>
-          </a:p>
-          <a:p>
-            <a:pPr marL="742950" lvl="1" indent="-285750">
-              <a:buFont typeface="Arial" panose="020B0604020202020204" pitchFamily="34" charset="0"/>
-              <a:buChar char="•"/>
-            </a:pPr>
-            <a:r>
-              <a:rPr lang="ko-KR" altLang="en-US" dirty="0" smtClean="0"/>
-              <a:t>파일 형식에 대한 설명</a:t>
-            </a:r>
-            <a:endParaRPr lang="en-US" altLang="ko-KR" dirty="0" smtClean="0"/>
-          </a:p>
-          <a:p>
-            <a:pPr marL="742950" lvl="1" indent="-285750">
-              <a:buFont typeface="Arial" panose="020B0604020202020204" pitchFamily="34" charset="0"/>
-              <a:buChar char="•"/>
-            </a:pPr>
-            <a:endParaRPr lang="en-US" altLang="ko-KR" dirty="0" smtClean="0"/>
-          </a:p>
-          <a:p>
-            <a:pPr marL="285750" indent="-285750">
-              <a:buFont typeface="Arial" panose="020B0604020202020204" pitchFamily="34" charset="0"/>
-              <a:buChar char="•"/>
-            </a:pPr>
-            <a:r>
-              <a:rPr lang="en-US" altLang="ko-KR" dirty="0" smtClean="0"/>
-              <a:t>ProgID</a:t>
-            </a:r>
-          </a:p>
-          <a:p>
-            <a:pPr marL="742950" lvl="1" indent="-285750">
-              <a:buFont typeface="Arial" panose="020B0604020202020204" pitchFamily="34" charset="0"/>
-              <a:buChar char="•"/>
-            </a:pPr>
-            <a:r>
-              <a:rPr lang="ko-KR" altLang="en-US" dirty="0" smtClean="0"/>
-              <a:t>파일 형식을 고유하게 식별하는 이름</a:t>
-            </a:r>
-            <a:endParaRPr lang="en-US" altLang="ko-KR" dirty="0" smtClean="0"/>
-          </a:p>
-          <a:p>
-            <a:pPr marL="742950" lvl="1" indent="-285750">
-              <a:buFont typeface="Arial" panose="020B0604020202020204" pitchFamily="34" charset="0"/>
-              <a:buChar char="•"/>
-            </a:pPr>
-            <a:endParaRPr lang="en-US" altLang="ko-KR" dirty="0" smtClean="0"/>
-          </a:p>
-          <a:p>
-            <a:pPr marL="285750" indent="-285750">
-              <a:buFont typeface="Arial" panose="020B0604020202020204" pitchFamily="34" charset="0"/>
-              <a:buChar char="•"/>
-            </a:pPr>
-            <a:r>
-              <a:rPr lang="ko-KR" altLang="en-US" dirty="0" smtClean="0"/>
-              <a:t>아이콘</a:t>
-            </a:r>
-            <a:endParaRPr lang="en-US" altLang="ko-KR" dirty="0" smtClean="0"/>
-          </a:p>
-          <a:p>
-            <a:pPr marL="742950" lvl="1" indent="-285750">
-              <a:buFont typeface="Arial" panose="020B0604020202020204" pitchFamily="34" charset="0"/>
-              <a:buChar char="•"/>
-            </a:pPr>
-            <a:r>
-              <a:rPr lang="ko-KR" altLang="en-US" dirty="0" smtClean="0"/>
-              <a:t>확장명을 가진 파일에 사용할 아이콘</a:t>
-            </a:r>
-            <a:endParaRPr lang="ko-KR" altLang="en-US" dirty="0"/>
-          </a:p>
-        </p:txBody>
-      </p:sp>
     </p:spTree>
     <p:extLst>
       <p:ext uri="{BB962C8B-B14F-4D97-AF65-F5344CB8AC3E}">
-        <p14:creationId xmlns:p14="http://schemas.microsoft.com/office/powerpoint/2010/main" val="1752367818"/>
+        <p14:creationId xmlns:p14="http://schemas.microsoft.com/office/powerpoint/2010/main" val="3928050900"/>
       </p:ext>
     </p:extLst>
   </p:cSld>
@@ -5297,15 +5273,7 @@
                 <a:ea typeface="함초롬돋움" panose="020B0604000101010101" pitchFamily="50" charset="-127"/>
                 <a:cs typeface="함초롬돋움" panose="020B0604000101010101" pitchFamily="50" charset="-127"/>
               </a:rPr>
-              <a:t>Azure</a:t>
-            </a:r>
-            <a:r>
-              <a:rPr lang="ko-KR" altLang="en-US" dirty="0" smtClean="0">
-                <a:latin typeface="함초롬돋움" panose="020B0604000101010101" pitchFamily="50" charset="-127"/>
-                <a:ea typeface="함초롬돋움" panose="020B0604000101010101" pitchFamily="50" charset="-127"/>
-                <a:cs typeface="함초롬돋움" panose="020B0604000101010101" pitchFamily="50" charset="-127"/>
-              </a:rPr>
-              <a:t>를 사용하여 게시하기</a:t>
+              <a:t>Option</a:t>
             </a:r>
             <a:endParaRPr lang="ko-KR" altLang="en-US" dirty="0">
               <a:latin typeface="함초롬돋움" panose="020B0604000101010101" pitchFamily="50" charset="-127"/>
@@ -5315,9 +5283,43 @@
           </a:p>
         </p:txBody>
       </p:sp>
+      <p:sp>
+        <p:nvSpPr>
+          <p:cNvPr id="16" name="TextBox 15"/>
+          <p:cNvSpPr txBox="1"/>
+          <p:nvPr/>
+        </p:nvSpPr>
+        <p:spPr>
+          <a:xfrm>
+            <a:off x="838200" y="2102065"/>
+            <a:ext cx="2303836" cy="369332"/>
+          </a:xfrm>
+          <a:prstGeom prst="rect">
+            <a:avLst/>
+          </a:prstGeom>
+          <a:noFill/>
+        </p:spPr>
+        <p:txBody>
+          <a:bodyPr wrap="none" rtlCol="0">
+            <a:spAutoFit/>
+          </a:bodyPr>
+          <a:lstStyle/>
+          <a:p>
+            <a:pPr marL="285750" indent="-285750">
+              <a:buFont typeface="Arial" panose="020B0604020202020204" pitchFamily="34" charset="0"/>
+              <a:buChar char="•"/>
+            </a:pPr>
+            <a:r>
+              <a:rPr lang="en-US" altLang="ko-KR" dirty="0" smtClean="0"/>
+              <a:t>Associations File</a:t>
+            </a:r>
+            <a:endParaRPr lang="ko-KR" altLang="en-US" dirty="0"/>
+          </a:p>
+        </p:txBody>
+      </p:sp>
       <p:pic>
         <p:nvPicPr>
-          <p:cNvPr id="3" name="그림 2"/>
+          <p:cNvPr id="5" name="그림 4"/>
           <p:cNvPicPr>
             <a:picLocks noChangeAspect="1"/>
           </p:cNvPicPr>
@@ -5331,8 +5333,8 @@
         </p:blipFill>
         <p:spPr>
           <a:xfrm>
-            <a:off x="2895600" y="2414587"/>
-            <a:ext cx="6400800" cy="3324225"/>
+            <a:off x="838200" y="2658728"/>
+            <a:ext cx="5857875" cy="3914775"/>
           </a:xfrm>
           <a:prstGeom prst="rect">
             <a:avLst/>
@@ -5341,142 +5343,14 @@
       </p:pic>
       <p:sp>
         <p:nvSpPr>
-          <p:cNvPr id="4" name="직사각형 3"/>
-          <p:cNvSpPr/>
-          <p:nvPr/>
-        </p:nvSpPr>
-        <p:spPr>
-          <a:xfrm>
-            <a:off x="2895600" y="4264429"/>
-            <a:ext cx="2141913" cy="299258"/>
-          </a:xfrm>
-          <a:prstGeom prst="rect">
-            <a:avLst/>
-          </a:prstGeom>
-          <a:noFill/>
-          <a:ln>
-            <a:solidFill>
-              <a:srgbClr val="FF0000"/>
-            </a:solidFill>
-          </a:ln>
-        </p:spPr>
-        <p:style>
-          <a:lnRef idx="2">
-            <a:schemeClr val="accent1">
-              <a:shade val="50000"/>
-            </a:schemeClr>
-          </a:lnRef>
-          <a:fillRef idx="1">
-            <a:schemeClr val="accent1"/>
-          </a:fillRef>
-          <a:effectRef idx="0">
-            <a:schemeClr val="accent1"/>
-          </a:effectRef>
-          <a:fontRef idx="minor">
-            <a:schemeClr val="lt1"/>
-          </a:fontRef>
-        </p:style>
-        <p:txBody>
-          <a:bodyPr rtlCol="0" anchor="ctr"/>
-          <a:lstStyle/>
-          <a:p>
-            <a:pPr algn="ctr"/>
-            <a:endParaRPr lang="ko-KR" altLang="en-US"/>
-          </a:p>
-        </p:txBody>
-      </p:sp>
-      <p:sp>
-        <p:nvSpPr>
-          <p:cNvPr id="9" name="직사각형 8"/>
-          <p:cNvSpPr/>
-          <p:nvPr/>
-        </p:nvSpPr>
-        <p:spPr>
-          <a:xfrm>
-            <a:off x="5228705" y="2793076"/>
-            <a:ext cx="540328" cy="249382"/>
-          </a:xfrm>
-          <a:prstGeom prst="rect">
-            <a:avLst/>
-          </a:prstGeom>
-          <a:noFill/>
-          <a:ln>
-            <a:solidFill>
-              <a:srgbClr val="FF0000"/>
-            </a:solidFill>
-          </a:ln>
-        </p:spPr>
-        <p:style>
-          <a:lnRef idx="2">
-            <a:schemeClr val="accent1">
-              <a:shade val="50000"/>
-            </a:schemeClr>
-          </a:lnRef>
-          <a:fillRef idx="1">
-            <a:schemeClr val="accent1"/>
-          </a:fillRef>
-          <a:effectRef idx="0">
-            <a:schemeClr val="accent1"/>
-          </a:effectRef>
-          <a:fontRef idx="minor">
-            <a:schemeClr val="lt1"/>
-          </a:fontRef>
-        </p:style>
-        <p:txBody>
-          <a:bodyPr rtlCol="0" anchor="ctr"/>
-          <a:lstStyle/>
-          <a:p>
-            <a:pPr algn="ctr"/>
-            <a:endParaRPr lang="ko-KR" altLang="en-US"/>
-          </a:p>
-        </p:txBody>
-      </p:sp>
-      <p:cxnSp>
-        <p:nvCxnSpPr>
-          <p:cNvPr id="11" name="직선 화살표 연결선 10"/>
-          <p:cNvCxnSpPr/>
-          <p:nvPr/>
-        </p:nvCxnSpPr>
-        <p:spPr>
-          <a:xfrm flipV="1">
-            <a:off x="4713316" y="3075709"/>
-            <a:ext cx="498764" cy="1188720"/>
-          </a:xfrm>
-          <a:prstGeom prst="straightConnector1">
-            <a:avLst/>
-          </a:prstGeom>
-          <a:ln>
-            <a:solidFill>
-              <a:srgbClr val="FF0000"/>
-            </a:solidFill>
-            <a:tailEnd type="triangle"/>
-          </a:ln>
-        </p:spPr>
-        <p:style>
-          <a:lnRef idx="1">
-            <a:schemeClr val="accent1"/>
-          </a:lnRef>
-          <a:fillRef idx="0">
-            <a:schemeClr val="accent1"/>
-          </a:fillRef>
-          <a:effectRef idx="0">
-            <a:schemeClr val="accent1"/>
-          </a:effectRef>
-          <a:fontRef idx="minor">
-            <a:schemeClr val="tx1"/>
-          </a:fontRef>
-        </p:style>
-      </p:cxnSp>
-      <p:sp>
-        <p:nvSpPr>
-          <p:cNvPr id="12" name="TextBox 11"/>
+          <p:cNvPr id="6" name="TextBox 5"/>
           <p:cNvSpPr txBox="1"/>
           <p:nvPr/>
         </p:nvSpPr>
         <p:spPr>
           <a:xfrm>
-            <a:off x="2895600" y="1930663"/>
-            <a:ext cx="3223959" cy="369332"/>
+            <a:off x="7154781" y="2658728"/>
+            <a:ext cx="4576894" cy="3139321"/>
           </a:xfrm>
           <a:prstGeom prst="rect">
             <a:avLst/>
@@ -5494,12 +5368,109 @@
               <a:buChar char="•"/>
             </a:pPr>
             <a:r>
+              <a:rPr lang="ko-KR" altLang="en-US" dirty="0" smtClean="0"/>
+              <a:t>확장명</a:t>
+            </a:r>
+            <a:endParaRPr lang="en-US" altLang="ko-KR" dirty="0"/>
+          </a:p>
+          <a:p>
+            <a:pPr marL="742950" lvl="1" indent="-285750">
+              <a:buFont typeface="Arial" panose="020B0604020202020204" pitchFamily="34" charset="0"/>
+              <a:buChar char="•"/>
+            </a:pPr>
+            <a:r>
+              <a:rPr lang="ko-KR" altLang="en-US" dirty="0" smtClean="0"/>
+              <a:t>응용 프로그램과 연결할 파일 </a:t>
+            </a:r>
+            <a:r>
+              <a:rPr lang="ko-KR" altLang="en-US" dirty="0" err="1" smtClean="0"/>
+              <a:t>확장자</a:t>
+            </a:r>
+            <a:endParaRPr lang="en-US" altLang="ko-KR" dirty="0" smtClean="0"/>
+          </a:p>
+          <a:p>
+            <a:pPr marL="742950" lvl="1" indent="-285750">
+              <a:buFont typeface="Arial" panose="020B0604020202020204" pitchFamily="34" charset="0"/>
+              <a:buChar char="•"/>
+            </a:pPr>
+            <a:endParaRPr lang="en-US" altLang="ko-KR" dirty="0" smtClean="0"/>
+          </a:p>
+          <a:p>
+            <a:pPr marL="285750" indent="-285750">
+              <a:buFont typeface="Arial" panose="020B0604020202020204" pitchFamily="34" charset="0"/>
+              <a:buChar char="•"/>
+            </a:pPr>
+            <a:r>
+              <a:rPr lang="ko-KR" altLang="en-US" dirty="0" smtClean="0"/>
+              <a:t>설명</a:t>
+            </a:r>
+            <a:endParaRPr lang="en-US" altLang="ko-KR" dirty="0" smtClean="0"/>
+          </a:p>
+          <a:p>
+            <a:pPr marL="742950" lvl="1" indent="-285750">
+              <a:buFont typeface="Arial" panose="020B0604020202020204" pitchFamily="34" charset="0"/>
+              <a:buChar char="•"/>
+            </a:pPr>
+            <a:r>
+              <a:rPr lang="ko-KR" altLang="en-US" dirty="0" smtClean="0"/>
+              <a:t>파일 형식에 대한 설명</a:t>
+            </a:r>
+            <a:endParaRPr lang="en-US" altLang="ko-KR" dirty="0" smtClean="0"/>
+          </a:p>
+          <a:p>
+            <a:pPr marL="742950" lvl="1" indent="-285750">
+              <a:buFont typeface="Arial" panose="020B0604020202020204" pitchFamily="34" charset="0"/>
+              <a:buChar char="•"/>
+            </a:pPr>
+            <a:endParaRPr lang="en-US" altLang="ko-KR" dirty="0" smtClean="0"/>
+          </a:p>
+          <a:p>
+            <a:pPr marL="285750" indent="-285750">
+              <a:buFont typeface="Arial" panose="020B0604020202020204" pitchFamily="34" charset="0"/>
+              <a:buChar char="•"/>
+            </a:pPr>
+            <a:r>
               <a:rPr lang="en-US" altLang="ko-KR" dirty="0" smtClean="0"/>
-              <a:t>App Service</a:t>
-            </a:r>
+              <a:t>ProgID</a:t>
+            </a:r>
+          </a:p>
+          <a:p>
+            <a:pPr marL="742950" lvl="1" indent="-285750">
+              <a:buFont typeface="Arial" panose="020B0604020202020204" pitchFamily="34" charset="0"/>
+              <a:buChar char="•"/>
+            </a:pPr>
             <a:r>
               <a:rPr lang="ko-KR" altLang="en-US" dirty="0" smtClean="0"/>
-              <a:t>에서 추가 선택</a:t>
+              <a:t>파일 형식을 고유하게 식별하는 이름</a:t>
+            </a:r>
+            <a:endParaRPr lang="en-US" altLang="ko-KR" dirty="0" smtClean="0"/>
+          </a:p>
+          <a:p>
+            <a:pPr marL="742950" lvl="1" indent="-285750">
+              <a:buFont typeface="Arial" panose="020B0604020202020204" pitchFamily="34" charset="0"/>
+              <a:buChar char="•"/>
+            </a:pPr>
+            <a:endParaRPr lang="en-US" altLang="ko-KR" dirty="0" smtClean="0"/>
+          </a:p>
+          <a:p>
+            <a:pPr marL="285750" indent="-285750">
+              <a:buFont typeface="Arial" panose="020B0604020202020204" pitchFamily="34" charset="0"/>
+              <a:buChar char="•"/>
+            </a:pPr>
+            <a:r>
+              <a:rPr lang="ko-KR" altLang="en-US" dirty="0" smtClean="0"/>
+              <a:t>아이콘</a:t>
+            </a:r>
+            <a:endParaRPr lang="en-US" altLang="ko-KR" dirty="0" smtClean="0"/>
+          </a:p>
+          <a:p>
+            <a:pPr marL="742950" lvl="1" indent="-285750">
+              <a:buFont typeface="Arial" panose="020B0604020202020204" pitchFamily="34" charset="0"/>
+              <a:buChar char="•"/>
+            </a:pPr>
+            <a:r>
+              <a:rPr lang="ko-KR" altLang="en-US" dirty="0" smtClean="0"/>
+              <a:t>확장명을 가진 파일에 사용할 아이콘</a:t>
             </a:r>
             <a:endParaRPr lang="ko-KR" altLang="en-US" dirty="0"/>
           </a:p>
@@ -5508,7 +5479,7 @@
     </p:spTree>
     <p:extLst>
       <p:ext uri="{BB962C8B-B14F-4D97-AF65-F5344CB8AC3E}">
-        <p14:creationId xmlns:p14="http://schemas.microsoft.com/office/powerpoint/2010/main" val="1207196194"/>
+        <p14:creationId xmlns:p14="http://schemas.microsoft.com/office/powerpoint/2010/main" val="1752367818"/>
       </p:ext>
     </p:extLst>
   </p:cSld>
@@ -5607,6 +5578,30 @@
           </a:p>
         </p:txBody>
       </p:sp>
+      <p:pic>
+        <p:nvPicPr>
+          <p:cNvPr id="3" name="그림 2"/>
+          <p:cNvPicPr>
+            <a:picLocks noChangeAspect="1"/>
+          </p:cNvPicPr>
+          <p:nvPr/>
+        </p:nvPicPr>
+        <p:blipFill>
+          <a:blip r:embed="rId2"/>
+          <a:stretch>
+            <a:fillRect/>
+          </a:stretch>
+        </p:blipFill>
+        <p:spPr>
+          <a:xfrm>
+            <a:off x="2895600" y="2414587"/>
+            <a:ext cx="6400800" cy="3324225"/>
+          </a:xfrm>
+          <a:prstGeom prst="rect">
+            <a:avLst/>
+          </a:prstGeom>
+        </p:spPr>
+      </p:pic>
       <p:sp>
         <p:nvSpPr>
           <p:cNvPr id="4" name="직사각형 3"/>
@@ -5773,162 +5768,10 @@
           </a:p>
         </p:txBody>
       </p:sp>
-      <p:pic>
-        <p:nvPicPr>
-          <p:cNvPr id="2" name="그림 1"/>
-          <p:cNvPicPr>
-            <a:picLocks noChangeAspect="1"/>
-          </p:cNvPicPr>
-          <p:nvPr/>
-        </p:nvPicPr>
-        <p:blipFill>
-          <a:blip r:embed="rId2"/>
-          <a:stretch>
-            <a:fillRect/>
-          </a:stretch>
-        </p:blipFill>
-        <p:spPr>
-          <a:xfrm>
-            <a:off x="2766893" y="2339295"/>
-            <a:ext cx="7104944" cy="4149526"/>
-          </a:xfrm>
-          <a:prstGeom prst="rect">
-            <a:avLst/>
-          </a:prstGeom>
-        </p:spPr>
-      </p:pic>
-      <p:sp>
-        <p:nvSpPr>
-          <p:cNvPr id="5" name="직사각형 4"/>
-          <p:cNvSpPr/>
-          <p:nvPr/>
-        </p:nvSpPr>
-        <p:spPr>
-          <a:xfrm>
-            <a:off x="2750267" y="4422371"/>
-            <a:ext cx="732765" cy="1039091"/>
-          </a:xfrm>
-          <a:prstGeom prst="rect">
-            <a:avLst/>
-          </a:prstGeom>
-          <a:noFill/>
-          <a:ln>
-            <a:solidFill>
-              <a:srgbClr val="FF0000"/>
-            </a:solidFill>
-          </a:ln>
-        </p:spPr>
-        <p:style>
-          <a:lnRef idx="2">
-            <a:schemeClr val="accent1">
-              <a:shade val="50000"/>
-            </a:schemeClr>
-          </a:lnRef>
-          <a:fillRef idx="1">
-            <a:schemeClr val="accent1"/>
-          </a:fillRef>
-          <a:effectRef idx="0">
-            <a:schemeClr val="accent1"/>
-          </a:effectRef>
-          <a:fontRef idx="minor">
-            <a:schemeClr val="lt1"/>
-          </a:fontRef>
-        </p:style>
-        <p:txBody>
-          <a:bodyPr rtlCol="0" anchor="ctr"/>
-          <a:lstStyle/>
-          <a:p>
-            <a:pPr algn="ctr"/>
-            <a:endParaRPr lang="ko-KR" altLang="en-US"/>
-          </a:p>
-        </p:txBody>
-      </p:sp>
-      <p:sp>
-        <p:nvSpPr>
-          <p:cNvPr id="6" name="직사각형 5"/>
-          <p:cNvSpPr/>
-          <p:nvPr/>
-        </p:nvSpPr>
-        <p:spPr>
-          <a:xfrm>
-            <a:off x="7065818" y="6276108"/>
-            <a:ext cx="490451" cy="187774"/>
-          </a:xfrm>
-          <a:prstGeom prst="rect">
-            <a:avLst/>
-          </a:prstGeom>
-          <a:noFill/>
-          <a:ln>
-            <a:solidFill>
-              <a:srgbClr val="FF0000"/>
-            </a:solidFill>
-          </a:ln>
-        </p:spPr>
-        <p:style>
-          <a:lnRef idx="2">
-            <a:schemeClr val="accent1">
-              <a:shade val="50000"/>
-            </a:schemeClr>
-          </a:lnRef>
-          <a:fillRef idx="1">
-            <a:schemeClr val="accent1"/>
-          </a:fillRef>
-          <a:effectRef idx="0">
-            <a:schemeClr val="accent1"/>
-          </a:effectRef>
-          <a:fontRef idx="minor">
-            <a:schemeClr val="lt1"/>
-          </a:fontRef>
-        </p:style>
-        <p:txBody>
-          <a:bodyPr rtlCol="0" anchor="ctr"/>
-          <a:lstStyle/>
-          <a:p>
-            <a:pPr algn="ctr"/>
-            <a:endParaRPr lang="ko-KR" altLang="en-US"/>
-          </a:p>
-        </p:txBody>
-      </p:sp>
-      <p:cxnSp>
-        <p:nvCxnSpPr>
-          <p:cNvPr id="10" name="직선 화살표 연결선 9"/>
-          <p:cNvCxnSpPr/>
-          <p:nvPr/>
-        </p:nvCxnSpPr>
-        <p:spPr>
-          <a:xfrm>
-            <a:off x="3499658" y="5212080"/>
-            <a:ext cx="3516284" cy="1088967"/>
-          </a:xfrm>
-          <a:prstGeom prst="straightConnector1">
-            <a:avLst/>
-          </a:prstGeom>
-          <a:ln>
-            <a:solidFill>
-              <a:srgbClr val="FF0000"/>
-            </a:solidFill>
-            <a:tailEnd type="triangle"/>
-          </a:ln>
-        </p:spPr>
-        <p:style>
-          <a:lnRef idx="1">
-            <a:schemeClr val="accent1"/>
-          </a:lnRef>
-          <a:fillRef idx="0">
-            <a:schemeClr val="accent1"/>
-          </a:fillRef>
-          <a:effectRef idx="0">
-            <a:schemeClr val="accent1"/>
-          </a:effectRef>
-          <a:fontRef idx="minor">
-            <a:schemeClr val="tx1"/>
-          </a:fontRef>
-        </p:style>
-      </p:cxnSp>
     </p:spTree>
     <p:extLst>
       <p:ext uri="{BB962C8B-B14F-4D97-AF65-F5344CB8AC3E}">
-        <p14:creationId xmlns:p14="http://schemas.microsoft.com/office/powerpoint/2010/main" val="3297933646"/>
+        <p14:creationId xmlns:p14="http://schemas.microsoft.com/office/powerpoint/2010/main" val="1207196194"/>
       </p:ext>
     </p:extLst>
   </p:cSld>
@@ -6244,14 +6087,142 @@
       </p:sp>
       <p:sp>
         <p:nvSpPr>
+          <p:cNvPr id="4" name="직사각형 3"/>
+          <p:cNvSpPr/>
+          <p:nvPr/>
+        </p:nvSpPr>
+        <p:spPr>
+          <a:xfrm>
+            <a:off x="2895600" y="4264429"/>
+            <a:ext cx="2141913" cy="299258"/>
+          </a:xfrm>
+          <a:prstGeom prst="rect">
+            <a:avLst/>
+          </a:prstGeom>
+          <a:noFill/>
+          <a:ln>
+            <a:solidFill>
+              <a:srgbClr val="FF0000"/>
+            </a:solidFill>
+          </a:ln>
+        </p:spPr>
+        <p:style>
+          <a:lnRef idx="2">
+            <a:schemeClr val="accent1">
+              <a:shade val="50000"/>
+            </a:schemeClr>
+          </a:lnRef>
+          <a:fillRef idx="1">
+            <a:schemeClr val="accent1"/>
+          </a:fillRef>
+          <a:effectRef idx="0">
+            <a:schemeClr val="accent1"/>
+          </a:effectRef>
+          <a:fontRef idx="minor">
+            <a:schemeClr val="lt1"/>
+          </a:fontRef>
+        </p:style>
+        <p:txBody>
+          <a:bodyPr rtlCol="0" anchor="ctr"/>
+          <a:lstStyle/>
+          <a:p>
+            <a:pPr algn="ctr"/>
+            <a:endParaRPr lang="ko-KR" altLang="en-US"/>
+          </a:p>
+        </p:txBody>
+      </p:sp>
+      <p:sp>
+        <p:nvSpPr>
+          <p:cNvPr id="9" name="직사각형 8"/>
+          <p:cNvSpPr/>
+          <p:nvPr/>
+        </p:nvSpPr>
+        <p:spPr>
+          <a:xfrm>
+            <a:off x="5228705" y="2793076"/>
+            <a:ext cx="540328" cy="249382"/>
+          </a:xfrm>
+          <a:prstGeom prst="rect">
+            <a:avLst/>
+          </a:prstGeom>
+          <a:noFill/>
+          <a:ln>
+            <a:solidFill>
+              <a:srgbClr val="FF0000"/>
+            </a:solidFill>
+          </a:ln>
+        </p:spPr>
+        <p:style>
+          <a:lnRef idx="2">
+            <a:schemeClr val="accent1">
+              <a:shade val="50000"/>
+            </a:schemeClr>
+          </a:lnRef>
+          <a:fillRef idx="1">
+            <a:schemeClr val="accent1"/>
+          </a:fillRef>
+          <a:effectRef idx="0">
+            <a:schemeClr val="accent1"/>
+          </a:effectRef>
+          <a:fontRef idx="minor">
+            <a:schemeClr val="lt1"/>
+          </a:fontRef>
+        </p:style>
+        <p:txBody>
+          <a:bodyPr rtlCol="0" anchor="ctr"/>
+          <a:lstStyle/>
+          <a:p>
+            <a:pPr algn="ctr"/>
+            <a:endParaRPr lang="ko-KR" altLang="en-US"/>
+          </a:p>
+        </p:txBody>
+      </p:sp>
+      <p:cxnSp>
+        <p:nvCxnSpPr>
+          <p:cNvPr id="11" name="직선 화살표 연결선 10"/>
+          <p:cNvCxnSpPr/>
+          <p:nvPr/>
+        </p:nvCxnSpPr>
+        <p:spPr>
+          <a:xfrm flipV="1">
+            <a:off x="4713316" y="3075709"/>
+            <a:ext cx="498764" cy="1188720"/>
+          </a:xfrm>
+          <a:prstGeom prst="straightConnector1">
+            <a:avLst/>
+          </a:prstGeom>
+          <a:ln>
+            <a:solidFill>
+              <a:srgbClr val="FF0000"/>
+            </a:solidFill>
+            <a:tailEnd type="triangle"/>
+          </a:ln>
+        </p:spPr>
+        <p:style>
+          <a:lnRef idx="1">
+            <a:schemeClr val="accent1"/>
+          </a:lnRef>
+          <a:fillRef idx="0">
+            <a:schemeClr val="accent1"/>
+          </a:fillRef>
+          <a:effectRef idx="0">
+            <a:schemeClr val="accent1"/>
+          </a:effectRef>
+          <a:fontRef idx="minor">
+            <a:schemeClr val="tx1"/>
+          </a:fontRef>
+        </p:style>
+      </p:cxnSp>
+      <p:sp>
+        <p:nvSpPr>
           <p:cNvPr id="12" name="TextBox 11"/>
           <p:cNvSpPr txBox="1"/>
           <p:nvPr/>
         </p:nvSpPr>
         <p:spPr>
           <a:xfrm>
-            <a:off x="5004996" y="2579055"/>
-            <a:ext cx="3310522" cy="1477328"/>
+            <a:off x="2895600" y="1930663"/>
+            <a:ext cx="3223959" cy="369332"/>
           </a:xfrm>
           <a:prstGeom prst="rect">
             <a:avLst/>
@@ -6269,56 +6240,12 @@
               <a:buChar char="•"/>
             </a:pPr>
             <a:r>
+              <a:rPr lang="en-US" altLang="ko-KR" dirty="0" smtClean="0"/>
+              <a:t>App Service</a:t>
+            </a:r>
+            <a:r>
               <a:rPr lang="ko-KR" altLang="en-US" dirty="0" smtClean="0"/>
-              <a:t>앱 서비스 이름 작성</a:t>
-            </a:r>
-            <a:endParaRPr lang="en-US" altLang="ko-KR" dirty="0" smtClean="0"/>
-          </a:p>
-          <a:p>
-            <a:pPr marL="285750" indent="-285750">
-              <a:buFont typeface="Arial" panose="020B0604020202020204" pitchFamily="34" charset="0"/>
-              <a:buChar char="•"/>
-            </a:pPr>
-            <a:endParaRPr lang="en-US" altLang="ko-KR" dirty="0"/>
-          </a:p>
-          <a:p>
-            <a:pPr marL="285750" indent="-285750">
-              <a:buFont typeface="Arial" panose="020B0604020202020204" pitchFamily="34" charset="0"/>
-              <a:buChar char="•"/>
-            </a:pPr>
-            <a:r>
-              <a:rPr lang="ko-KR" altLang="en-US" dirty="0" smtClean="0"/>
-              <a:t>리소스 그룹 작성</a:t>
-            </a:r>
-            <a:endParaRPr lang="en-US" altLang="ko-KR" dirty="0" smtClean="0"/>
-          </a:p>
-          <a:p>
-            <a:pPr marL="285750" indent="-285750">
-              <a:buFont typeface="Arial" panose="020B0604020202020204" pitchFamily="34" charset="0"/>
-              <a:buChar char="•"/>
-            </a:pPr>
-            <a:endParaRPr lang="en-US" altLang="ko-KR" dirty="0"/>
-          </a:p>
-          <a:p>
-            <a:pPr marL="285750" indent="-285750">
-              <a:buFont typeface="Arial" panose="020B0604020202020204" pitchFamily="34" charset="0"/>
-              <a:buChar char="•"/>
-            </a:pPr>
-            <a:r>
-              <a:rPr lang="en-US" altLang="ko-KR" dirty="0" smtClean="0"/>
-              <a:t>App Service </a:t>
-            </a:r>
-            <a:r>
-              <a:rPr lang="ko-KR" altLang="en-US" dirty="0" smtClean="0"/>
-              <a:t>계획</a:t>
-            </a:r>
-            <a:r>
-              <a:rPr lang="en-US" altLang="ko-KR" dirty="0" smtClean="0"/>
-              <a:t>/</a:t>
-            </a:r>
-            <a:r>
-              <a:rPr lang="ko-KR" altLang="en-US" dirty="0" smtClean="0"/>
-              <a:t>위치 클릭</a:t>
+              <a:t>에서 추가 선택</a:t>
             </a:r>
             <a:endParaRPr lang="ko-KR" altLang="en-US" dirty="0"/>
           </a:p>
@@ -6326,7 +6253,7 @@
       </p:sp>
       <p:pic>
         <p:nvPicPr>
-          <p:cNvPr id="14" name="그림 13"/>
+          <p:cNvPr id="2" name="그림 1"/>
           <p:cNvPicPr>
             <a:picLocks noChangeAspect="1"/>
           </p:cNvPicPr>
@@ -6340,18 +6267,146 @@
         </p:blipFill>
         <p:spPr>
           <a:xfrm>
-            <a:off x="1403814" y="2299995"/>
-            <a:ext cx="2809875" cy="4324350"/>
+            <a:off x="2766893" y="2339295"/>
+            <a:ext cx="7104944" cy="4149526"/>
           </a:xfrm>
           <a:prstGeom prst="rect">
             <a:avLst/>
           </a:prstGeom>
         </p:spPr>
       </p:pic>
+      <p:sp>
+        <p:nvSpPr>
+          <p:cNvPr id="5" name="직사각형 4"/>
+          <p:cNvSpPr/>
+          <p:nvPr/>
+        </p:nvSpPr>
+        <p:spPr>
+          <a:xfrm>
+            <a:off x="2750267" y="4422371"/>
+            <a:ext cx="732765" cy="1039091"/>
+          </a:xfrm>
+          <a:prstGeom prst="rect">
+            <a:avLst/>
+          </a:prstGeom>
+          <a:noFill/>
+          <a:ln>
+            <a:solidFill>
+              <a:srgbClr val="FF0000"/>
+            </a:solidFill>
+          </a:ln>
+        </p:spPr>
+        <p:style>
+          <a:lnRef idx="2">
+            <a:schemeClr val="accent1">
+              <a:shade val="50000"/>
+            </a:schemeClr>
+          </a:lnRef>
+          <a:fillRef idx="1">
+            <a:schemeClr val="accent1"/>
+          </a:fillRef>
+          <a:effectRef idx="0">
+            <a:schemeClr val="accent1"/>
+          </a:effectRef>
+          <a:fontRef idx="minor">
+            <a:schemeClr val="lt1"/>
+          </a:fontRef>
+        </p:style>
+        <p:txBody>
+          <a:bodyPr rtlCol="0" anchor="ctr"/>
+          <a:lstStyle/>
+          <a:p>
+            <a:pPr algn="ctr"/>
+            <a:endParaRPr lang="ko-KR" altLang="en-US"/>
+          </a:p>
+        </p:txBody>
+      </p:sp>
+      <p:sp>
+        <p:nvSpPr>
+          <p:cNvPr id="6" name="직사각형 5"/>
+          <p:cNvSpPr/>
+          <p:nvPr/>
+        </p:nvSpPr>
+        <p:spPr>
+          <a:xfrm>
+            <a:off x="7065818" y="6276108"/>
+            <a:ext cx="490451" cy="187774"/>
+          </a:xfrm>
+          <a:prstGeom prst="rect">
+            <a:avLst/>
+          </a:prstGeom>
+          <a:noFill/>
+          <a:ln>
+            <a:solidFill>
+              <a:srgbClr val="FF0000"/>
+            </a:solidFill>
+          </a:ln>
+        </p:spPr>
+        <p:style>
+          <a:lnRef idx="2">
+            <a:schemeClr val="accent1">
+              <a:shade val="50000"/>
+            </a:schemeClr>
+          </a:lnRef>
+          <a:fillRef idx="1">
+            <a:schemeClr val="accent1"/>
+          </a:fillRef>
+          <a:effectRef idx="0">
+            <a:schemeClr val="accent1"/>
+          </a:effectRef>
+          <a:fontRef idx="minor">
+            <a:schemeClr val="lt1"/>
+          </a:fontRef>
+        </p:style>
+        <p:txBody>
+          <a:bodyPr rtlCol="0" anchor="ctr"/>
+          <a:lstStyle/>
+          <a:p>
+            <a:pPr algn="ctr"/>
+            <a:endParaRPr lang="ko-KR" altLang="en-US"/>
+          </a:p>
+        </p:txBody>
+      </p:sp>
+      <p:cxnSp>
+        <p:nvCxnSpPr>
+          <p:cNvPr id="10" name="직선 화살표 연결선 9"/>
+          <p:cNvCxnSpPr/>
+          <p:nvPr/>
+        </p:nvCxnSpPr>
+        <p:spPr>
+          <a:xfrm>
+            <a:off x="3499658" y="5212080"/>
+            <a:ext cx="3516284" cy="1088967"/>
+          </a:xfrm>
+          <a:prstGeom prst="straightConnector1">
+            <a:avLst/>
+          </a:prstGeom>
+          <a:ln>
+            <a:solidFill>
+              <a:srgbClr val="FF0000"/>
+            </a:solidFill>
+            <a:tailEnd type="triangle"/>
+          </a:ln>
+        </p:spPr>
+        <p:style>
+          <a:lnRef idx="1">
+            <a:schemeClr val="accent1"/>
+          </a:lnRef>
+          <a:fillRef idx="0">
+            <a:schemeClr val="accent1"/>
+          </a:fillRef>
+          <a:effectRef idx="0">
+            <a:schemeClr val="accent1"/>
+          </a:effectRef>
+          <a:fontRef idx="minor">
+            <a:schemeClr val="tx1"/>
+          </a:fontRef>
+        </p:style>
+      </p:cxnSp>
     </p:spTree>
     <p:extLst>
       <p:ext uri="{BB962C8B-B14F-4D97-AF65-F5344CB8AC3E}">
-        <p14:creationId xmlns:p14="http://schemas.microsoft.com/office/powerpoint/2010/main" val="4239631827"/>
+        <p14:creationId xmlns:p14="http://schemas.microsoft.com/office/powerpoint/2010/main" val="3297933646"/>
       </p:ext>
     </p:extLst>
   </p:cSld>
@@ -6450,9 +6505,91 @@
           </a:p>
         </p:txBody>
       </p:sp>
+      <p:sp>
+        <p:nvSpPr>
+          <p:cNvPr id="12" name="TextBox 11"/>
+          <p:cNvSpPr txBox="1"/>
+          <p:nvPr/>
+        </p:nvSpPr>
+        <p:spPr>
+          <a:xfrm>
+            <a:off x="5004996" y="2579055"/>
+            <a:ext cx="3310522" cy="1477328"/>
+          </a:xfrm>
+          <a:prstGeom prst="rect">
+            <a:avLst/>
+          </a:prstGeom>
+          <a:noFill/>
+        </p:spPr>
+        <p:txBody>
+          <a:bodyPr wrap="none" rtlCol="0">
+            <a:spAutoFit/>
+          </a:bodyPr>
+          <a:lstStyle/>
+          <a:p>
+            <a:pPr marL="285750" indent="-285750">
+              <a:buFont typeface="Arial" panose="020B0604020202020204" pitchFamily="34" charset="0"/>
+              <a:buChar char="•"/>
+            </a:pPr>
+            <a:r>
+              <a:rPr lang="ko-KR" altLang="en-US" dirty="0" smtClean="0"/>
+              <a:t>앱 서비스 이름 작성</a:t>
+            </a:r>
+            <a:endParaRPr lang="en-US" altLang="ko-KR" dirty="0" smtClean="0"/>
+          </a:p>
+          <a:p>
+            <a:pPr marL="285750" indent="-285750">
+              <a:buFont typeface="Arial" panose="020B0604020202020204" pitchFamily="34" charset="0"/>
+              <a:buChar char="•"/>
+            </a:pPr>
+            <a:endParaRPr lang="en-US" altLang="ko-KR" dirty="0"/>
+          </a:p>
+          <a:p>
+            <a:pPr marL="285750" indent="-285750">
+              <a:buFont typeface="Arial" panose="020B0604020202020204" pitchFamily="34" charset="0"/>
+              <a:buChar char="•"/>
+            </a:pPr>
+            <a:r>
+              <a:rPr lang="ko-KR" altLang="en-US" dirty="0" smtClean="0"/>
+              <a:t>리소스 그룹 작성</a:t>
+            </a:r>
+            <a:endParaRPr lang="en-US" altLang="ko-KR" dirty="0" smtClean="0"/>
+          </a:p>
+          <a:p>
+            <a:pPr marL="285750" indent="-285750">
+              <a:buFont typeface="Arial" panose="020B0604020202020204" pitchFamily="34" charset="0"/>
+              <a:buChar char="•"/>
+            </a:pPr>
+            <a:endParaRPr lang="en-US" altLang="ko-KR" dirty="0"/>
+          </a:p>
+          <a:p>
+            <a:pPr marL="285750" indent="-285750">
+              <a:buFont typeface="Arial" panose="020B0604020202020204" pitchFamily="34" charset="0"/>
+              <a:buChar char="•"/>
+            </a:pPr>
+            <a:r>
+              <a:rPr lang="en-US" altLang="ko-KR" dirty="0" smtClean="0"/>
+              <a:t>App Service </a:t>
+            </a:r>
+            <a:r>
+              <a:rPr lang="ko-KR" altLang="en-US" dirty="0" smtClean="0"/>
+              <a:t>계획</a:t>
+            </a:r>
+            <a:r>
+              <a:rPr lang="en-US" altLang="ko-KR" dirty="0" smtClean="0"/>
+              <a:t>/</a:t>
+            </a:r>
+            <a:r>
+              <a:rPr lang="ko-KR" altLang="en-US" dirty="0" smtClean="0"/>
+              <a:t>위치 클릭</a:t>
+            </a:r>
+            <a:endParaRPr lang="ko-KR" altLang="en-US" dirty="0"/>
+          </a:p>
+        </p:txBody>
+      </p:sp>
       <p:pic>
         <p:nvPicPr>
-          <p:cNvPr id="2" name="그림 1"/>
+          <p:cNvPr id="14" name="그림 13"/>
           <p:cNvPicPr>
             <a:picLocks noChangeAspect="1"/>
           </p:cNvPicPr>
@@ -6466,388 +6603,18 @@
         </p:blipFill>
         <p:spPr>
           <a:xfrm>
-            <a:off x="743185" y="2165440"/>
-            <a:ext cx="6910682" cy="4014824"/>
+            <a:off x="1403814" y="2299995"/>
+            <a:ext cx="2809875" cy="4324350"/>
           </a:xfrm>
           <a:prstGeom prst="rect">
             <a:avLst/>
           </a:prstGeom>
         </p:spPr>
       </p:pic>
-      <p:sp>
-        <p:nvSpPr>
-          <p:cNvPr id="3" name="직사각형 2"/>
-          <p:cNvSpPr/>
-          <p:nvPr/>
-        </p:nvSpPr>
-        <p:spPr>
-          <a:xfrm>
-            <a:off x="743185" y="2528256"/>
-            <a:ext cx="645348" cy="287867"/>
-          </a:xfrm>
-          <a:prstGeom prst="rect">
-            <a:avLst/>
-          </a:prstGeom>
-          <a:noFill/>
-          <a:ln>
-            <a:solidFill>
-              <a:srgbClr val="FF0000"/>
-            </a:solidFill>
-          </a:ln>
-        </p:spPr>
-        <p:style>
-          <a:lnRef idx="2">
-            <a:schemeClr val="accent1">
-              <a:shade val="50000"/>
-            </a:schemeClr>
-          </a:lnRef>
-          <a:fillRef idx="1">
-            <a:schemeClr val="accent1"/>
-          </a:fillRef>
-          <a:effectRef idx="0">
-            <a:schemeClr val="accent1"/>
-          </a:effectRef>
-          <a:fontRef idx="minor">
-            <a:schemeClr val="lt1"/>
-          </a:fontRef>
-        </p:style>
-        <p:txBody>
-          <a:bodyPr rtlCol="0" anchor="ctr"/>
-          <a:lstStyle/>
-          <a:p>
-            <a:pPr algn="ctr"/>
-            <a:endParaRPr lang="ko-KR" altLang="en-US"/>
-          </a:p>
-        </p:txBody>
-      </p:sp>
-      <p:sp>
-        <p:nvSpPr>
-          <p:cNvPr id="8" name="직사각형 7"/>
-          <p:cNvSpPr/>
-          <p:nvPr/>
-        </p:nvSpPr>
-        <p:spPr>
-          <a:xfrm>
-            <a:off x="3537784" y="2672189"/>
-            <a:ext cx="560681" cy="333478"/>
-          </a:xfrm>
-          <a:prstGeom prst="rect">
-            <a:avLst/>
-          </a:prstGeom>
-          <a:noFill/>
-          <a:ln>
-            <a:solidFill>
-              <a:srgbClr val="FF0000"/>
-            </a:solidFill>
-          </a:ln>
-        </p:spPr>
-        <p:style>
-          <a:lnRef idx="2">
-            <a:schemeClr val="accent1">
-              <a:shade val="50000"/>
-            </a:schemeClr>
-          </a:lnRef>
-          <a:fillRef idx="1">
-            <a:schemeClr val="accent1"/>
-          </a:fillRef>
-          <a:effectRef idx="0">
-            <a:schemeClr val="accent1"/>
-          </a:effectRef>
-          <a:fontRef idx="minor">
-            <a:schemeClr val="lt1"/>
-          </a:fontRef>
-        </p:style>
-        <p:txBody>
-          <a:bodyPr rtlCol="0" anchor="ctr"/>
-          <a:lstStyle/>
-          <a:p>
-            <a:pPr algn="ctr"/>
-            <a:endParaRPr lang="ko-KR" altLang="en-US"/>
-          </a:p>
-        </p:txBody>
-      </p:sp>
-      <p:cxnSp>
-        <p:nvCxnSpPr>
-          <p:cNvPr id="5" name="직선 화살표 연결선 4"/>
-          <p:cNvCxnSpPr/>
-          <p:nvPr/>
-        </p:nvCxnSpPr>
-        <p:spPr>
-          <a:xfrm>
-            <a:off x="1481667" y="2672189"/>
-            <a:ext cx="1989666" cy="0"/>
-          </a:xfrm>
-          <a:prstGeom prst="straightConnector1">
-            <a:avLst/>
-          </a:prstGeom>
-          <a:ln>
-            <a:solidFill>
-              <a:srgbClr val="FF0000"/>
-            </a:solidFill>
-            <a:tailEnd type="triangle"/>
-          </a:ln>
-        </p:spPr>
-        <p:style>
-          <a:lnRef idx="1">
-            <a:schemeClr val="accent1"/>
-          </a:lnRef>
-          <a:fillRef idx="0">
-            <a:schemeClr val="accent1"/>
-          </a:fillRef>
-          <a:effectRef idx="0">
-            <a:schemeClr val="accent1"/>
-          </a:effectRef>
-          <a:fontRef idx="minor">
-            <a:schemeClr val="tx1"/>
-          </a:fontRef>
-        </p:style>
-      </p:cxnSp>
-      <p:sp>
-        <p:nvSpPr>
-          <p:cNvPr id="6" name="TextBox 5"/>
-          <p:cNvSpPr txBox="1"/>
-          <p:nvPr/>
-        </p:nvSpPr>
-        <p:spPr>
-          <a:xfrm>
-            <a:off x="7958667" y="2165440"/>
-            <a:ext cx="4013200" cy="2862322"/>
-          </a:xfrm>
-          <a:prstGeom prst="rect">
-            <a:avLst/>
-          </a:prstGeom>
-          <a:noFill/>
-        </p:spPr>
-        <p:txBody>
-          <a:bodyPr wrap="square" rtlCol="0">
-            <a:spAutoFit/>
-          </a:bodyPr>
-          <a:lstStyle/>
-          <a:p>
-            <a:pPr marL="285750" indent="-285750">
-              <a:buFont typeface="Arial" panose="020B0604020202020204" pitchFamily="34" charset="0"/>
-              <a:buChar char="•"/>
-            </a:pPr>
-            <a:r>
-              <a:rPr lang="ko-KR" altLang="en-US" dirty="0"/>
-              <a:t>새로 만들기 클릭</a:t>
-            </a:r>
-            <a:endParaRPr lang="en-US" altLang="ko-KR" dirty="0"/>
-          </a:p>
-          <a:p>
-            <a:pPr marL="285750" indent="-285750">
-              <a:buFont typeface="Arial" panose="020B0604020202020204" pitchFamily="34" charset="0"/>
-              <a:buChar char="•"/>
-            </a:pPr>
-            <a:endParaRPr lang="en-US" altLang="ko-KR" dirty="0"/>
-          </a:p>
-          <a:p>
-            <a:pPr marL="285750" indent="-285750">
-              <a:buFont typeface="Arial" panose="020B0604020202020204" pitchFamily="34" charset="0"/>
-              <a:buChar char="•"/>
-            </a:pPr>
-            <a:r>
-              <a:rPr lang="en-US" altLang="ko-KR" dirty="0"/>
-              <a:t>App Service </a:t>
-            </a:r>
-            <a:r>
-              <a:rPr lang="ko-KR" altLang="en-US" dirty="0"/>
-              <a:t>계획 이름 작성</a:t>
-            </a:r>
-            <a:endParaRPr lang="en-US" altLang="ko-KR" dirty="0"/>
-          </a:p>
-          <a:p>
-            <a:pPr marL="285750" indent="-285750">
-              <a:buFont typeface="Arial" panose="020B0604020202020204" pitchFamily="34" charset="0"/>
-              <a:buChar char="•"/>
-            </a:pPr>
-            <a:endParaRPr lang="en-US" altLang="ko-KR" dirty="0"/>
-          </a:p>
-          <a:p>
-            <a:pPr marL="285750" indent="-285750">
-              <a:buFont typeface="Arial" panose="020B0604020202020204" pitchFamily="34" charset="0"/>
-              <a:buChar char="•"/>
-            </a:pPr>
-            <a:r>
-              <a:rPr lang="ko-KR" altLang="en-US" dirty="0"/>
-              <a:t>서버 위치 선택</a:t>
-            </a:r>
-            <a:endParaRPr lang="en-US" altLang="ko-KR" dirty="0"/>
-          </a:p>
-          <a:p>
-            <a:pPr marL="285750" indent="-285750">
-              <a:buFont typeface="Arial" panose="020B0604020202020204" pitchFamily="34" charset="0"/>
-              <a:buChar char="•"/>
-            </a:pPr>
-            <a:endParaRPr lang="en-US" altLang="ko-KR" dirty="0"/>
-          </a:p>
-          <a:p>
-            <a:pPr marL="285750" indent="-285750">
-              <a:buFont typeface="Arial" panose="020B0604020202020204" pitchFamily="34" charset="0"/>
-              <a:buChar char="•"/>
-            </a:pPr>
-            <a:r>
-              <a:rPr lang="ko-KR" altLang="en-US" dirty="0"/>
-              <a:t>가격 책정 계층에서 서버 스펙 지정 후 </a:t>
-            </a:r>
-            <a:r>
-              <a:rPr lang="ko-KR" altLang="en-US" dirty="0" smtClean="0"/>
-              <a:t>선택 클릭</a:t>
-            </a:r>
-            <a:endParaRPr lang="en-US" altLang="ko-KR" dirty="0" smtClean="0"/>
-          </a:p>
-          <a:p>
-            <a:pPr marL="285750" indent="-285750">
-              <a:buFont typeface="Arial" panose="020B0604020202020204" pitchFamily="34" charset="0"/>
-              <a:buChar char="•"/>
-            </a:pPr>
-            <a:endParaRPr lang="en-US" altLang="ko-KR" dirty="0"/>
-          </a:p>
-          <a:p>
-            <a:pPr marL="285750" indent="-285750">
-              <a:buFont typeface="Arial" panose="020B0604020202020204" pitchFamily="34" charset="0"/>
-              <a:buChar char="•"/>
-            </a:pPr>
-            <a:r>
-              <a:rPr lang="ko-KR" altLang="en-US" dirty="0" smtClean="0"/>
-              <a:t>확인 클릭</a:t>
-            </a:r>
-            <a:endParaRPr lang="en-US" altLang="ko-KR" dirty="0" smtClean="0"/>
-          </a:p>
-        </p:txBody>
-      </p:sp>
-      <p:sp>
-        <p:nvSpPr>
-          <p:cNvPr id="9" name="직사각형 8"/>
-          <p:cNvSpPr/>
-          <p:nvPr/>
-        </p:nvSpPr>
-        <p:spPr>
-          <a:xfrm>
-            <a:off x="5029200" y="4267200"/>
-            <a:ext cx="931333" cy="1642533"/>
-          </a:xfrm>
-          <a:prstGeom prst="rect">
-            <a:avLst/>
-          </a:prstGeom>
-          <a:noFill/>
-          <a:ln>
-            <a:solidFill>
-              <a:srgbClr val="FF0000"/>
-            </a:solidFill>
-          </a:ln>
-        </p:spPr>
-        <p:style>
-          <a:lnRef idx="2">
-            <a:schemeClr val="accent1">
-              <a:shade val="50000"/>
-            </a:schemeClr>
-          </a:lnRef>
-          <a:fillRef idx="1">
-            <a:schemeClr val="accent1"/>
-          </a:fillRef>
-          <a:effectRef idx="0">
-            <a:schemeClr val="accent1"/>
-          </a:effectRef>
-          <a:fontRef idx="minor">
-            <a:schemeClr val="lt1"/>
-          </a:fontRef>
-        </p:style>
-        <p:txBody>
-          <a:bodyPr rtlCol="0" anchor="ctr"/>
-          <a:lstStyle/>
-          <a:p>
-            <a:pPr algn="ctr"/>
-            <a:endParaRPr lang="ko-KR" altLang="en-US"/>
-          </a:p>
-        </p:txBody>
-      </p:sp>
-      <p:cxnSp>
-        <p:nvCxnSpPr>
-          <p:cNvPr id="11" name="직선 화살표 연결선 10"/>
-          <p:cNvCxnSpPr/>
-          <p:nvPr/>
-        </p:nvCxnSpPr>
-        <p:spPr>
-          <a:xfrm>
-            <a:off x="4147724" y="2805060"/>
-            <a:ext cx="830674" cy="1707672"/>
-          </a:xfrm>
-          <a:prstGeom prst="straightConnector1">
-            <a:avLst/>
-          </a:prstGeom>
-          <a:ln>
-            <a:solidFill>
-              <a:srgbClr val="FF0000"/>
-            </a:solidFill>
-            <a:tailEnd type="triangle"/>
-          </a:ln>
-        </p:spPr>
-        <p:style>
-          <a:lnRef idx="1">
-            <a:schemeClr val="accent1"/>
-          </a:lnRef>
-          <a:fillRef idx="0">
-            <a:schemeClr val="accent1"/>
-          </a:fillRef>
-          <a:effectRef idx="0">
-            <a:schemeClr val="accent1"/>
-          </a:effectRef>
-          <a:fontRef idx="minor">
-            <a:schemeClr val="tx1"/>
-          </a:fontRef>
-        </p:style>
-      </p:cxnSp>
-      <p:sp>
-        <p:nvSpPr>
-          <p:cNvPr id="16" name="직사각형 15"/>
-          <p:cNvSpPr/>
-          <p:nvPr/>
-        </p:nvSpPr>
-        <p:spPr>
-          <a:xfrm>
-            <a:off x="5029200" y="5960531"/>
-            <a:ext cx="550333" cy="194331"/>
-          </a:xfrm>
-          <a:prstGeom prst="rect">
-            <a:avLst/>
-          </a:prstGeom>
-          <a:noFill/>
-          <a:ln>
-            <a:solidFill>
-              <a:srgbClr val="FF0000"/>
-            </a:solidFill>
-          </a:ln>
-        </p:spPr>
-        <p:style>
-          <a:lnRef idx="2">
-            <a:schemeClr val="accent1">
-              <a:shade val="50000"/>
-            </a:schemeClr>
-          </a:lnRef>
-          <a:fillRef idx="1">
-            <a:schemeClr val="accent1"/>
-          </a:fillRef>
-          <a:effectRef idx="0">
-            <a:schemeClr val="accent1"/>
-          </a:effectRef>
-          <a:fontRef idx="minor">
-            <a:schemeClr val="lt1"/>
-          </a:fontRef>
-        </p:style>
-        <p:txBody>
-          <a:bodyPr rtlCol="0" anchor="ctr"/>
-          <a:lstStyle/>
-          <a:p>
-            <a:pPr algn="ctr"/>
-            <a:endParaRPr lang="ko-KR" altLang="en-US"/>
-          </a:p>
-        </p:txBody>
-      </p:sp>
     </p:spTree>
     <p:extLst>
       <p:ext uri="{BB962C8B-B14F-4D97-AF65-F5344CB8AC3E}">
-        <p14:creationId xmlns:p14="http://schemas.microsoft.com/office/powerpoint/2010/main" val="997459371"/>
+        <p14:creationId xmlns:p14="http://schemas.microsoft.com/office/powerpoint/2010/main" val="4239631827"/>
       </p:ext>
     </p:extLst>
   </p:cSld>
@@ -6948,7 +6715,7 @@
       </p:sp>
       <p:pic>
         <p:nvPicPr>
-          <p:cNvPr id="3" name="그림 2"/>
+          <p:cNvPr id="2" name="그림 1"/>
           <p:cNvPicPr>
             <a:picLocks noChangeAspect="1"/>
           </p:cNvPicPr>
@@ -6962,8 +6729,8 @@
         </p:blipFill>
         <p:spPr>
           <a:xfrm>
-            <a:off x="2895600" y="2414587"/>
-            <a:ext cx="6400800" cy="3324225"/>
+            <a:off x="743185" y="2165440"/>
+            <a:ext cx="6910682" cy="4014824"/>
           </a:xfrm>
           <a:prstGeom prst="rect">
             <a:avLst/>
@@ -6972,14 +6739,14 @@
       </p:pic>
       <p:sp>
         <p:nvSpPr>
-          <p:cNvPr id="4" name="직사각형 3"/>
+          <p:cNvPr id="3" name="직사각형 2"/>
           <p:cNvSpPr/>
           <p:nvPr/>
         </p:nvSpPr>
         <p:spPr>
           <a:xfrm>
-            <a:off x="2895600" y="4264429"/>
-            <a:ext cx="2141913" cy="299258"/>
+            <a:off x="743185" y="2528256"/>
+            <a:ext cx="645348" cy="287867"/>
           </a:xfrm>
           <a:prstGeom prst="rect">
             <a:avLst/>
@@ -7018,14 +6785,14 @@
       </p:sp>
       <p:sp>
         <p:nvSpPr>
-          <p:cNvPr id="9" name="직사각형 8"/>
+          <p:cNvPr id="8" name="직사각형 7"/>
           <p:cNvSpPr/>
           <p:nvPr/>
         </p:nvSpPr>
         <p:spPr>
           <a:xfrm>
-            <a:off x="5321559" y="4289366"/>
-            <a:ext cx="688542" cy="249382"/>
+            <a:off x="3537784" y="2672189"/>
+            <a:ext cx="560681" cy="333478"/>
           </a:xfrm>
           <a:prstGeom prst="rect">
             <a:avLst/>
@@ -7062,16 +6829,52 @@
           </a:p>
         </p:txBody>
       </p:sp>
-      <p:sp>
-        <p:nvSpPr>
-          <p:cNvPr id="12" name="TextBox 11"/>
+      <p:cxnSp>
+        <p:nvCxnSpPr>
+          <p:cNvPr id="5" name="직선 화살표 연결선 4"/>
+          <p:cNvCxnSpPr/>
+          <p:nvPr/>
+        </p:nvCxnSpPr>
+        <p:spPr>
+          <a:xfrm>
+            <a:off x="1481667" y="2672189"/>
+            <a:ext cx="1989666" cy="0"/>
+          </a:xfrm>
+          <a:prstGeom prst="straightConnector1">
+            <a:avLst/>
+          </a:prstGeom>
+          <a:ln>
+            <a:solidFill>
+              <a:srgbClr val="FF0000"/>
+            </a:solidFill>
+            <a:tailEnd type="triangle"/>
+          </a:ln>
+        </p:spPr>
+        <p:style>
+          <a:lnRef idx="1">
+            <a:schemeClr val="accent1"/>
+          </a:lnRef>
+          <a:fillRef idx="0">
+            <a:schemeClr val="accent1"/>
+          </a:fillRef>
+          <a:effectRef idx="0">
+            <a:schemeClr val="accent1"/>
+          </a:effectRef>
+          <a:fontRef idx="minor">
+            <a:schemeClr val="tx1"/>
+          </a:fontRef>
+        </p:style>
+      </p:cxnSp>
+      <p:sp>
+        <p:nvSpPr>
+          <p:cNvPr id="6" name="TextBox 5"/>
           <p:cNvSpPr txBox="1"/>
           <p:nvPr/>
         </p:nvSpPr>
         <p:spPr>
           <a:xfrm>
-            <a:off x="2895600" y="1930663"/>
-            <a:ext cx="2999539" cy="369332"/>
+            <a:off x="7958667" y="2165440"/>
+            <a:ext cx="4013200" cy="2862322"/>
           </a:xfrm>
           <a:prstGeom prst="rect">
             <a:avLst/>
@@ -7079,7 +6882,7 @@
           <a:noFill/>
         </p:spPr>
         <p:txBody>
-          <a:bodyPr wrap="none" rtlCol="0">
+          <a:bodyPr wrap="square" rtlCol="0">
             <a:spAutoFit/>
           </a:bodyPr>
           <a:lstStyle/>
@@ -7089,25 +6892,225 @@
               <a:buChar char="•"/>
             </a:pPr>
             <a:r>
+              <a:rPr lang="ko-KR" altLang="en-US" dirty="0"/>
+              <a:t>새로 만들기 클릭</a:t>
+            </a:r>
+            <a:endParaRPr lang="en-US" altLang="ko-KR" dirty="0"/>
+          </a:p>
+          <a:p>
+            <a:pPr marL="285750" indent="-285750">
+              <a:buFont typeface="Arial" panose="020B0604020202020204" pitchFamily="34" charset="0"/>
+              <a:buChar char="•"/>
+            </a:pPr>
+            <a:endParaRPr lang="en-US" altLang="ko-KR" dirty="0"/>
+          </a:p>
+          <a:p>
+            <a:pPr marL="285750" indent="-285750">
+              <a:buFont typeface="Arial" panose="020B0604020202020204" pitchFamily="34" charset="0"/>
+              <a:buChar char="•"/>
+            </a:pPr>
+            <a:r>
+              <a:rPr lang="en-US" altLang="ko-KR" dirty="0"/>
+              <a:t>App Service </a:t>
+            </a:r>
+            <a:r>
+              <a:rPr lang="ko-KR" altLang="en-US" dirty="0"/>
+              <a:t>계획 이름 작성</a:t>
+            </a:r>
+            <a:endParaRPr lang="en-US" altLang="ko-KR" dirty="0"/>
+          </a:p>
+          <a:p>
+            <a:pPr marL="285750" indent="-285750">
+              <a:buFont typeface="Arial" panose="020B0604020202020204" pitchFamily="34" charset="0"/>
+              <a:buChar char="•"/>
+            </a:pPr>
+            <a:endParaRPr lang="en-US" altLang="ko-KR" dirty="0"/>
+          </a:p>
+          <a:p>
+            <a:pPr marL="285750" indent="-285750">
+              <a:buFont typeface="Arial" panose="020B0604020202020204" pitchFamily="34" charset="0"/>
+              <a:buChar char="•"/>
+            </a:pPr>
+            <a:r>
+              <a:rPr lang="ko-KR" altLang="en-US" dirty="0"/>
+              <a:t>서버 위치 선택</a:t>
+            </a:r>
+            <a:endParaRPr lang="en-US" altLang="ko-KR" dirty="0"/>
+          </a:p>
+          <a:p>
+            <a:pPr marL="285750" indent="-285750">
+              <a:buFont typeface="Arial" panose="020B0604020202020204" pitchFamily="34" charset="0"/>
+              <a:buChar char="•"/>
+            </a:pPr>
+            <a:endParaRPr lang="en-US" altLang="ko-KR" dirty="0"/>
+          </a:p>
+          <a:p>
+            <a:pPr marL="285750" indent="-285750">
+              <a:buFont typeface="Arial" panose="020B0604020202020204" pitchFamily="34" charset="0"/>
+              <a:buChar char="•"/>
+            </a:pPr>
+            <a:r>
+              <a:rPr lang="ko-KR" altLang="en-US" dirty="0"/>
+              <a:t>가격 책정 계층에서 서버 스펙 지정 후 </a:t>
+            </a:r>
+            <a:r>
               <a:rPr lang="ko-KR" altLang="en-US" dirty="0" smtClean="0"/>
-              <a:t>생성한 </a:t>
-            </a:r>
-            <a:r>
-              <a:rPr lang="en-US" altLang="ko-KR" dirty="0" smtClean="0"/>
-              <a:t>App Service </a:t>
-            </a:r>
+              <a:t>선택 클릭</a:t>
+            </a:r>
+            <a:endParaRPr lang="en-US" altLang="ko-KR" dirty="0" smtClean="0"/>
+          </a:p>
+          <a:p>
+            <a:pPr marL="285750" indent="-285750">
+              <a:buFont typeface="Arial" panose="020B0604020202020204" pitchFamily="34" charset="0"/>
+              <a:buChar char="•"/>
+            </a:pPr>
+            <a:endParaRPr lang="en-US" altLang="ko-KR" dirty="0"/>
+          </a:p>
+          <a:p>
+            <a:pPr marL="285750" indent="-285750">
+              <a:buFont typeface="Arial" panose="020B0604020202020204" pitchFamily="34" charset="0"/>
+              <a:buChar char="•"/>
+            </a:pPr>
             <a:r>
               <a:rPr lang="ko-KR" altLang="en-US" dirty="0" smtClean="0"/>
-              <a:t>선택</a:t>
-            </a:r>
-            <a:endParaRPr lang="ko-KR" altLang="en-US" dirty="0"/>
+              <a:t>확인 클릭</a:t>
+            </a:r>
+            <a:endParaRPr lang="en-US" altLang="ko-KR" dirty="0" smtClean="0"/>
+          </a:p>
+        </p:txBody>
+      </p:sp>
+      <p:sp>
+        <p:nvSpPr>
+          <p:cNvPr id="9" name="직사각형 8"/>
+          <p:cNvSpPr/>
+          <p:nvPr/>
+        </p:nvSpPr>
+        <p:spPr>
+          <a:xfrm>
+            <a:off x="5029200" y="4267200"/>
+            <a:ext cx="931333" cy="1642533"/>
+          </a:xfrm>
+          <a:prstGeom prst="rect">
+            <a:avLst/>
+          </a:prstGeom>
+          <a:noFill/>
+          <a:ln>
+            <a:solidFill>
+              <a:srgbClr val="FF0000"/>
+            </a:solidFill>
+          </a:ln>
+        </p:spPr>
+        <p:style>
+          <a:lnRef idx="2">
+            <a:schemeClr val="accent1">
+              <a:shade val="50000"/>
+            </a:schemeClr>
+          </a:lnRef>
+          <a:fillRef idx="1">
+            <a:schemeClr val="accent1"/>
+          </a:fillRef>
+          <a:effectRef idx="0">
+            <a:schemeClr val="accent1"/>
+          </a:effectRef>
+          <a:fontRef idx="minor">
+            <a:schemeClr val="lt1"/>
+          </a:fontRef>
+        </p:style>
+        <p:txBody>
+          <a:bodyPr rtlCol="0" anchor="ctr"/>
+          <a:lstStyle/>
+          <a:p>
+            <a:pPr algn="ctr"/>
+            <a:endParaRPr lang="ko-KR" altLang="en-US"/>
+          </a:p>
+        </p:txBody>
+      </p:sp>
+      <p:cxnSp>
+        <p:nvCxnSpPr>
+          <p:cNvPr id="11" name="직선 화살표 연결선 10"/>
+          <p:cNvCxnSpPr/>
+          <p:nvPr/>
+        </p:nvCxnSpPr>
+        <p:spPr>
+          <a:xfrm>
+            <a:off x="4147724" y="2805060"/>
+            <a:ext cx="830674" cy="1707672"/>
+          </a:xfrm>
+          <a:prstGeom prst="straightConnector1">
+            <a:avLst/>
+          </a:prstGeom>
+          <a:ln>
+            <a:solidFill>
+              <a:srgbClr val="FF0000"/>
+            </a:solidFill>
+            <a:tailEnd type="triangle"/>
+          </a:ln>
+        </p:spPr>
+        <p:style>
+          <a:lnRef idx="1">
+            <a:schemeClr val="accent1"/>
+          </a:lnRef>
+          <a:fillRef idx="0">
+            <a:schemeClr val="accent1"/>
+          </a:fillRef>
+          <a:effectRef idx="0">
+            <a:schemeClr val="accent1"/>
+          </a:effectRef>
+          <a:fontRef idx="minor">
+            <a:schemeClr val="tx1"/>
+          </a:fontRef>
+        </p:style>
+      </p:cxnSp>
+      <p:sp>
+        <p:nvSpPr>
+          <p:cNvPr id="16" name="직사각형 15"/>
+          <p:cNvSpPr/>
+          <p:nvPr/>
+        </p:nvSpPr>
+        <p:spPr>
+          <a:xfrm>
+            <a:off x="5029200" y="5960531"/>
+            <a:ext cx="550333" cy="194331"/>
+          </a:xfrm>
+          <a:prstGeom prst="rect">
+            <a:avLst/>
+          </a:prstGeom>
+          <a:noFill/>
+          <a:ln>
+            <a:solidFill>
+              <a:srgbClr val="FF0000"/>
+            </a:solidFill>
+          </a:ln>
+        </p:spPr>
+        <p:style>
+          <a:lnRef idx="2">
+            <a:schemeClr val="accent1">
+              <a:shade val="50000"/>
+            </a:schemeClr>
+          </a:lnRef>
+          <a:fillRef idx="1">
+            <a:schemeClr val="accent1"/>
+          </a:fillRef>
+          <a:effectRef idx="0">
+            <a:schemeClr val="accent1"/>
+          </a:effectRef>
+          <a:fontRef idx="minor">
+            <a:schemeClr val="lt1"/>
+          </a:fontRef>
+        </p:style>
+        <p:txBody>
+          <a:bodyPr rtlCol="0" anchor="ctr"/>
+          <a:lstStyle/>
+          <a:p>
+            <a:pPr algn="ctr"/>
+            <a:endParaRPr lang="ko-KR" altLang="en-US"/>
           </a:p>
         </p:txBody>
       </p:sp>
     </p:spTree>
     <p:extLst>
       <p:ext uri="{BB962C8B-B14F-4D97-AF65-F5344CB8AC3E}">
-        <p14:creationId xmlns:p14="http://schemas.microsoft.com/office/powerpoint/2010/main" val="285959582"/>
+        <p14:creationId xmlns:p14="http://schemas.microsoft.com/office/powerpoint/2010/main" val="997459371"/>
       </p:ext>
     </p:extLst>
   </p:cSld>
@@ -7208,7 +7211,7 @@
       </p:sp>
       <p:pic>
         <p:nvPicPr>
-          <p:cNvPr id="2" name="그림 1"/>
+          <p:cNvPr id="3" name="그림 2"/>
           <p:cNvPicPr>
             <a:picLocks noChangeAspect="1"/>
           </p:cNvPicPr>
@@ -7222,8 +7225,8 @@
         </p:blipFill>
         <p:spPr>
           <a:xfrm>
-            <a:off x="1371600" y="2401886"/>
-            <a:ext cx="9448800" cy="2714625"/>
+            <a:off x="2895600" y="2414587"/>
+            <a:ext cx="6400800" cy="3324225"/>
           </a:xfrm>
           <a:prstGeom prst="rect">
             <a:avLst/>
@@ -7232,14 +7235,106 @@
       </p:pic>
       <p:sp>
         <p:nvSpPr>
-          <p:cNvPr id="3" name="TextBox 2"/>
+          <p:cNvPr id="4" name="직사각형 3"/>
+          <p:cNvSpPr/>
+          <p:nvPr/>
+        </p:nvSpPr>
+        <p:spPr>
+          <a:xfrm>
+            <a:off x="2895600" y="4264429"/>
+            <a:ext cx="2141913" cy="299258"/>
+          </a:xfrm>
+          <a:prstGeom prst="rect">
+            <a:avLst/>
+          </a:prstGeom>
+          <a:noFill/>
+          <a:ln>
+            <a:solidFill>
+              <a:srgbClr val="FF0000"/>
+            </a:solidFill>
+          </a:ln>
+        </p:spPr>
+        <p:style>
+          <a:lnRef idx="2">
+            <a:schemeClr val="accent1">
+              <a:shade val="50000"/>
+            </a:schemeClr>
+          </a:lnRef>
+          <a:fillRef idx="1">
+            <a:schemeClr val="accent1"/>
+          </a:fillRef>
+          <a:effectRef idx="0">
+            <a:schemeClr val="accent1"/>
+          </a:effectRef>
+          <a:fontRef idx="minor">
+            <a:schemeClr val="lt1"/>
+          </a:fontRef>
+        </p:style>
+        <p:txBody>
+          <a:bodyPr rtlCol="0" anchor="ctr"/>
+          <a:lstStyle/>
+          <a:p>
+            <a:pPr algn="ctr"/>
+            <a:endParaRPr lang="ko-KR" altLang="en-US"/>
+          </a:p>
+        </p:txBody>
+      </p:sp>
+      <p:sp>
+        <p:nvSpPr>
+          <p:cNvPr id="9" name="직사각형 8"/>
+          <p:cNvSpPr/>
+          <p:nvPr/>
+        </p:nvSpPr>
+        <p:spPr>
+          <a:xfrm>
+            <a:off x="5321559" y="4289366"/>
+            <a:ext cx="688542" cy="249382"/>
+          </a:xfrm>
+          <a:prstGeom prst="rect">
+            <a:avLst/>
+          </a:prstGeom>
+          <a:noFill/>
+          <a:ln>
+            <a:solidFill>
+              <a:srgbClr val="FF0000"/>
+            </a:solidFill>
+          </a:ln>
+        </p:spPr>
+        <p:style>
+          <a:lnRef idx="2">
+            <a:schemeClr val="accent1">
+              <a:shade val="50000"/>
+            </a:schemeClr>
+          </a:lnRef>
+          <a:fillRef idx="1">
+            <a:schemeClr val="accent1"/>
+          </a:fillRef>
+          <a:effectRef idx="0">
+            <a:schemeClr val="accent1"/>
+          </a:effectRef>
+          <a:fontRef idx="minor">
+            <a:schemeClr val="lt1"/>
+          </a:fontRef>
+        </p:style>
+        <p:txBody>
+          <a:bodyPr rtlCol="0" anchor="ctr"/>
+          <a:lstStyle/>
+          <a:p>
+            <a:pPr algn="ctr"/>
+            <a:endParaRPr lang="ko-KR" altLang="en-US"/>
+          </a:p>
+        </p:txBody>
+      </p:sp>
+      <p:sp>
+        <p:nvSpPr>
+          <p:cNvPr id="12" name="TextBox 11"/>
           <p:cNvSpPr txBox="1"/>
           <p:nvPr/>
         </p:nvSpPr>
         <p:spPr>
           <a:xfrm>
-            <a:off x="7670800" y="3149600"/>
-            <a:ext cx="1125629" cy="276999"/>
+            <a:off x="2895600" y="1930663"/>
+            <a:ext cx="2999539" cy="369332"/>
           </a:xfrm>
           <a:prstGeom prst="rect">
             <a:avLst/>
@@ -7252,86 +7347,30 @@
           </a:bodyPr>
           <a:lstStyle/>
           <a:p>
-            <a:r>
-              <a:rPr lang="ko-KR" altLang="en-US" sz="1200" dirty="0" smtClean="0"/>
-              <a:t>홈페이지 주소</a:t>
-            </a:r>
-            <a:endParaRPr lang="ko-KR" altLang="en-US" sz="1200" dirty="0"/>
-          </a:p>
-        </p:txBody>
-      </p:sp>
-      <p:sp>
-        <p:nvSpPr>
-          <p:cNvPr id="9" name="TextBox 8"/>
-          <p:cNvSpPr txBox="1"/>
-          <p:nvPr/>
-        </p:nvSpPr>
-        <p:spPr>
-          <a:xfrm>
-            <a:off x="8559800" y="3897314"/>
-            <a:ext cx="1213794" cy="276999"/>
-          </a:xfrm>
-          <a:prstGeom prst="rect">
-            <a:avLst/>
-          </a:prstGeom>
-          <a:noFill/>
-        </p:spPr>
-        <p:txBody>
-          <a:bodyPr wrap="none" rtlCol="0">
-            <a:spAutoFit/>
-          </a:bodyPr>
-          <a:lstStyle/>
-          <a:p>
-            <a:r>
-              <a:rPr lang="en-US" altLang="ko-KR" sz="1200" dirty="0" smtClean="0"/>
-              <a:t>ftp </a:t>
-            </a:r>
-            <a:r>
-              <a:rPr lang="ko-KR" altLang="en-US" sz="1200" dirty="0" smtClean="0"/>
-              <a:t>배포자 이름</a:t>
-            </a:r>
-            <a:endParaRPr lang="ko-KR" altLang="en-US" sz="1200" dirty="0"/>
-          </a:p>
-        </p:txBody>
-      </p:sp>
-      <p:sp>
-        <p:nvSpPr>
-          <p:cNvPr id="10" name="TextBox 9"/>
-          <p:cNvSpPr txBox="1"/>
-          <p:nvPr/>
-        </p:nvSpPr>
-        <p:spPr>
-          <a:xfrm>
-            <a:off x="8233614" y="4141768"/>
-            <a:ext cx="720069" cy="276999"/>
-          </a:xfrm>
-          <a:prstGeom prst="rect">
-            <a:avLst/>
-          </a:prstGeom>
-          <a:noFill/>
-        </p:spPr>
-        <p:txBody>
-          <a:bodyPr wrap="none" rtlCol="0">
-            <a:spAutoFit/>
-          </a:bodyPr>
-          <a:lstStyle/>
-          <a:p>
-            <a:r>
-              <a:rPr lang="en-US" altLang="ko-KR" sz="1200" dirty="0" smtClean="0"/>
-              <a:t>ftp </a:t>
-            </a:r>
-            <a:r>
-              <a:rPr lang="ko-KR" altLang="en-US" sz="1200" dirty="0" smtClean="0"/>
-              <a:t>주소</a:t>
-            </a:r>
-            <a:endParaRPr lang="ko-KR" altLang="en-US" sz="1200" dirty="0"/>
+            <a:pPr marL="285750" indent="-285750">
+              <a:buFont typeface="Arial" panose="020B0604020202020204" pitchFamily="34" charset="0"/>
+              <a:buChar char="•"/>
+            </a:pPr>
+            <a:r>
+              <a:rPr lang="ko-KR" altLang="en-US" dirty="0" smtClean="0"/>
+              <a:t>생성한 </a:t>
+            </a:r>
+            <a:r>
+              <a:rPr lang="en-US" altLang="ko-KR" dirty="0" smtClean="0"/>
+              <a:t>App Service </a:t>
+            </a:r>
+            <a:r>
+              <a:rPr lang="ko-KR" altLang="en-US" dirty="0" smtClean="0"/>
+              <a:t>선택</a:t>
+            </a:r>
+            <a:endParaRPr lang="ko-KR" altLang="en-US" dirty="0"/>
           </a:p>
         </p:txBody>
       </p:sp>
     </p:spTree>
     <p:extLst>
       <p:ext uri="{BB962C8B-B14F-4D97-AF65-F5344CB8AC3E}">
-        <p14:creationId xmlns:p14="http://schemas.microsoft.com/office/powerpoint/2010/main" val="1854427606"/>
+        <p14:creationId xmlns:p14="http://schemas.microsoft.com/office/powerpoint/2010/main" val="285959582"/>
       </p:ext>
     </p:extLst>
   </p:cSld>
@@ -7432,7 +7471,7 @@
       </p:sp>
       <p:pic>
         <p:nvPicPr>
-          <p:cNvPr id="6" name="그림 5"/>
+          <p:cNvPr id="2" name="그림 1"/>
           <p:cNvPicPr>
             <a:picLocks noChangeAspect="1"/>
           </p:cNvPicPr>
@@ -7446,8 +7485,8 @@
         </p:blipFill>
         <p:spPr>
           <a:xfrm>
-            <a:off x="753687" y="2775344"/>
-            <a:ext cx="5738553" cy="3390900"/>
+            <a:off x="1371600" y="2401886"/>
+            <a:ext cx="9448800" cy="2714625"/>
           </a:xfrm>
           <a:prstGeom prst="rect">
             <a:avLst/>
@@ -7456,14 +7495,14 @@
       </p:pic>
       <p:sp>
         <p:nvSpPr>
-          <p:cNvPr id="8" name="TextBox 7"/>
+          <p:cNvPr id="3" name="TextBox 2"/>
           <p:cNvSpPr txBox="1"/>
           <p:nvPr/>
         </p:nvSpPr>
         <p:spPr>
           <a:xfrm>
-            <a:off x="6781800" y="2125133"/>
-            <a:ext cx="5147733" cy="923330"/>
+            <a:off x="7670800" y="3149600"/>
+            <a:ext cx="1125629" cy="276999"/>
           </a:xfrm>
           <a:prstGeom prst="rect">
             <a:avLst/>
@@ -7471,49 +7510,91 @@
           <a:noFill/>
         </p:spPr>
         <p:txBody>
-          <a:bodyPr wrap="square" rtlCol="0">
+          <a:bodyPr wrap="none" rtlCol="0">
             <a:spAutoFit/>
           </a:bodyPr>
           <a:lstStyle/>
           <a:p>
-            <a:pPr marL="285750" indent="-285750">
-              <a:buFont typeface="Arial" panose="020B0604020202020204" pitchFamily="34" charset="0"/>
-              <a:buChar char="•"/>
-            </a:pPr>
-            <a:r>
-              <a:rPr lang="en-US" altLang="ko-KR" dirty="0" smtClean="0"/>
-              <a:t>FTP </a:t>
-            </a:r>
-            <a:r>
-              <a:rPr lang="ko-KR" altLang="en-US" dirty="0" smtClean="0"/>
-              <a:t>사용을 위해 배포 자격 증명 선택</a:t>
-            </a:r>
-            <a:endParaRPr lang="en-US" altLang="ko-KR" dirty="0" smtClean="0"/>
-          </a:p>
-          <a:p>
-            <a:pPr marL="285750" indent="-285750">
-              <a:buFont typeface="Arial" panose="020B0604020202020204" pitchFamily="34" charset="0"/>
-              <a:buChar char="•"/>
-            </a:pPr>
-            <a:endParaRPr lang="en-US" altLang="ko-KR" dirty="0"/>
-          </a:p>
-          <a:p>
-            <a:pPr marL="285750" indent="-285750">
-              <a:buFont typeface="Arial" panose="020B0604020202020204" pitchFamily="34" charset="0"/>
-              <a:buChar char="•"/>
-            </a:pPr>
-            <a:r>
-              <a:rPr lang="ko-KR" altLang="en-US" dirty="0" smtClean="0"/>
-              <a:t>사용자 이름 및 비밀 번호 생성 후 저장</a:t>
-            </a:r>
-            <a:endParaRPr lang="ko-KR" altLang="en-US" dirty="0"/>
+            <a:r>
+              <a:rPr lang="ko-KR" altLang="en-US" sz="1200" dirty="0" smtClean="0"/>
+              <a:t>홈페이지 주소</a:t>
+            </a:r>
+            <a:endParaRPr lang="ko-KR" altLang="en-US" sz="1200" dirty="0"/>
+          </a:p>
+        </p:txBody>
+      </p:sp>
+      <p:sp>
+        <p:nvSpPr>
+          <p:cNvPr id="9" name="TextBox 8"/>
+          <p:cNvSpPr txBox="1"/>
+          <p:nvPr/>
+        </p:nvSpPr>
+        <p:spPr>
+          <a:xfrm>
+            <a:off x="8559800" y="3897314"/>
+            <a:ext cx="1213794" cy="276999"/>
+          </a:xfrm>
+          <a:prstGeom prst="rect">
+            <a:avLst/>
+          </a:prstGeom>
+          <a:noFill/>
+        </p:spPr>
+        <p:txBody>
+          <a:bodyPr wrap="none" rtlCol="0">
+            <a:spAutoFit/>
+          </a:bodyPr>
+          <a:lstStyle/>
+          <a:p>
+            <a:r>
+              <a:rPr lang="en-US" altLang="ko-KR" sz="1200" dirty="0" smtClean="0"/>
+              <a:t>ftp </a:t>
+            </a:r>
+            <a:r>
+              <a:rPr lang="ko-KR" altLang="en-US" sz="1200" dirty="0" smtClean="0"/>
+              <a:t>배포자 이름</a:t>
+            </a:r>
+            <a:endParaRPr lang="ko-KR" altLang="en-US" sz="1200" dirty="0"/>
+          </a:p>
+        </p:txBody>
+      </p:sp>
+      <p:sp>
+        <p:nvSpPr>
+          <p:cNvPr id="10" name="TextBox 9"/>
+          <p:cNvSpPr txBox="1"/>
+          <p:nvPr/>
+        </p:nvSpPr>
+        <p:spPr>
+          <a:xfrm>
+            <a:off x="8233614" y="4141768"/>
+            <a:ext cx="720069" cy="276999"/>
+          </a:xfrm>
+          <a:prstGeom prst="rect">
+            <a:avLst/>
+          </a:prstGeom>
+          <a:noFill/>
+        </p:spPr>
+        <p:txBody>
+          <a:bodyPr wrap="none" rtlCol="0">
+            <a:spAutoFit/>
+          </a:bodyPr>
+          <a:lstStyle/>
+          <a:p>
+            <a:r>
+              <a:rPr lang="en-US" altLang="ko-KR" sz="1200" dirty="0" smtClean="0"/>
+              <a:t>ftp </a:t>
+            </a:r>
+            <a:r>
+              <a:rPr lang="ko-KR" altLang="en-US" sz="1200" dirty="0" smtClean="0"/>
+              <a:t>주소</a:t>
+            </a:r>
+            <a:endParaRPr lang="ko-KR" altLang="en-US" sz="1200" dirty="0"/>
           </a:p>
         </p:txBody>
       </p:sp>
     </p:spTree>
     <p:extLst>
       <p:ext uri="{BB962C8B-B14F-4D97-AF65-F5344CB8AC3E}">
-        <p14:creationId xmlns:p14="http://schemas.microsoft.com/office/powerpoint/2010/main" val="2000808064"/>
+        <p14:creationId xmlns:p14="http://schemas.microsoft.com/office/powerpoint/2010/main" val="1854427606"/>
       </p:ext>
     </p:extLst>
   </p:cSld>
@@ -7614,45 +7695,22 @@
       </p:sp>
       <p:pic>
         <p:nvPicPr>
-          <p:cNvPr id="2" name="그림 1"/>
+          <p:cNvPr id="6" name="그림 5"/>
           <p:cNvPicPr>
             <a:picLocks noChangeAspect="1"/>
           </p:cNvPicPr>
           <p:nvPr/>
         </p:nvPicPr>
-        <p:blipFill rotWithShape="1">
+        <p:blipFill>
           <a:blip r:embed="rId2"/>
-          <a:srcRect r="41232" b="766"/>
-          <a:stretch/>
-        </p:blipFill>
-        <p:spPr>
-          <a:xfrm>
-            <a:off x="613756" y="3008716"/>
-            <a:ext cx="5552902" cy="2693816"/>
-          </a:xfrm>
-          <a:prstGeom prst="rect">
-            <a:avLst/>
-          </a:prstGeom>
-        </p:spPr>
-      </p:pic>
-      <p:pic>
-        <p:nvPicPr>
-          <p:cNvPr id="4" name="그림 3"/>
-          <p:cNvPicPr>
-            <a:picLocks noChangeAspect="1"/>
-          </p:cNvPicPr>
-          <p:nvPr/>
-        </p:nvPicPr>
-        <p:blipFill>
-          <a:blip r:embed="rId3"/>
           <a:stretch>
             <a:fillRect/>
           </a:stretch>
         </p:blipFill>
         <p:spPr>
           <a:xfrm>
-            <a:off x="6722227" y="2612757"/>
-            <a:ext cx="4865716" cy="3228530"/>
+            <a:off x="753687" y="2775344"/>
+            <a:ext cx="5738553" cy="3390900"/>
           </a:xfrm>
           <a:prstGeom prst="rect">
             <a:avLst/>
@@ -7661,54 +7719,64 @@
       </p:pic>
       <p:sp>
         <p:nvSpPr>
-          <p:cNvPr id="5" name="직사각형 4"/>
-          <p:cNvSpPr/>
-          <p:nvPr/>
-        </p:nvSpPr>
-        <p:spPr>
-          <a:xfrm>
-            <a:off x="6907877" y="3275215"/>
-            <a:ext cx="3965171" cy="299258"/>
+          <p:cNvPr id="8" name="TextBox 7"/>
+          <p:cNvSpPr txBox="1"/>
+          <p:nvPr/>
+        </p:nvSpPr>
+        <p:spPr>
+          <a:xfrm>
+            <a:off x="6781800" y="2125133"/>
+            <a:ext cx="5147733" cy="923330"/>
           </a:xfrm>
           <a:prstGeom prst="rect">
             <a:avLst/>
           </a:prstGeom>
           <a:noFill/>
-          <a:ln>
-            <a:solidFill>
-              <a:srgbClr val="FF0000"/>
-            </a:solidFill>
-          </a:ln>
-        </p:spPr>
-        <p:style>
-          <a:lnRef idx="2">
-            <a:schemeClr val="accent1">
-              <a:shade val="50000"/>
-            </a:schemeClr>
-          </a:lnRef>
-          <a:fillRef idx="1">
-            <a:schemeClr val="accent1"/>
-          </a:fillRef>
-          <a:effectRef idx="0">
-            <a:schemeClr val="accent1"/>
-          </a:effectRef>
-          <a:fontRef idx="minor">
-            <a:schemeClr val="lt1"/>
-          </a:fontRef>
-        </p:style>
-        <p:txBody>
-          <a:bodyPr rtlCol="0" anchor="ctr"/>
-          <a:lstStyle/>
-          <a:p>
-            <a:pPr algn="ctr"/>
-            <a:endParaRPr lang="ko-KR" altLang="en-US"/>
+        </p:spPr>
+        <p:txBody>
+          <a:bodyPr wrap="square" rtlCol="0">
+            <a:spAutoFit/>
+          </a:bodyPr>
+          <a:lstStyle/>
+          <a:p>
+            <a:pPr marL="285750" indent="-285750">
+              <a:buFont typeface="Arial" panose="020B0604020202020204" pitchFamily="34" charset="0"/>
+              <a:buChar char="•"/>
+            </a:pPr>
+            <a:r>
+              <a:rPr lang="en-US" altLang="ko-KR" dirty="0" smtClean="0"/>
+              <a:t>FTP </a:t>
+            </a:r>
+            <a:r>
+              <a:rPr lang="ko-KR" altLang="en-US" dirty="0" smtClean="0"/>
+              <a:t>사용을 위해 배포 자격 증명 선택</a:t>
+            </a:r>
+            <a:endParaRPr lang="en-US" altLang="ko-KR" dirty="0" smtClean="0"/>
+          </a:p>
+          <a:p>
+            <a:pPr marL="285750" indent="-285750">
+              <a:buFont typeface="Arial" panose="020B0604020202020204" pitchFamily="34" charset="0"/>
+              <a:buChar char="•"/>
+            </a:pPr>
+            <a:endParaRPr lang="en-US" altLang="ko-KR" dirty="0"/>
+          </a:p>
+          <a:p>
+            <a:pPr marL="285750" indent="-285750">
+              <a:buFont typeface="Arial" panose="020B0604020202020204" pitchFamily="34" charset="0"/>
+              <a:buChar char="•"/>
+            </a:pPr>
+            <a:r>
+              <a:rPr lang="ko-KR" altLang="en-US" dirty="0" smtClean="0"/>
+              <a:t>사용자 이름 및 비밀 번호 생성 후 저장</a:t>
+            </a:r>
+            <a:endParaRPr lang="ko-KR" altLang="en-US" dirty="0"/>
           </a:p>
         </p:txBody>
       </p:sp>
     </p:spTree>
     <p:extLst>
       <p:ext uri="{BB962C8B-B14F-4D97-AF65-F5344CB8AC3E}">
-        <p14:creationId xmlns:p14="http://schemas.microsoft.com/office/powerpoint/2010/main" val="2375827831"/>
+        <p14:creationId xmlns:p14="http://schemas.microsoft.com/office/powerpoint/2010/main" val="2000808064"/>
       </p:ext>
     </p:extLst>
   </p:cSld>
@@ -7903,7 +7971,7 @@
     </p:spTree>
     <p:extLst>
       <p:ext uri="{BB962C8B-B14F-4D97-AF65-F5344CB8AC3E}">
-        <p14:creationId xmlns:p14="http://schemas.microsoft.com/office/powerpoint/2010/main" val="220766896"/>
+        <p14:creationId xmlns:p14="http://schemas.microsoft.com/office/powerpoint/2010/main" val="2375827831"/>
       </p:ext>
     </p:extLst>
   </p:cSld>
@@ -8004,6 +8072,201 @@
       </p:sp>
       <p:pic>
         <p:nvPicPr>
+          <p:cNvPr id="2" name="그림 1"/>
+          <p:cNvPicPr>
+            <a:picLocks noChangeAspect="1"/>
+          </p:cNvPicPr>
+          <p:nvPr/>
+        </p:nvPicPr>
+        <p:blipFill rotWithShape="1">
+          <a:blip r:embed="rId2"/>
+          <a:srcRect r="41232" b="766"/>
+          <a:stretch/>
+        </p:blipFill>
+        <p:spPr>
+          <a:xfrm>
+            <a:off x="613756" y="3008716"/>
+            <a:ext cx="5552902" cy="2693816"/>
+          </a:xfrm>
+          <a:prstGeom prst="rect">
+            <a:avLst/>
+          </a:prstGeom>
+        </p:spPr>
+      </p:pic>
+      <p:pic>
+        <p:nvPicPr>
+          <p:cNvPr id="4" name="그림 3"/>
+          <p:cNvPicPr>
+            <a:picLocks noChangeAspect="1"/>
+          </p:cNvPicPr>
+          <p:nvPr/>
+        </p:nvPicPr>
+        <p:blipFill>
+          <a:blip r:embed="rId3"/>
+          <a:stretch>
+            <a:fillRect/>
+          </a:stretch>
+        </p:blipFill>
+        <p:spPr>
+          <a:xfrm>
+            <a:off x="6722227" y="2612757"/>
+            <a:ext cx="4865716" cy="3228530"/>
+          </a:xfrm>
+          <a:prstGeom prst="rect">
+            <a:avLst/>
+          </a:prstGeom>
+        </p:spPr>
+      </p:pic>
+      <p:sp>
+        <p:nvSpPr>
+          <p:cNvPr id="5" name="직사각형 4"/>
+          <p:cNvSpPr/>
+          <p:nvPr/>
+        </p:nvSpPr>
+        <p:spPr>
+          <a:xfrm>
+            <a:off x="6907877" y="3275215"/>
+            <a:ext cx="3965171" cy="299258"/>
+          </a:xfrm>
+          <a:prstGeom prst="rect">
+            <a:avLst/>
+          </a:prstGeom>
+          <a:noFill/>
+          <a:ln>
+            <a:solidFill>
+              <a:srgbClr val="FF0000"/>
+            </a:solidFill>
+          </a:ln>
+        </p:spPr>
+        <p:style>
+          <a:lnRef idx="2">
+            <a:schemeClr val="accent1">
+              <a:shade val="50000"/>
+            </a:schemeClr>
+          </a:lnRef>
+          <a:fillRef idx="1">
+            <a:schemeClr val="accent1"/>
+          </a:fillRef>
+          <a:effectRef idx="0">
+            <a:schemeClr val="accent1"/>
+          </a:effectRef>
+          <a:fontRef idx="minor">
+            <a:schemeClr val="lt1"/>
+          </a:fontRef>
+        </p:style>
+        <p:txBody>
+          <a:bodyPr rtlCol="0" anchor="ctr"/>
+          <a:lstStyle/>
+          <a:p>
+            <a:pPr algn="ctr"/>
+            <a:endParaRPr lang="ko-KR" altLang="en-US"/>
+          </a:p>
+        </p:txBody>
+      </p:sp>
+    </p:spTree>
+    <p:extLst>
+      <p:ext uri="{BB962C8B-B14F-4D97-AF65-F5344CB8AC3E}">
+        <p14:creationId xmlns:p14="http://schemas.microsoft.com/office/powerpoint/2010/main" val="220766896"/>
+      </p:ext>
+    </p:extLst>
+  </p:cSld>
+  <p:clrMapOvr>
+    <a:masterClrMapping/>
+  </p:clrMapOvr>
+  <p:timing>
+    <p:tnLst>
+      <p:par>
+        <p:cTn id="1" dur="indefinite" restart="never" nodeType="tmRoot"/>
+      </p:par>
+    </p:tnLst>
+  </p:timing>
+</p:sld>
+</file>
+
+<file path=ppt/slides/slide28.xml><?xml version="1.0" encoding="utf-8"?>
+<p:sld xmlns:a="http://schemas.openxmlformats.org/drawingml/2006/main" xmlns:r="http://schemas.openxmlformats.org/officeDocument/2006/relationships" xmlns:p="http://schemas.openxmlformats.org/presentationml/2006/main">
+  <p:cSld>
+    <p:spTree>
+      <p:nvGrpSpPr>
+        <p:cNvPr id="1" name=""/>
+        <p:cNvGrpSpPr/>
+        <p:nvPr/>
+      </p:nvGrpSpPr>
+      <p:grpSpPr>
+        <a:xfrm>
+          <a:off x="0" y="0"/>
+          <a:ext cx="0" cy="0"/>
+          <a:chOff x="0" y="0"/>
+          <a:chExt cx="0" cy="0"/>
+        </a:xfrm>
+      </p:grpSpPr>
+      <p:sp>
+        <p:nvSpPr>
+          <p:cNvPr id="7" name="제목 1"/>
+          <p:cNvSpPr txBox="1">
+            <a:spLocks/>
+          </p:cNvSpPr>
+          <p:nvPr/>
+        </p:nvSpPr>
+        <p:spPr>
+          <a:xfrm>
+            <a:off x="838200" y="365125"/>
+            <a:ext cx="10515600" cy="1090189"/>
+          </a:xfrm>
+          <a:prstGeom prst="rect">
+            <a:avLst/>
+          </a:prstGeom>
+        </p:spPr>
+        <p:txBody>
+          <a:bodyPr vert="horz" lIns="91440" tIns="45720" rIns="91440" bIns="45720" rtlCol="0" anchor="ctr">
+            <a:normAutofit/>
+          </a:bodyPr>
+          <a:lstStyle>
+            <a:lvl1pPr algn="l" defTabSz="914400" rtl="0" eaLnBrk="1" latinLnBrk="1" hangingPunct="1">
+              <a:lnSpc>
+                <a:spcPct val="90000"/>
+              </a:lnSpc>
+              <a:spcBef>
+                <a:spcPct val="0"/>
+              </a:spcBef>
+              <a:buNone/>
+              <a:defRPr sz="4800" kern="1200">
+                <a:solidFill>
+                  <a:schemeClr val="accent4"/>
+                </a:solidFill>
+                <a:latin typeface="+mj-lt"/>
+                <a:ea typeface="+mj-ea"/>
+                <a:cs typeface="+mj-cs"/>
+              </a:defRPr>
+            </a:lvl1pPr>
+          </a:lstStyle>
+          <a:p>
+            <a:r>
+              <a:rPr lang="en-US" altLang="ko-KR" dirty="0" smtClean="0">
+                <a:latin typeface="함초롬돋움" panose="020B0604000101010101" pitchFamily="50" charset="-127"/>
+                <a:ea typeface="함초롬돋움" panose="020B0604000101010101" pitchFamily="50" charset="-127"/>
+                <a:cs typeface="함초롬돋움" panose="020B0604000101010101" pitchFamily="50" charset="-127"/>
+              </a:rPr>
+              <a:t>Azure</a:t>
+            </a:r>
+            <a:r>
+              <a:rPr lang="ko-KR" altLang="en-US" dirty="0" smtClean="0">
+                <a:latin typeface="함초롬돋움" panose="020B0604000101010101" pitchFamily="50" charset="-127"/>
+                <a:ea typeface="함초롬돋움" panose="020B0604000101010101" pitchFamily="50" charset="-127"/>
+                <a:cs typeface="함초롬돋움" panose="020B0604000101010101" pitchFamily="50" charset="-127"/>
+              </a:rPr>
+              <a:t>를 사용하여 게시하기</a:t>
+            </a:r>
+            <a:endParaRPr lang="ko-KR" altLang="en-US" dirty="0">
+              <a:latin typeface="함초롬돋움" panose="020B0604000101010101" pitchFamily="50" charset="-127"/>
+              <a:ea typeface="함초롬돋움" panose="020B0604000101010101" pitchFamily="50" charset="-127"/>
+              <a:cs typeface="함초롬돋움" panose="020B0604000101010101" pitchFamily="50" charset="-127"/>
+            </a:endParaRPr>
+          </a:p>
+        </p:txBody>
+      </p:sp>
+      <p:pic>
+        <p:nvPicPr>
           <p:cNvPr id="3" name="그림 2"/>
           <p:cNvPicPr>
             <a:picLocks noChangeAspect="1"/>
@@ -8204,7 +8467,7 @@
 </p:sld>
 </file>
 
-<file path=ppt/slides/slide28.xml><?xml version="1.0" encoding="utf-8"?>
+<file path=ppt/slides/slide29.xml><?xml version="1.0" encoding="utf-8"?>
 <p:sld xmlns:a="http://schemas.openxmlformats.org/drawingml/2006/main" xmlns:r="http://schemas.openxmlformats.org/officeDocument/2006/relationships" xmlns:p="http://schemas.openxmlformats.org/presentationml/2006/main">
   <p:cSld>
     <p:spTree>

--- a/ClickOnce.pptx
+++ b/ClickOnce.pptx
@@ -34,6 +34,7 @@
     <p:sldId id="473" r:id="rId28"/>
     <p:sldId id="474" r:id="rId29"/>
     <p:sldId id="475" r:id="rId30"/>
+    <p:sldId id="477" r:id="rId31"/>
   </p:sldIdLst>
   <p:sldSz cx="12192000" cy="6858000"/>
   <p:notesSz cx="6858000" cy="9144000"/>
@@ -412,7 +413,7 @@
           <a:p>
             <a:fld id="{A5796949-F536-47E5-83D3-359ECBD6D674}" type="datetimeFigureOut">
               <a:rPr lang="ko-KR" altLang="en-US" smtClean="0"/>
-              <a:t>2017-04-05</a:t>
+              <a:t>2017-04-06</a:t>
             </a:fld>
             <a:endParaRPr lang="ko-KR" altLang="en-US"/>
           </a:p>
@@ -608,7 +609,7 @@
           <a:p>
             <a:fld id="{A5796949-F536-47E5-83D3-359ECBD6D674}" type="datetimeFigureOut">
               <a:rPr lang="ko-KR" altLang="en-US" smtClean="0"/>
-              <a:t>2017-04-05</a:t>
+              <a:t>2017-04-06</a:t>
             </a:fld>
             <a:endParaRPr lang="ko-KR" altLang="en-US"/>
           </a:p>
@@ -1004,7 +1005,7 @@
           <a:p>
             <a:fld id="{A5796949-F536-47E5-83D3-359ECBD6D674}" type="datetimeFigureOut">
               <a:rPr lang="ko-KR" altLang="en-US" smtClean="0"/>
-              <a:t>2017-04-05</a:t>
+              <a:t>2017-04-06</a:t>
             </a:fld>
             <a:endParaRPr lang="ko-KR" altLang="en-US"/>
           </a:p>
@@ -1252,7 +1253,7 @@
           <a:p>
             <a:fld id="{A5796949-F536-47E5-83D3-359ECBD6D674}" type="datetimeFigureOut">
               <a:rPr lang="ko-KR" altLang="en-US" smtClean="0"/>
-              <a:t>2017-04-05</a:t>
+              <a:t>2017-04-06</a:t>
             </a:fld>
             <a:endParaRPr lang="ko-KR" altLang="en-US"/>
           </a:p>
@@ -1635,7 +1636,7 @@
           <a:p>
             <a:fld id="{A5796949-F536-47E5-83D3-359ECBD6D674}" type="datetimeFigureOut">
               <a:rPr lang="ko-KR" altLang="en-US" smtClean="0"/>
-              <a:t>2017-04-05</a:t>
+              <a:t>2017-04-06</a:t>
             </a:fld>
             <a:endParaRPr lang="ko-KR" altLang="en-US"/>
           </a:p>
@@ -1769,7 +1770,7 @@
           <a:p>
             <a:fld id="{A5796949-F536-47E5-83D3-359ECBD6D674}" type="datetimeFigureOut">
               <a:rPr lang="ko-KR" altLang="en-US" smtClean="0"/>
-              <a:t>2017-04-05</a:t>
+              <a:t>2017-04-06</a:t>
             </a:fld>
             <a:endParaRPr lang="ko-KR" altLang="en-US"/>
           </a:p>
@@ -2116,7 +2117,7 @@
           <a:p>
             <a:fld id="{A5796949-F536-47E5-83D3-359ECBD6D674}" type="datetimeFigureOut">
               <a:rPr lang="ko-KR" altLang="en-US" smtClean="0"/>
-              <a:t>2017-04-05</a:t>
+              <a:t>2017-04-06</a:t>
             </a:fld>
             <a:endParaRPr lang="ko-KR" altLang="en-US"/>
           </a:p>
@@ -2385,7 +2386,7 @@
           <a:p>
             <a:fld id="{A5796949-F536-47E5-83D3-359ECBD6D674}" type="datetimeFigureOut">
               <a:rPr lang="ko-KR" altLang="en-US" smtClean="0"/>
-              <a:t>2017-04-05</a:t>
+              <a:t>2017-04-06</a:t>
             </a:fld>
             <a:endParaRPr lang="ko-KR" altLang="en-US"/>
           </a:p>
@@ -8751,6 +8752,309 @@
 </p:sld>
 </file>
 
+<file path=ppt/slides/slide30.xml><?xml version="1.0" encoding="utf-8"?>
+<p:sld xmlns:a="http://schemas.openxmlformats.org/drawingml/2006/main" xmlns:r="http://schemas.openxmlformats.org/officeDocument/2006/relationships" xmlns:p="http://schemas.openxmlformats.org/presentationml/2006/main">
+  <p:cSld>
+    <p:spTree>
+      <p:nvGrpSpPr>
+        <p:cNvPr id="1" name=""/>
+        <p:cNvGrpSpPr/>
+        <p:nvPr/>
+      </p:nvGrpSpPr>
+      <p:grpSpPr>
+        <a:xfrm>
+          <a:off x="0" y="0"/>
+          <a:ext cx="0" cy="0"/>
+          <a:chOff x="0" y="0"/>
+          <a:chExt cx="0" cy="0"/>
+        </a:xfrm>
+      </p:grpSpPr>
+      <p:sp>
+        <p:nvSpPr>
+          <p:cNvPr id="7" name="제목 1"/>
+          <p:cNvSpPr txBox="1">
+            <a:spLocks/>
+          </p:cNvSpPr>
+          <p:nvPr/>
+        </p:nvSpPr>
+        <p:spPr>
+          <a:xfrm>
+            <a:off x="838200" y="365125"/>
+            <a:ext cx="10515600" cy="1090189"/>
+          </a:xfrm>
+          <a:prstGeom prst="rect">
+            <a:avLst/>
+          </a:prstGeom>
+        </p:spPr>
+        <p:txBody>
+          <a:bodyPr vert="horz" lIns="91440" tIns="45720" rIns="91440" bIns="45720" rtlCol="0" anchor="ctr">
+            <a:normAutofit/>
+          </a:bodyPr>
+          <a:lstStyle>
+            <a:lvl1pPr algn="l" defTabSz="914400" rtl="0" eaLnBrk="1" latinLnBrk="1" hangingPunct="1">
+              <a:lnSpc>
+                <a:spcPct val="90000"/>
+              </a:lnSpc>
+              <a:spcBef>
+                <a:spcPct val="0"/>
+              </a:spcBef>
+              <a:buNone/>
+              <a:defRPr sz="4800" kern="1200">
+                <a:solidFill>
+                  <a:schemeClr val="accent4"/>
+                </a:solidFill>
+                <a:latin typeface="+mj-lt"/>
+                <a:ea typeface="+mj-ea"/>
+                <a:cs typeface="+mj-cs"/>
+              </a:defRPr>
+            </a:lvl1pPr>
+          </a:lstStyle>
+          <a:p>
+            <a:r>
+              <a:rPr lang="ko-KR" altLang="en-US" dirty="0" smtClean="0">
+                <a:latin typeface="함초롬돋움" panose="020B0604000101010101" pitchFamily="50" charset="-127"/>
+                <a:ea typeface="함초롬돋움" panose="020B0604000101010101" pitchFamily="50" charset="-127"/>
+                <a:cs typeface="함초롬돋움" panose="020B0604000101010101" pitchFamily="50" charset="-127"/>
+              </a:rPr>
+              <a:t>다른 배포 프로그램</a:t>
+            </a:r>
+            <a:endParaRPr lang="ko-KR" altLang="en-US" dirty="0">
+              <a:latin typeface="함초롬돋움" panose="020B0604000101010101" pitchFamily="50" charset="-127"/>
+              <a:ea typeface="함초롬돋움" panose="020B0604000101010101" pitchFamily="50" charset="-127"/>
+              <a:cs typeface="함초롬돋움" panose="020B0604000101010101" pitchFamily="50" charset="-127"/>
+            </a:endParaRPr>
+          </a:p>
+        </p:txBody>
+      </p:sp>
+      <p:sp>
+        <p:nvSpPr>
+          <p:cNvPr id="4" name="내용 개체 틀 1"/>
+          <p:cNvSpPr>
+            <a:spLocks noGrp="1"/>
+          </p:cNvSpPr>
+          <p:nvPr>
+            <p:ph idx="1"/>
+          </p:nvPr>
+        </p:nvSpPr>
+        <p:spPr>
+          <a:xfrm>
+            <a:off x="838200" y="1983345"/>
+            <a:ext cx="10515600" cy="4193617"/>
+          </a:xfrm>
+        </p:spPr>
+        <p:txBody>
+          <a:bodyPr>
+            <a:normAutofit fontScale="92500" lnSpcReduction="10000"/>
+          </a:bodyPr>
+          <a:lstStyle/>
+          <a:p>
+            <a:r>
+              <a:rPr lang="en-US" altLang="ko-KR" dirty="0" err="1" smtClean="0">
+                <a:solidFill>
+                  <a:srgbClr val="FF0000"/>
+                </a:solidFill>
+                <a:latin typeface="+mn-ea"/>
+                <a:cs typeface="함초롬돋움" panose="020B0604000101010101" pitchFamily="50" charset="-127"/>
+              </a:rPr>
+              <a:t>WIXToolset</a:t>
+            </a:r>
+            <a:endParaRPr lang="en-US" altLang="ko-KR" dirty="0" smtClean="0">
+              <a:solidFill>
+                <a:srgbClr val="FF0000"/>
+              </a:solidFill>
+              <a:latin typeface="+mn-ea"/>
+              <a:cs typeface="함초롬돋움" panose="020B0604000101010101" pitchFamily="50" charset="-127"/>
+            </a:endParaRPr>
+          </a:p>
+          <a:p>
+            <a:pPr lvl="1"/>
+            <a:r>
+              <a:rPr lang="en-US" altLang="ko-KR" dirty="0">
+                <a:solidFill>
+                  <a:srgbClr val="FF0000"/>
+                </a:solidFill>
+                <a:latin typeface="+mn-ea"/>
+                <a:cs typeface="함초롬돋움" panose="020B0604000101010101" pitchFamily="50" charset="-127"/>
+                <a:hlinkClick r:id="rId2"/>
+              </a:rPr>
+              <a:t>http://wixtoolset.org/</a:t>
+            </a:r>
+            <a:endParaRPr lang="en-US" altLang="ko-KR" dirty="0" smtClean="0">
+              <a:solidFill>
+                <a:srgbClr val="FF0000"/>
+              </a:solidFill>
+              <a:latin typeface="+mn-ea"/>
+              <a:cs typeface="함초롬돋움" panose="020B0604000101010101" pitchFamily="50" charset="-127"/>
+            </a:endParaRPr>
+          </a:p>
+          <a:p>
+            <a:r>
+              <a:rPr lang="en-US" altLang="ko-KR" dirty="0" smtClean="0">
+                <a:solidFill>
+                  <a:srgbClr val="FF0000"/>
+                </a:solidFill>
+                <a:latin typeface="+mn-ea"/>
+                <a:cs typeface="함초롬돋움" panose="020B0604000101010101" pitchFamily="50" charset="-127"/>
+              </a:rPr>
+              <a:t>Squirrel</a:t>
+            </a:r>
+            <a:endParaRPr lang="en-US" altLang="ko-KR" dirty="0" smtClean="0">
+              <a:solidFill>
+                <a:srgbClr val="FF0000"/>
+              </a:solidFill>
+              <a:latin typeface="+mn-ea"/>
+              <a:cs typeface="함초롬돋움" panose="020B0604000101010101" pitchFamily="50" charset="-127"/>
+            </a:endParaRPr>
+          </a:p>
+          <a:p>
+            <a:pPr lvl="1"/>
+            <a:r>
+              <a:rPr lang="en-US" altLang="ko-KR" dirty="0">
+                <a:solidFill>
+                  <a:srgbClr val="FF0000"/>
+                </a:solidFill>
+                <a:latin typeface="+mn-ea"/>
+                <a:cs typeface="함초롬돋움" panose="020B0604000101010101" pitchFamily="50" charset="-127"/>
+                <a:hlinkClick r:id="rId3"/>
+              </a:rPr>
+              <a:t>https://github.com/Squirrel</a:t>
+            </a:r>
+            <a:endParaRPr lang="en-US" altLang="ko-KR" dirty="0">
+              <a:solidFill>
+                <a:srgbClr val="FF0000"/>
+              </a:solidFill>
+              <a:latin typeface="+mn-ea"/>
+              <a:cs typeface="함초롬돋움" panose="020B0604000101010101" pitchFamily="50" charset="-127"/>
+            </a:endParaRPr>
+          </a:p>
+          <a:p>
+            <a:r>
+              <a:rPr lang="en-US" altLang="ko-KR" dirty="0" err="1" smtClean="0">
+                <a:solidFill>
+                  <a:srgbClr val="FF0000"/>
+                </a:solidFill>
+                <a:latin typeface="+mn-ea"/>
+                <a:cs typeface="함초롬돋움" panose="020B0604000101010101" pitchFamily="50" charset="-127"/>
+              </a:rPr>
+              <a:t>InnoSetup</a:t>
+            </a:r>
+            <a:endParaRPr lang="en-US" altLang="ko-KR" dirty="0" smtClean="0">
+              <a:solidFill>
+                <a:srgbClr val="FF0000"/>
+              </a:solidFill>
+              <a:latin typeface="+mn-ea"/>
+              <a:cs typeface="함초롬돋움" panose="020B0604000101010101" pitchFamily="50" charset="-127"/>
+            </a:endParaRPr>
+          </a:p>
+          <a:p>
+            <a:pPr lvl="1"/>
+            <a:r>
+              <a:rPr lang="en-US" altLang="ko-KR" dirty="0">
+                <a:solidFill>
+                  <a:srgbClr val="FF0000"/>
+                </a:solidFill>
+                <a:latin typeface="+mn-ea"/>
+                <a:cs typeface="함초롬돋움" panose="020B0604000101010101" pitchFamily="50" charset="-127"/>
+                <a:hlinkClick r:id="rId4"/>
+              </a:rPr>
+              <a:t>http://www.jrsoftware.org/isinfo.php</a:t>
+            </a:r>
+            <a:endParaRPr lang="en-US" altLang="ko-KR" dirty="0">
+              <a:solidFill>
+                <a:srgbClr val="FF0000"/>
+              </a:solidFill>
+              <a:latin typeface="+mn-ea"/>
+              <a:cs typeface="함초롬돋움" panose="020B0604000101010101" pitchFamily="50" charset="-127"/>
+            </a:endParaRPr>
+          </a:p>
+          <a:p>
+            <a:r>
+              <a:rPr lang="en-US" altLang="ko-KR" dirty="0" smtClean="0">
+                <a:solidFill>
+                  <a:srgbClr val="FF0000"/>
+                </a:solidFill>
+                <a:latin typeface="+mn-ea"/>
+                <a:cs typeface="함초롬돋움" panose="020B0604000101010101" pitchFamily="50" charset="-127"/>
+              </a:rPr>
+              <a:t>Install Shield</a:t>
+            </a:r>
+          </a:p>
+          <a:p>
+            <a:pPr lvl="1"/>
+            <a:r>
+              <a:rPr lang="en-US" altLang="ko-KR" dirty="0">
+                <a:solidFill>
+                  <a:srgbClr val="FF0000"/>
+                </a:solidFill>
+                <a:latin typeface="+mn-ea"/>
+                <a:cs typeface="함초롬돋움" panose="020B0604000101010101" pitchFamily="50" charset="-127"/>
+                <a:hlinkClick r:id="rId5"/>
+              </a:rPr>
+              <a:t>https://www.flexerasoftware.com/producer/products/software-installation/installshield-software-installer/</a:t>
+            </a:r>
+            <a:endParaRPr lang="en-US" altLang="ko-KR" dirty="0">
+              <a:solidFill>
+                <a:srgbClr val="FF0000"/>
+              </a:solidFill>
+              <a:latin typeface="+mn-ea"/>
+              <a:cs typeface="함초롬돋움" panose="020B0604000101010101" pitchFamily="50" charset="-127"/>
+            </a:endParaRPr>
+          </a:p>
+          <a:p>
+            <a:r>
+              <a:rPr lang="en-US" altLang="ko-KR" dirty="0" smtClean="0">
+                <a:solidFill>
+                  <a:srgbClr val="FF0000"/>
+                </a:solidFill>
+                <a:latin typeface="+mn-ea"/>
+                <a:cs typeface="함초롬돋움" panose="020B0604000101010101" pitchFamily="50" charset="-127"/>
+              </a:rPr>
+              <a:t>Install Aware</a:t>
+            </a:r>
+          </a:p>
+          <a:p>
+            <a:pPr lvl="1"/>
+            <a:r>
+              <a:rPr lang="en-US" altLang="ko-KR" dirty="0">
+                <a:solidFill>
+                  <a:srgbClr val="FF0000"/>
+                </a:solidFill>
+                <a:latin typeface="+mn-ea"/>
+                <a:cs typeface="함초롬돋움" panose="020B0604000101010101" pitchFamily="50" charset="-127"/>
+                <a:hlinkClick r:id="rId6"/>
+              </a:rPr>
+              <a:t>https://www.installaware.com/</a:t>
+            </a:r>
+            <a:endParaRPr lang="en-US" altLang="ko-KR" dirty="0">
+              <a:solidFill>
+                <a:srgbClr val="FF0000"/>
+              </a:solidFill>
+              <a:latin typeface="+mn-ea"/>
+              <a:cs typeface="함초롬돋움" panose="020B0604000101010101" pitchFamily="50" charset="-127"/>
+            </a:endParaRPr>
+          </a:p>
+        </p:txBody>
+      </p:sp>
+    </p:spTree>
+    <p:extLst>
+      <p:ext uri="{BB962C8B-B14F-4D97-AF65-F5344CB8AC3E}">
+        <p14:creationId xmlns:p14="http://schemas.microsoft.com/office/powerpoint/2010/main" val="3727015530"/>
+      </p:ext>
+    </p:extLst>
+  </p:cSld>
+  <p:clrMapOvr>
+    <a:masterClrMapping/>
+  </p:clrMapOvr>
+  <p:timing>
+    <p:tnLst>
+      <p:par>
+        <p:cTn id="1" dur="indefinite" restart="never" nodeType="tmRoot"/>
+      </p:par>
+    </p:tnLst>
+  </p:timing>
+</p:sld>
+</file>
+
 <file path=ppt/slides/slide4.xml><?xml version="1.0" encoding="utf-8"?>
 <p:sld xmlns:a="http://schemas.openxmlformats.org/drawingml/2006/main" xmlns:r="http://schemas.openxmlformats.org/officeDocument/2006/relationships" xmlns:p="http://schemas.openxmlformats.org/presentationml/2006/main">
   <p:cSld>

--- a/ClickOnce.pptx
+++ b/ClickOnce.pptx
@@ -8,33 +8,32 @@
     <p:sldId id="267" r:id="rId2"/>
     <p:sldId id="401" r:id="rId3"/>
     <p:sldId id="447" r:id="rId4"/>
-    <p:sldId id="448" r:id="rId5"/>
-    <p:sldId id="449" r:id="rId6"/>
-    <p:sldId id="415" r:id="rId7"/>
-    <p:sldId id="451" r:id="rId8"/>
-    <p:sldId id="452" r:id="rId9"/>
-    <p:sldId id="453" r:id="rId10"/>
-    <p:sldId id="454" r:id="rId11"/>
-    <p:sldId id="457" r:id="rId12"/>
-    <p:sldId id="459" r:id="rId13"/>
-    <p:sldId id="458" r:id="rId14"/>
-    <p:sldId id="456" r:id="rId15"/>
-    <p:sldId id="460" r:id="rId16"/>
-    <p:sldId id="461" r:id="rId17"/>
-    <p:sldId id="476" r:id="rId18"/>
-    <p:sldId id="462" r:id="rId19"/>
-    <p:sldId id="463" r:id="rId20"/>
-    <p:sldId id="466" r:id="rId21"/>
-    <p:sldId id="467" r:id="rId22"/>
-    <p:sldId id="468" r:id="rId23"/>
-    <p:sldId id="469" r:id="rId24"/>
-    <p:sldId id="471" r:id="rId25"/>
-    <p:sldId id="470" r:id="rId26"/>
-    <p:sldId id="472" r:id="rId27"/>
-    <p:sldId id="473" r:id="rId28"/>
-    <p:sldId id="474" r:id="rId29"/>
-    <p:sldId id="475" r:id="rId30"/>
-    <p:sldId id="477" r:id="rId31"/>
+    <p:sldId id="449" r:id="rId5"/>
+    <p:sldId id="415" r:id="rId6"/>
+    <p:sldId id="451" r:id="rId7"/>
+    <p:sldId id="452" r:id="rId8"/>
+    <p:sldId id="453" r:id="rId9"/>
+    <p:sldId id="454" r:id="rId10"/>
+    <p:sldId id="457" r:id="rId11"/>
+    <p:sldId id="459" r:id="rId12"/>
+    <p:sldId id="458" r:id="rId13"/>
+    <p:sldId id="456" r:id="rId14"/>
+    <p:sldId id="460" r:id="rId15"/>
+    <p:sldId id="461" r:id="rId16"/>
+    <p:sldId id="476" r:id="rId17"/>
+    <p:sldId id="462" r:id="rId18"/>
+    <p:sldId id="463" r:id="rId19"/>
+    <p:sldId id="466" r:id="rId20"/>
+    <p:sldId id="467" r:id="rId21"/>
+    <p:sldId id="468" r:id="rId22"/>
+    <p:sldId id="469" r:id="rId23"/>
+    <p:sldId id="471" r:id="rId24"/>
+    <p:sldId id="470" r:id="rId25"/>
+    <p:sldId id="472" r:id="rId26"/>
+    <p:sldId id="473" r:id="rId27"/>
+    <p:sldId id="474" r:id="rId28"/>
+    <p:sldId id="475" r:id="rId29"/>
+    <p:sldId id="477" r:id="rId30"/>
   </p:sldIdLst>
   <p:sldSz cx="12192000" cy="6858000"/>
   <p:notesSz cx="6858000" cy="9144000"/>
@@ -3124,36 +3123,6 @@
           <a:chExt cx="0" cy="0"/>
         </a:xfrm>
       </p:grpSpPr>
-      <p:pic>
-        <p:nvPicPr>
-          <p:cNvPr id="3" name="그림 2"/>
-          <p:cNvPicPr>
-            <a:picLocks noChangeAspect="1"/>
-          </p:cNvPicPr>
-          <p:nvPr/>
-        </p:nvPicPr>
-        <p:blipFill>
-          <a:blip r:embed="rId2">
-            <a:extLst>
-              <a:ext uri="{28A0092B-C50C-407E-A947-70E740481C1C}">
-                <a14:useLocalDpi xmlns:a14="http://schemas.microsoft.com/office/drawing/2010/main" val="0"/>
-              </a:ext>
-            </a:extLst>
-          </a:blip>
-          <a:stretch>
-            <a:fillRect/>
-          </a:stretch>
-        </p:blipFill>
-        <p:spPr>
-          <a:xfrm>
-            <a:off x="896389" y="2502132"/>
-            <a:ext cx="3910386" cy="3804700"/>
-          </a:xfrm>
-          <a:prstGeom prst="rect">
-            <a:avLst/>
-          </a:prstGeom>
-        </p:spPr>
-      </p:pic>
       <p:sp>
         <p:nvSpPr>
           <p:cNvPr id="7" name="제목 1"/>
@@ -3201,31 +3170,7 @@
                 <a:ea typeface="함초롬돋움" panose="020B0604000101010101" pitchFamily="50" charset="-127"/>
                 <a:cs typeface="함초롬돋움" panose="020B0604000101010101" pitchFamily="50" charset="-127"/>
               </a:rPr>
-              <a:t>게시</a:t>
-            </a:r>
-            <a:r>
-              <a:rPr lang="en-US" altLang="ko-KR" dirty="0" smtClean="0">
-                <a:latin typeface="함초롬돋움" panose="020B0604000101010101" pitchFamily="50" charset="-127"/>
-                <a:ea typeface="함초롬돋움" panose="020B0604000101010101" pitchFamily="50" charset="-127"/>
-                <a:cs typeface="함초롬돋움" panose="020B0604000101010101" pitchFamily="50" charset="-127"/>
-              </a:rPr>
-              <a:t> </a:t>
-            </a:r>
-            <a:r>
-              <a:rPr lang="ko-KR" altLang="en-US" dirty="0" smtClean="0">
-                <a:latin typeface="함초롬돋움" panose="020B0604000101010101" pitchFamily="50" charset="-127"/>
-                <a:ea typeface="함초롬돋움" panose="020B0604000101010101" pitchFamily="50" charset="-127"/>
-                <a:cs typeface="함초롬돋움" panose="020B0604000101010101" pitchFamily="50" charset="-127"/>
-              </a:rPr>
-              <a:t>마법사로 만들기</a:t>
-            </a:r>
-            <a:r>
-              <a:rPr lang="en-US" altLang="ko-KR" dirty="0" smtClean="0">
-                <a:latin typeface="함초롬돋움" panose="020B0604000101010101" pitchFamily="50" charset="-127"/>
-                <a:ea typeface="함초롬돋움" panose="020B0604000101010101" pitchFamily="50" charset="-127"/>
-                <a:cs typeface="함초롬돋움" panose="020B0604000101010101" pitchFamily="50" charset="-127"/>
-              </a:rPr>
-              <a:t> (4-2)</a:t>
+              <a:t>조금 더 정밀하게</a:t>
             </a:r>
             <a:endParaRPr lang="ko-KR" altLang="en-US" dirty="0">
               <a:latin typeface="함초롬돋움" panose="020B0604000101010101" pitchFamily="50" charset="-127"/>
@@ -3237,14 +3182,72 @@
       </p:sp>
       <p:sp>
         <p:nvSpPr>
-          <p:cNvPr id="6" name="TextBox 5"/>
+          <p:cNvPr id="2" name="내용 개체 틀 1"/>
+          <p:cNvSpPr>
+            <a:spLocks noGrp="1"/>
+          </p:cNvSpPr>
+          <p:nvPr>
+            <p:ph idx="1"/>
+          </p:nvPr>
+        </p:nvSpPr>
+        <p:spPr/>
+        <p:txBody>
+          <a:bodyPr/>
+          <a:lstStyle/>
+          <a:p>
+            <a:endParaRPr lang="en-US" altLang="ko-KR" dirty="0">
+              <a:latin typeface="+mn-ea"/>
+              <a:cs typeface="함초롬돋움" panose="020B0604000101010101" pitchFamily="50" charset="-127"/>
+            </a:endParaRPr>
+          </a:p>
+          <a:p>
+            <a:endParaRPr lang="en-US" altLang="ko-KR" dirty="0" smtClean="0">
+              <a:latin typeface="+mn-ea"/>
+              <a:cs typeface="함초롬돋움" panose="020B0604000101010101" pitchFamily="50" charset="-127"/>
+            </a:endParaRPr>
+          </a:p>
+        </p:txBody>
+      </p:sp>
+      <p:pic>
+        <p:nvPicPr>
+          <p:cNvPr id="4" name="그림 3"/>
+          <p:cNvPicPr>
+            <a:picLocks noChangeAspect="1"/>
+          </p:cNvPicPr>
+          <p:nvPr/>
+        </p:nvPicPr>
+        <p:blipFill>
+          <a:blip r:embed="rId2">
+            <a:extLst>
+              <a:ext uri="{28A0092B-C50C-407E-A947-70E740481C1C}">
+                <a14:useLocalDpi xmlns:a14="http://schemas.microsoft.com/office/drawing/2010/main" val="0"/>
+              </a:ext>
+            </a:extLst>
+          </a:blip>
+          <a:stretch>
+            <a:fillRect/>
+          </a:stretch>
+        </p:blipFill>
+        <p:spPr>
+          <a:xfrm>
+            <a:off x="2728631" y="2468880"/>
+            <a:ext cx="5528678" cy="3486004"/>
+          </a:xfrm>
+          <a:prstGeom prst="rect">
+            <a:avLst/>
+          </a:prstGeom>
+        </p:spPr>
+      </p:pic>
+      <p:sp>
+        <p:nvSpPr>
+          <p:cNvPr id="5" name="TextBox 4"/>
           <p:cNvSpPr txBox="1"/>
           <p:nvPr/>
         </p:nvSpPr>
         <p:spPr>
           <a:xfrm>
-            <a:off x="896389" y="2011680"/>
-            <a:ext cx="2699778" cy="369332"/>
+            <a:off x="6641871" y="5162204"/>
+            <a:ext cx="1470274" cy="276999"/>
           </a:xfrm>
           <a:prstGeom prst="rect">
             <a:avLst/>
@@ -3257,28 +3260,24 @@
           </a:bodyPr>
           <a:lstStyle/>
           <a:p>
-            <a:pPr marL="285750" indent="-285750">
-              <a:buFont typeface="Arial" panose="020B0604020202020204" pitchFamily="34" charset="0"/>
-              <a:buChar char="•"/>
-            </a:pPr>
-            <a:r>
-              <a:rPr lang="ko-KR" altLang="en-US" dirty="0" smtClean="0"/>
-              <a:t>이동식 미디어인 경우 </a:t>
-            </a:r>
-            <a:endParaRPr lang="en-US" altLang="ko-KR" dirty="0" smtClean="0"/>
-          </a:p>
-        </p:txBody>
-      </p:sp>
-      <p:sp>
-        <p:nvSpPr>
-          <p:cNvPr id="9" name="TextBox 8"/>
+            <a:r>
+              <a:rPr lang="ko-KR" altLang="en-US" sz="1200" dirty="0" smtClean="0"/>
+              <a:t>프로그램 버전 설정</a:t>
+            </a:r>
+            <a:endParaRPr lang="ko-KR" altLang="en-US" sz="1200" dirty="0"/>
+          </a:p>
+        </p:txBody>
+      </p:sp>
+      <p:sp>
+        <p:nvSpPr>
+          <p:cNvPr id="8" name="TextBox 7"/>
           <p:cNvSpPr txBox="1"/>
           <p:nvPr/>
         </p:nvSpPr>
         <p:spPr>
           <a:xfrm>
-            <a:off x="5762122" y="2502132"/>
-            <a:ext cx="5306261" cy="923330"/>
+            <a:off x="8257309" y="3449406"/>
+            <a:ext cx="1223412" cy="276999"/>
           </a:xfrm>
           <a:prstGeom prst="rect">
             <a:avLst/>
@@ -3291,112 +3290,116 @@
           </a:bodyPr>
           <a:lstStyle/>
           <a:p>
-            <a:pPr marL="285750" indent="-285750">
-              <a:buFont typeface="Arial" panose="020B0604020202020204" pitchFamily="34" charset="0"/>
-              <a:buChar char="•"/>
-            </a:pPr>
-            <a:r>
-              <a:rPr lang="ko-KR" altLang="en-US" dirty="0" smtClean="0"/>
-              <a:t>응용 프로그램이 업데이트를 확인하도록 허용함</a:t>
-            </a:r>
-            <a:endParaRPr lang="en-US" altLang="ko-KR" dirty="0" smtClean="0"/>
-          </a:p>
-          <a:p>
-            <a:pPr marL="285750" indent="-285750">
-              <a:buFont typeface="Arial" panose="020B0604020202020204" pitchFamily="34" charset="0"/>
-              <a:buChar char="•"/>
-            </a:pPr>
-            <a:endParaRPr lang="en-US" altLang="ko-KR" dirty="0" smtClean="0"/>
-          </a:p>
-          <a:p>
-            <a:pPr marL="285750" indent="-285750">
-              <a:buFont typeface="Arial" panose="020B0604020202020204" pitchFamily="34" charset="0"/>
-              <a:buChar char="•"/>
-            </a:pPr>
-            <a:r>
-              <a:rPr lang="ko-KR" altLang="en-US" dirty="0" smtClean="0"/>
-              <a:t>응용 프로그램이 업데이트를 확인하지 않도록 함</a:t>
-            </a:r>
-            <a:endParaRPr lang="en-US" altLang="ko-KR" dirty="0" smtClean="0"/>
-          </a:p>
-        </p:txBody>
-      </p:sp>
-      <p:cxnSp>
-        <p:nvCxnSpPr>
-          <p:cNvPr id="10" name="직선 화살표 연결선 9"/>
-          <p:cNvCxnSpPr/>
-          <p:nvPr/>
-        </p:nvCxnSpPr>
-        <p:spPr>
-          <a:xfrm flipH="1">
-            <a:off x="2851582" y="2701636"/>
-            <a:ext cx="3000578" cy="598517"/>
-          </a:xfrm>
-          <a:prstGeom prst="straightConnector1">
-            <a:avLst/>
-          </a:prstGeom>
-          <a:ln>
-            <a:solidFill>
-              <a:srgbClr val="FF0000"/>
-            </a:solidFill>
-            <a:tailEnd type="triangle"/>
-          </a:ln>
-        </p:spPr>
-        <p:style>
-          <a:lnRef idx="1">
-            <a:schemeClr val="accent1"/>
-          </a:lnRef>
-          <a:fillRef idx="0">
-            <a:schemeClr val="accent1"/>
-          </a:fillRef>
-          <a:effectRef idx="0">
-            <a:schemeClr val="accent1"/>
-          </a:effectRef>
-          <a:fontRef idx="minor">
-            <a:schemeClr val="tx1"/>
-          </a:fontRef>
-        </p:style>
-      </p:cxnSp>
-      <p:cxnSp>
-        <p:nvCxnSpPr>
-          <p:cNvPr id="14" name="직선 화살표 연결선 13"/>
-          <p:cNvCxnSpPr/>
-          <p:nvPr/>
-        </p:nvCxnSpPr>
-        <p:spPr>
-          <a:xfrm flipH="1">
-            <a:off x="2937933" y="3243031"/>
-            <a:ext cx="2914227" cy="441611"/>
-          </a:xfrm>
-          <a:prstGeom prst="straightConnector1">
-            <a:avLst/>
-          </a:prstGeom>
-          <a:ln>
-            <a:solidFill>
-              <a:srgbClr val="FF0000"/>
-            </a:solidFill>
-            <a:tailEnd type="triangle"/>
-          </a:ln>
-        </p:spPr>
-        <p:style>
-          <a:lnRef idx="1">
-            <a:schemeClr val="accent1"/>
-          </a:lnRef>
-          <a:fillRef idx="0">
-            <a:schemeClr val="accent1"/>
-          </a:fillRef>
-          <a:effectRef idx="0">
-            <a:schemeClr val="accent1"/>
-          </a:effectRef>
-          <a:fontRef idx="minor">
-            <a:schemeClr val="tx1"/>
-          </a:fontRef>
-        </p:style>
-      </p:cxnSp>
+            <a:r>
+              <a:rPr lang="ko-KR" altLang="en-US" sz="1200" dirty="0" smtClean="0"/>
+              <a:t>설치 폴더 </a:t>
+            </a:r>
+            <a:r>
+              <a:rPr lang="en-US" altLang="ko-KR" sz="1200" dirty="0" smtClean="0"/>
+              <a:t>URL</a:t>
+            </a:r>
+            <a:r>
+              <a:rPr lang="ko-KR" altLang="en-US" sz="1200" dirty="0" smtClean="0"/>
+              <a:t> </a:t>
+            </a:r>
+            <a:endParaRPr lang="ko-KR" altLang="en-US" sz="1200" dirty="0"/>
+          </a:p>
+        </p:txBody>
+      </p:sp>
+      <p:sp>
+        <p:nvSpPr>
+          <p:cNvPr id="10" name="TextBox 9"/>
+          <p:cNvSpPr txBox="1"/>
+          <p:nvPr/>
+        </p:nvSpPr>
+        <p:spPr>
+          <a:xfrm>
+            <a:off x="3823856" y="4380808"/>
+            <a:ext cx="2355132" cy="276999"/>
+          </a:xfrm>
+          <a:prstGeom prst="rect">
+            <a:avLst/>
+          </a:prstGeom>
+          <a:noFill/>
+        </p:spPr>
+        <p:txBody>
+          <a:bodyPr wrap="none" rtlCol="0">
+            <a:spAutoFit/>
+          </a:bodyPr>
+          <a:lstStyle/>
+          <a:p>
+            <a:r>
+              <a:rPr lang="ko-KR" altLang="en-US" sz="1200" dirty="0" smtClean="0"/>
+              <a:t>프로그램 설치 및 실행 방법 설정</a:t>
+            </a:r>
+            <a:endParaRPr lang="ko-KR" altLang="en-US" sz="1200" dirty="0"/>
+          </a:p>
+        </p:txBody>
+      </p:sp>
+      <p:sp>
+        <p:nvSpPr>
+          <p:cNvPr id="11" name="TextBox 10"/>
+          <p:cNvSpPr txBox="1"/>
+          <p:nvPr/>
+        </p:nvSpPr>
+        <p:spPr>
+          <a:xfrm>
+            <a:off x="8257309" y="3046891"/>
+            <a:ext cx="827471" cy="276999"/>
+          </a:xfrm>
+          <a:prstGeom prst="rect">
+            <a:avLst/>
+          </a:prstGeom>
+          <a:noFill/>
+        </p:spPr>
+        <p:txBody>
+          <a:bodyPr wrap="none" rtlCol="0">
+            <a:spAutoFit/>
+          </a:bodyPr>
+          <a:lstStyle/>
+          <a:p>
+            <a:r>
+              <a:rPr lang="ko-KR" altLang="en-US" sz="1200" dirty="0" smtClean="0"/>
+              <a:t>게시 위치</a:t>
+            </a:r>
+            <a:endParaRPr lang="ko-KR" altLang="en-US" sz="1200" dirty="0"/>
+          </a:p>
+        </p:txBody>
+      </p:sp>
+      <p:sp>
+        <p:nvSpPr>
+          <p:cNvPr id="14" name="TextBox 13"/>
+          <p:cNvSpPr txBox="1"/>
+          <p:nvPr/>
+        </p:nvSpPr>
+        <p:spPr>
+          <a:xfrm>
+            <a:off x="8257309" y="3901901"/>
+            <a:ext cx="3193503" cy="276999"/>
+          </a:xfrm>
+          <a:prstGeom prst="rect">
+            <a:avLst/>
+          </a:prstGeom>
+          <a:noFill/>
+        </p:spPr>
+        <p:txBody>
+          <a:bodyPr wrap="none" rtlCol="0">
+            <a:spAutoFit/>
+          </a:bodyPr>
+          <a:lstStyle/>
+          <a:p>
+            <a:r>
+              <a:rPr lang="ko-KR" altLang="en-US" sz="1200" dirty="0" smtClean="0"/>
+              <a:t>프로그램 게시 할 때 사용 하는 추가적인 옵션</a:t>
+            </a:r>
+            <a:endParaRPr lang="ko-KR" altLang="en-US" sz="1200" dirty="0"/>
+          </a:p>
+        </p:txBody>
+      </p:sp>
     </p:spTree>
     <p:extLst>
       <p:ext uri="{BB962C8B-B14F-4D97-AF65-F5344CB8AC3E}">
-        <p14:creationId xmlns:p14="http://schemas.microsoft.com/office/powerpoint/2010/main" val="2405417954"/>
+        <p14:creationId xmlns:p14="http://schemas.microsoft.com/office/powerpoint/2010/main" val="3380085979"/>
       </p:ext>
     </p:extLst>
   </p:cSld>
@@ -3472,12 +3475,28 @@
           </a:lstStyle>
           <a:p>
             <a:r>
+              <a:rPr lang="en-US" altLang="ko-KR" dirty="0" smtClean="0">
+                <a:latin typeface="함초롬돋움" panose="020B0604000101010101" pitchFamily="50" charset="-127"/>
+                <a:ea typeface="함초롬돋움" panose="020B0604000101010101" pitchFamily="50" charset="-127"/>
+                <a:cs typeface="함초롬돋움" panose="020B0604000101010101" pitchFamily="50" charset="-127"/>
+              </a:rPr>
+              <a:t>Application Files(</a:t>
+            </a:r>
+            <a:r>
               <a:rPr lang="ko-KR" altLang="en-US" dirty="0" smtClean="0">
                 <a:latin typeface="함초롬돋움" panose="020B0604000101010101" pitchFamily="50" charset="-127"/>
                 <a:ea typeface="함초롬돋움" panose="020B0604000101010101" pitchFamily="50" charset="-127"/>
                 <a:cs typeface="함초롬돋움" panose="020B0604000101010101" pitchFamily="50" charset="-127"/>
               </a:rPr>
-              <a:t>조금 더 정밀하게</a:t>
+              <a:t>응용 프로그램 파일</a:t>
+            </a:r>
+            <a:r>
+              <a:rPr lang="en-US" altLang="ko-KR" dirty="0" smtClean="0">
+                <a:latin typeface="함초롬돋움" panose="020B0604000101010101" pitchFamily="50" charset="-127"/>
+                <a:ea typeface="함초롬돋움" panose="020B0604000101010101" pitchFamily="50" charset="-127"/>
+                <a:cs typeface="함초롬돋움" panose="020B0604000101010101" pitchFamily="50" charset="-127"/>
+              </a:rPr>
+              <a:t>)</a:t>
             </a:r>
             <a:endParaRPr lang="ko-KR" altLang="en-US" dirty="0">
               <a:latin typeface="함초롬돋움" panose="020B0604000101010101" pitchFamily="50" charset="-127"/>
@@ -3489,35 +3508,69 @@
       </p:sp>
       <p:sp>
         <p:nvSpPr>
-          <p:cNvPr id="2" name="내용 개체 틀 1"/>
-          <p:cNvSpPr>
-            <a:spLocks noGrp="1"/>
-          </p:cNvSpPr>
-          <p:nvPr>
-            <p:ph idx="1"/>
-          </p:nvPr>
-        </p:nvSpPr>
-        <p:spPr/>
-        <p:txBody>
-          <a:bodyPr/>
-          <a:lstStyle/>
-          <a:p>
-            <a:endParaRPr lang="en-US" altLang="ko-KR" dirty="0">
-              <a:latin typeface="+mn-ea"/>
-              <a:cs typeface="함초롬돋움" panose="020B0604000101010101" pitchFamily="50" charset="-127"/>
-            </a:endParaRPr>
-          </a:p>
-          <a:p>
-            <a:endParaRPr lang="en-US" altLang="ko-KR" dirty="0" smtClean="0">
-              <a:latin typeface="+mn-ea"/>
-              <a:cs typeface="함초롬돋움" panose="020B0604000101010101" pitchFamily="50" charset="-127"/>
-            </a:endParaRPr>
+          <p:cNvPr id="11" name="TextBox 10"/>
+          <p:cNvSpPr txBox="1"/>
+          <p:nvPr/>
+        </p:nvSpPr>
+        <p:spPr>
+          <a:xfrm>
+            <a:off x="6500553" y="2230799"/>
+            <a:ext cx="4408579" cy="1200329"/>
+          </a:xfrm>
+          <a:prstGeom prst="rect">
+            <a:avLst/>
+          </a:prstGeom>
+          <a:noFill/>
+        </p:spPr>
+        <p:txBody>
+          <a:bodyPr wrap="none" rtlCol="0">
+            <a:spAutoFit/>
+          </a:bodyPr>
+          <a:lstStyle/>
+          <a:p>
+            <a:pPr marL="285750" indent="-285750">
+              <a:buFont typeface="Arial" panose="020B0604020202020204" pitchFamily="34" charset="0"/>
+              <a:buChar char="•"/>
+            </a:pPr>
+            <a:r>
+              <a:rPr lang="ko-KR" altLang="en-US" dirty="0" smtClean="0"/>
+              <a:t>프로젝트의 파일을 게시를 함</a:t>
+            </a:r>
+            <a:endParaRPr lang="en-US" altLang="ko-KR" dirty="0" smtClean="0"/>
+          </a:p>
+          <a:p>
+            <a:pPr marL="285750" indent="-285750">
+              <a:buFont typeface="Arial" panose="020B0604020202020204" pitchFamily="34" charset="0"/>
+              <a:buChar char="•"/>
+            </a:pPr>
+            <a:r>
+              <a:rPr lang="ko-KR" altLang="en-US" dirty="0" smtClean="0"/>
+              <a:t>사용자가 원할 때 다운로드 및 업데이트</a:t>
+            </a:r>
+            <a:endParaRPr lang="en-US" altLang="ko-KR" dirty="0" smtClean="0"/>
+          </a:p>
+          <a:p>
+            <a:pPr marL="285750" indent="-285750">
+              <a:buFont typeface="Arial" panose="020B0604020202020204" pitchFamily="34" charset="0"/>
+              <a:buChar char="•"/>
+            </a:pPr>
+            <a:r>
+              <a:rPr lang="en-US" altLang="ko-KR" dirty="0" smtClean="0"/>
+              <a:t>Data File</a:t>
+            </a:r>
+          </a:p>
+          <a:p>
+            <a:pPr marL="742950" lvl="1" indent="-285750">
+              <a:buFont typeface="Arial" panose="020B0604020202020204" pitchFamily="34" charset="0"/>
+              <a:buChar char="•"/>
+            </a:pPr>
+            <a:endParaRPr lang="en-US" altLang="ko-KR" dirty="0" smtClean="0"/>
           </a:p>
         </p:txBody>
       </p:sp>
       <p:pic>
         <p:nvPicPr>
-          <p:cNvPr id="4" name="그림 3"/>
+          <p:cNvPr id="2" name="그림 1"/>
           <p:cNvPicPr>
             <a:picLocks noChangeAspect="1"/>
           </p:cNvPicPr>
@@ -3537,176 +3590,18 @@
         </p:blipFill>
         <p:spPr>
           <a:xfrm>
-            <a:off x="2728631" y="2468880"/>
-            <a:ext cx="5528678" cy="3486004"/>
+            <a:off x="671229" y="2376304"/>
+            <a:ext cx="5296639" cy="3867690"/>
           </a:xfrm>
           <a:prstGeom prst="rect">
             <a:avLst/>
           </a:prstGeom>
         </p:spPr>
       </p:pic>
-      <p:sp>
-        <p:nvSpPr>
-          <p:cNvPr id="5" name="TextBox 4"/>
-          <p:cNvSpPr txBox="1"/>
-          <p:nvPr/>
-        </p:nvSpPr>
-        <p:spPr>
-          <a:xfrm>
-            <a:off x="6641871" y="5162204"/>
-            <a:ext cx="1470274" cy="276999"/>
-          </a:xfrm>
-          <a:prstGeom prst="rect">
-            <a:avLst/>
-          </a:prstGeom>
-          <a:noFill/>
-        </p:spPr>
-        <p:txBody>
-          <a:bodyPr wrap="none" rtlCol="0">
-            <a:spAutoFit/>
-          </a:bodyPr>
-          <a:lstStyle/>
-          <a:p>
-            <a:r>
-              <a:rPr lang="ko-KR" altLang="en-US" sz="1200" dirty="0" smtClean="0"/>
-              <a:t>프로그램 버전 설정</a:t>
-            </a:r>
-            <a:endParaRPr lang="ko-KR" altLang="en-US" sz="1200" dirty="0"/>
-          </a:p>
-        </p:txBody>
-      </p:sp>
-      <p:sp>
-        <p:nvSpPr>
-          <p:cNvPr id="8" name="TextBox 7"/>
-          <p:cNvSpPr txBox="1"/>
-          <p:nvPr/>
-        </p:nvSpPr>
-        <p:spPr>
-          <a:xfrm>
-            <a:off x="8257309" y="3449406"/>
-            <a:ext cx="1223412" cy="276999"/>
-          </a:xfrm>
-          <a:prstGeom prst="rect">
-            <a:avLst/>
-          </a:prstGeom>
-          <a:noFill/>
-        </p:spPr>
-        <p:txBody>
-          <a:bodyPr wrap="none" rtlCol="0">
-            <a:spAutoFit/>
-          </a:bodyPr>
-          <a:lstStyle/>
-          <a:p>
-            <a:r>
-              <a:rPr lang="ko-KR" altLang="en-US" sz="1200" dirty="0" smtClean="0"/>
-              <a:t>설치 폴더 </a:t>
-            </a:r>
-            <a:r>
-              <a:rPr lang="en-US" altLang="ko-KR" sz="1200" dirty="0" smtClean="0"/>
-              <a:t>URL</a:t>
-            </a:r>
-            <a:r>
-              <a:rPr lang="ko-KR" altLang="en-US" sz="1200" dirty="0" smtClean="0"/>
-              <a:t> </a:t>
-            </a:r>
-            <a:endParaRPr lang="ko-KR" altLang="en-US" sz="1200" dirty="0"/>
-          </a:p>
-        </p:txBody>
-      </p:sp>
-      <p:sp>
-        <p:nvSpPr>
-          <p:cNvPr id="10" name="TextBox 9"/>
-          <p:cNvSpPr txBox="1"/>
-          <p:nvPr/>
-        </p:nvSpPr>
-        <p:spPr>
-          <a:xfrm>
-            <a:off x="3823856" y="4380808"/>
-            <a:ext cx="2355132" cy="276999"/>
-          </a:xfrm>
-          <a:prstGeom prst="rect">
-            <a:avLst/>
-          </a:prstGeom>
-          <a:noFill/>
-        </p:spPr>
-        <p:txBody>
-          <a:bodyPr wrap="none" rtlCol="0">
-            <a:spAutoFit/>
-          </a:bodyPr>
-          <a:lstStyle/>
-          <a:p>
-            <a:r>
-              <a:rPr lang="ko-KR" altLang="en-US" sz="1200" dirty="0" smtClean="0"/>
-              <a:t>프로그램 설치 및 실행 방법 설정</a:t>
-            </a:r>
-            <a:endParaRPr lang="ko-KR" altLang="en-US" sz="1200" dirty="0"/>
-          </a:p>
-        </p:txBody>
-      </p:sp>
-      <p:sp>
-        <p:nvSpPr>
-          <p:cNvPr id="11" name="TextBox 10"/>
-          <p:cNvSpPr txBox="1"/>
-          <p:nvPr/>
-        </p:nvSpPr>
-        <p:spPr>
-          <a:xfrm>
-            <a:off x="8257309" y="3046891"/>
-            <a:ext cx="827471" cy="276999"/>
-          </a:xfrm>
-          <a:prstGeom prst="rect">
-            <a:avLst/>
-          </a:prstGeom>
-          <a:noFill/>
-        </p:spPr>
-        <p:txBody>
-          <a:bodyPr wrap="none" rtlCol="0">
-            <a:spAutoFit/>
-          </a:bodyPr>
-          <a:lstStyle/>
-          <a:p>
-            <a:r>
-              <a:rPr lang="ko-KR" altLang="en-US" sz="1200" dirty="0" smtClean="0"/>
-              <a:t>게시 위치</a:t>
-            </a:r>
-            <a:endParaRPr lang="ko-KR" altLang="en-US" sz="1200" dirty="0"/>
-          </a:p>
-        </p:txBody>
-      </p:sp>
-      <p:sp>
-        <p:nvSpPr>
-          <p:cNvPr id="14" name="TextBox 13"/>
-          <p:cNvSpPr txBox="1"/>
-          <p:nvPr/>
-        </p:nvSpPr>
-        <p:spPr>
-          <a:xfrm>
-            <a:off x="8257309" y="3901901"/>
-            <a:ext cx="3193503" cy="276999"/>
-          </a:xfrm>
-          <a:prstGeom prst="rect">
-            <a:avLst/>
-          </a:prstGeom>
-          <a:noFill/>
-        </p:spPr>
-        <p:txBody>
-          <a:bodyPr wrap="none" rtlCol="0">
-            <a:spAutoFit/>
-          </a:bodyPr>
-          <a:lstStyle/>
-          <a:p>
-            <a:r>
-              <a:rPr lang="ko-KR" altLang="en-US" sz="1200" dirty="0" smtClean="0"/>
-              <a:t>프로그램 게시 할 때 사용 하는 추가적인 옵션</a:t>
-            </a:r>
-            <a:endParaRPr lang="ko-KR" altLang="en-US" sz="1200" dirty="0"/>
-          </a:p>
-        </p:txBody>
-      </p:sp>
     </p:spTree>
     <p:extLst>
       <p:ext uri="{BB962C8B-B14F-4D97-AF65-F5344CB8AC3E}">
-        <p14:creationId xmlns:p14="http://schemas.microsoft.com/office/powerpoint/2010/main" val="3380085979"/>
+        <p14:creationId xmlns:p14="http://schemas.microsoft.com/office/powerpoint/2010/main" val="2927129280"/>
       </p:ext>
     </p:extLst>
   </p:cSld>
@@ -3782,12 +3677,20 @@
           </a:lstStyle>
           <a:p>
             <a:r>
+              <a:rPr lang="en-US" altLang="ko-KR" dirty="0" err="1" smtClean="0">
+                <a:latin typeface="함초롬돋움" panose="020B0604000101010101" pitchFamily="50" charset="-127"/>
+                <a:ea typeface="함초롬돋움" panose="020B0604000101010101" pitchFamily="50" charset="-127"/>
+                <a:cs typeface="함초롬돋움" panose="020B0604000101010101" pitchFamily="50" charset="-127"/>
+              </a:rPr>
+              <a:t>Prerequesite</a:t>
+            </a:r>
+            <a:r>
               <a:rPr lang="en-US" altLang="ko-KR" dirty="0" smtClean="0">
                 <a:latin typeface="함초롬돋움" panose="020B0604000101010101" pitchFamily="50" charset="-127"/>
                 <a:ea typeface="함초롬돋움" panose="020B0604000101010101" pitchFamily="50" charset="-127"/>
                 <a:cs typeface="함초롬돋움" panose="020B0604000101010101" pitchFamily="50" charset="-127"/>
               </a:rPr>
-              <a:t>Application Files(</a:t>
+              <a:t>(</a:t>
             </a:r>
             <a:r>
               <a:rPr lang="ko-KR" altLang="en-US" dirty="0" smtClean="0">
@@ -3795,7 +3698,7 @@
                 <a:ea typeface="함초롬돋움" panose="020B0604000101010101" pitchFamily="50" charset="-127"/>
                 <a:cs typeface="함초롬돋움" panose="020B0604000101010101" pitchFamily="50" charset="-127"/>
               </a:rPr>
-              <a:t>응용 프로그램 파일</a:t>
+              <a:t>필수 구성 요소</a:t>
             </a:r>
             <a:r>
               <a:rPr lang="en-US" altLang="ko-KR" dirty="0" smtClean="0">
@@ -3813,71 +3716,9 @@
           </a:p>
         </p:txBody>
       </p:sp>
-      <p:sp>
-        <p:nvSpPr>
-          <p:cNvPr id="11" name="TextBox 10"/>
-          <p:cNvSpPr txBox="1"/>
-          <p:nvPr/>
-        </p:nvSpPr>
-        <p:spPr>
-          <a:xfrm>
-            <a:off x="6500553" y="2230799"/>
-            <a:ext cx="4408579" cy="1200329"/>
-          </a:xfrm>
-          <a:prstGeom prst="rect">
-            <a:avLst/>
-          </a:prstGeom>
-          <a:noFill/>
-        </p:spPr>
-        <p:txBody>
-          <a:bodyPr wrap="none" rtlCol="0">
-            <a:spAutoFit/>
-          </a:bodyPr>
-          <a:lstStyle/>
-          <a:p>
-            <a:pPr marL="285750" indent="-285750">
-              <a:buFont typeface="Arial" panose="020B0604020202020204" pitchFamily="34" charset="0"/>
-              <a:buChar char="•"/>
-            </a:pPr>
-            <a:r>
-              <a:rPr lang="ko-KR" altLang="en-US" dirty="0" smtClean="0"/>
-              <a:t>프로젝트의 파일을 게시를 함</a:t>
-            </a:r>
-            <a:endParaRPr lang="en-US" altLang="ko-KR" dirty="0" smtClean="0"/>
-          </a:p>
-          <a:p>
-            <a:pPr marL="285750" indent="-285750">
-              <a:buFont typeface="Arial" panose="020B0604020202020204" pitchFamily="34" charset="0"/>
-              <a:buChar char="•"/>
-            </a:pPr>
-            <a:r>
-              <a:rPr lang="ko-KR" altLang="en-US" dirty="0" smtClean="0"/>
-              <a:t>사용자가 원할 때 다운로드 및 업데이트</a:t>
-            </a:r>
-            <a:endParaRPr lang="en-US" altLang="ko-KR" dirty="0" smtClean="0"/>
-          </a:p>
-          <a:p>
-            <a:pPr marL="285750" indent="-285750">
-              <a:buFont typeface="Arial" panose="020B0604020202020204" pitchFamily="34" charset="0"/>
-              <a:buChar char="•"/>
-            </a:pPr>
-            <a:r>
-              <a:rPr lang="en-US" altLang="ko-KR" dirty="0" smtClean="0"/>
-              <a:t>Data File</a:t>
-            </a:r>
-          </a:p>
-          <a:p>
-            <a:pPr marL="742950" lvl="1" indent="-285750">
-              <a:buFont typeface="Arial" panose="020B0604020202020204" pitchFamily="34" charset="0"/>
-              <a:buChar char="•"/>
-            </a:pPr>
-            <a:endParaRPr lang="en-US" altLang="ko-KR" dirty="0" smtClean="0"/>
-          </a:p>
-        </p:txBody>
-      </p:sp>
       <p:pic>
         <p:nvPicPr>
-          <p:cNvPr id="2" name="그림 1"/>
+          <p:cNvPr id="10" name="그림 9"/>
           <p:cNvPicPr>
             <a:picLocks noChangeAspect="1"/>
           </p:cNvPicPr>
@@ -3897,18 +3738,149 @@
         </p:blipFill>
         <p:spPr>
           <a:xfrm>
-            <a:off x="671229" y="2376304"/>
-            <a:ext cx="5296639" cy="3867690"/>
+            <a:off x="403735" y="2230799"/>
+            <a:ext cx="5515745" cy="4324954"/>
           </a:xfrm>
           <a:prstGeom prst="rect">
             <a:avLst/>
           </a:prstGeom>
         </p:spPr>
       </p:pic>
+      <p:sp>
+        <p:nvSpPr>
+          <p:cNvPr id="11" name="TextBox 10"/>
+          <p:cNvSpPr txBox="1"/>
+          <p:nvPr/>
+        </p:nvSpPr>
+        <p:spPr>
+          <a:xfrm>
+            <a:off x="6500553" y="2230799"/>
+            <a:ext cx="5668539" cy="646331"/>
+          </a:xfrm>
+          <a:prstGeom prst="rect">
+            <a:avLst/>
+          </a:prstGeom>
+          <a:noFill/>
+        </p:spPr>
+        <p:txBody>
+          <a:bodyPr wrap="none" rtlCol="0">
+            <a:spAutoFit/>
+          </a:bodyPr>
+          <a:lstStyle/>
+          <a:p>
+            <a:pPr marL="285750" indent="-285750">
+              <a:buFont typeface="Arial" panose="020B0604020202020204" pitchFamily="34" charset="0"/>
+              <a:buChar char="•"/>
+            </a:pPr>
+            <a:r>
+              <a:rPr lang="ko-KR" altLang="en-US" dirty="0" smtClean="0"/>
+              <a:t>응용 프로그램을 설치 할 때 필요한 구성요소 지정함</a:t>
+            </a:r>
+            <a:endParaRPr lang="en-US" altLang="ko-KR" dirty="0" smtClean="0"/>
+          </a:p>
+          <a:p>
+            <a:pPr marL="285750" indent="-285750">
+              <a:buFont typeface="Arial" panose="020B0604020202020204" pitchFamily="34" charset="0"/>
+              <a:buChar char="•"/>
+            </a:pPr>
+            <a:endParaRPr lang="en-US" altLang="ko-KR" dirty="0"/>
+          </a:p>
+        </p:txBody>
+      </p:sp>
+      <p:sp>
+        <p:nvSpPr>
+          <p:cNvPr id="12" name="TextBox 11"/>
+          <p:cNvSpPr txBox="1"/>
+          <p:nvPr/>
+        </p:nvSpPr>
+        <p:spPr>
+          <a:xfrm>
+            <a:off x="4240567" y="4962698"/>
+            <a:ext cx="3938899" cy="276999"/>
+          </a:xfrm>
+          <a:prstGeom prst="rect">
+            <a:avLst/>
+          </a:prstGeom>
+          <a:noFill/>
+        </p:spPr>
+        <p:txBody>
+          <a:bodyPr wrap="none" rtlCol="0">
+            <a:spAutoFit/>
+          </a:bodyPr>
+          <a:lstStyle/>
+          <a:p>
+            <a:r>
+              <a:rPr lang="ko-KR" altLang="en-US" sz="1200" dirty="0" smtClean="0"/>
+              <a:t>선택한 구성 요소를 구성 요소를 제공하는 업체에서 다운</a:t>
+            </a:r>
+            <a:endParaRPr lang="ko-KR" altLang="en-US" sz="1200" dirty="0"/>
+          </a:p>
+        </p:txBody>
+      </p:sp>
+      <p:sp>
+        <p:nvSpPr>
+          <p:cNvPr id="13" name="TextBox 12"/>
+          <p:cNvSpPr txBox="1"/>
+          <p:nvPr/>
+        </p:nvSpPr>
+        <p:spPr>
+          <a:xfrm>
+            <a:off x="4240567" y="5239697"/>
+            <a:ext cx="3594254" cy="276999"/>
+          </a:xfrm>
+          <a:prstGeom prst="rect">
+            <a:avLst/>
+          </a:prstGeom>
+          <a:noFill/>
+        </p:spPr>
+        <p:txBody>
+          <a:bodyPr wrap="none" rtlCol="0">
+            <a:spAutoFit/>
+          </a:bodyPr>
+          <a:lstStyle/>
+          <a:p>
+            <a:r>
+              <a:rPr lang="ko-KR" altLang="en-US" sz="1200" dirty="0" smtClean="0"/>
+              <a:t>응용 프로그램을 게시한 위치에서 구성 요소를 다운</a:t>
+            </a:r>
+            <a:endParaRPr lang="ko-KR" altLang="en-US" sz="1200" dirty="0"/>
+          </a:p>
+        </p:txBody>
+      </p:sp>
+      <p:sp>
+        <p:nvSpPr>
+          <p:cNvPr id="14" name="TextBox 13"/>
+          <p:cNvSpPr txBox="1"/>
+          <p:nvPr/>
+        </p:nvSpPr>
+        <p:spPr>
+          <a:xfrm>
+            <a:off x="3161607" y="5470529"/>
+            <a:ext cx="4432624" cy="276999"/>
+          </a:xfrm>
+          <a:prstGeom prst="rect">
+            <a:avLst/>
+          </a:prstGeom>
+          <a:noFill/>
+        </p:spPr>
+        <p:txBody>
+          <a:bodyPr wrap="none" rtlCol="0">
+            <a:spAutoFit/>
+          </a:bodyPr>
+          <a:lstStyle/>
+          <a:p>
+            <a:r>
+              <a:rPr lang="ko-KR" altLang="en-US" sz="1200" dirty="0" smtClean="0"/>
+              <a:t>공급업체와 게시한 위치가 아닌 다른 위치에서 구성 요소를 다운</a:t>
+            </a:r>
+            <a:endParaRPr lang="ko-KR" altLang="en-US" sz="1200" dirty="0"/>
+          </a:p>
+        </p:txBody>
+      </p:sp>
     </p:spTree>
     <p:extLst>
       <p:ext uri="{BB962C8B-B14F-4D97-AF65-F5344CB8AC3E}">
-        <p14:creationId xmlns:p14="http://schemas.microsoft.com/office/powerpoint/2010/main" val="2927129280"/>
+        <p14:creationId xmlns:p14="http://schemas.microsoft.com/office/powerpoint/2010/main" val="2983607299"/>
       </p:ext>
     </p:extLst>
   </p:cSld>
@@ -3984,36 +3956,12 @@
           </a:lstStyle>
           <a:p>
             <a:r>
-              <a:rPr lang="en-US" altLang="ko-KR" dirty="0" err="1" smtClean="0">
-                <a:latin typeface="함초롬돋움" panose="020B0604000101010101" pitchFamily="50" charset="-127"/>
-                <a:ea typeface="함초롬돋움" panose="020B0604000101010101" pitchFamily="50" charset="-127"/>
-                <a:cs typeface="함초롬돋움" panose="020B0604000101010101" pitchFamily="50" charset="-127"/>
-              </a:rPr>
-              <a:t>Prerequesite</a:t>
-            </a:r>
-            <a:r>
               <a:rPr lang="en-US" altLang="ko-KR" dirty="0" smtClean="0">
                 <a:latin typeface="함초롬돋움" panose="020B0604000101010101" pitchFamily="50" charset="-127"/>
                 <a:ea typeface="함초롬돋움" panose="020B0604000101010101" pitchFamily="50" charset="-127"/>
                 <a:cs typeface="함초롬돋움" panose="020B0604000101010101" pitchFamily="50" charset="-127"/>
               </a:rPr>
-              <a:t>(</a:t>
-            </a:r>
-            <a:r>
-              <a:rPr lang="ko-KR" altLang="en-US" dirty="0" smtClean="0">
-                <a:latin typeface="함초롬돋움" panose="020B0604000101010101" pitchFamily="50" charset="-127"/>
-                <a:ea typeface="함초롬돋움" panose="020B0604000101010101" pitchFamily="50" charset="-127"/>
-                <a:cs typeface="함초롬돋움" panose="020B0604000101010101" pitchFamily="50" charset="-127"/>
-              </a:rPr>
-              <a:t>필수 구성 요소</a:t>
-            </a:r>
-            <a:r>
-              <a:rPr lang="en-US" altLang="ko-KR" dirty="0" smtClean="0">
-                <a:latin typeface="함초롬돋움" panose="020B0604000101010101" pitchFamily="50" charset="-127"/>
-                <a:ea typeface="함초롬돋움" panose="020B0604000101010101" pitchFamily="50" charset="-127"/>
-                <a:cs typeface="함초롬돋움" panose="020B0604000101010101" pitchFamily="50" charset="-127"/>
-              </a:rPr>
-              <a:t>)</a:t>
+              <a:t>Update</a:t>
             </a:r>
             <a:endParaRPr lang="ko-KR" altLang="en-US" dirty="0">
               <a:latin typeface="함초롬돋움" panose="020B0604000101010101" pitchFamily="50" charset="-127"/>
@@ -4025,7 +3973,7 @@
       </p:sp>
       <p:pic>
         <p:nvPicPr>
-          <p:cNvPr id="10" name="그림 9"/>
+          <p:cNvPr id="4" name="그림 3"/>
           <p:cNvPicPr>
             <a:picLocks noChangeAspect="1"/>
           </p:cNvPicPr>
@@ -4045,8 +3993,8 @@
         </p:blipFill>
         <p:spPr>
           <a:xfrm>
-            <a:off x="403735" y="2230799"/>
-            <a:ext cx="5515745" cy="4324954"/>
+            <a:off x="205047" y="2329206"/>
+            <a:ext cx="6727768" cy="4277770"/>
           </a:xfrm>
           <a:prstGeom prst="rect">
             <a:avLst/>
@@ -4055,14 +4003,14 @@
       </p:pic>
       <p:sp>
         <p:nvSpPr>
-          <p:cNvPr id="11" name="TextBox 10"/>
+          <p:cNvPr id="5" name="TextBox 4"/>
           <p:cNvSpPr txBox="1"/>
           <p:nvPr/>
         </p:nvSpPr>
         <p:spPr>
           <a:xfrm>
-            <a:off x="6500553" y="2230799"/>
-            <a:ext cx="5668539" cy="646331"/>
+            <a:off x="6866312" y="3416531"/>
+            <a:ext cx="3445174" cy="276999"/>
           </a:xfrm>
           <a:prstGeom prst="rect">
             <a:avLst/>
@@ -4075,35 +4023,24 @@
           </a:bodyPr>
           <a:lstStyle/>
           <a:p>
-            <a:pPr marL="285750" indent="-285750">
-              <a:buFont typeface="Arial" panose="020B0604020202020204" pitchFamily="34" charset="0"/>
-              <a:buChar char="•"/>
-            </a:pPr>
-            <a:r>
-              <a:rPr lang="ko-KR" altLang="en-US" dirty="0" smtClean="0"/>
-              <a:t>응용 프로그램을 설치 할 때 필요한 구성요소 지정함</a:t>
-            </a:r>
-            <a:endParaRPr lang="en-US" altLang="ko-KR" dirty="0" smtClean="0"/>
-          </a:p>
-          <a:p>
-            <a:pPr marL="285750" indent="-285750">
-              <a:buFont typeface="Arial" panose="020B0604020202020204" pitchFamily="34" charset="0"/>
-              <a:buChar char="•"/>
-            </a:pPr>
-            <a:endParaRPr lang="en-US" altLang="ko-KR" dirty="0"/>
-          </a:p>
-        </p:txBody>
-      </p:sp>
-      <p:sp>
-        <p:nvSpPr>
-          <p:cNvPr id="12" name="TextBox 11"/>
+            <a:r>
+              <a:rPr lang="ko-KR" altLang="en-US" sz="1200" dirty="0" smtClean="0"/>
+              <a:t>응용 프로그램 업데이트를 언제 해야 되는지 설정</a:t>
+            </a:r>
+            <a:endParaRPr lang="ko-KR" altLang="en-US" sz="1200" dirty="0"/>
+          </a:p>
+        </p:txBody>
+      </p:sp>
+      <p:sp>
+        <p:nvSpPr>
+          <p:cNvPr id="8" name="TextBox 7"/>
           <p:cNvSpPr txBox="1"/>
           <p:nvPr/>
         </p:nvSpPr>
         <p:spPr>
           <a:xfrm>
-            <a:off x="4240567" y="4962698"/>
-            <a:ext cx="3938899" cy="276999"/>
+            <a:off x="3568931" y="4290423"/>
+            <a:ext cx="2457724" cy="276999"/>
           </a:xfrm>
           <a:prstGeom prst="rect">
             <a:avLst/>
@@ -4118,7 +4055,7 @@
           <a:p>
             <a:r>
               <a:rPr lang="ko-KR" altLang="en-US" sz="1200" dirty="0" smtClean="0"/>
-              <a:t>선택한 구성 요소를 구성 요소를 제공하는 업체에서 다운</a:t>
+              <a:t>응용 프로그램 업데이트 주기 설정</a:t>
             </a:r>
             <a:endParaRPr lang="ko-KR" altLang="en-US" sz="1200" dirty="0"/>
           </a:p>
@@ -4126,14 +4063,14 @@
       </p:sp>
       <p:sp>
         <p:nvSpPr>
-          <p:cNvPr id="13" name="TextBox 12"/>
+          <p:cNvPr id="9" name="TextBox 8"/>
           <p:cNvSpPr txBox="1"/>
           <p:nvPr/>
         </p:nvSpPr>
         <p:spPr>
           <a:xfrm>
-            <a:off x="4240567" y="5239697"/>
-            <a:ext cx="3594254" cy="276999"/>
+            <a:off x="4217324" y="4979649"/>
+            <a:ext cx="5121915" cy="276999"/>
           </a:xfrm>
           <a:prstGeom prst="rect">
             <a:avLst/>
@@ -4148,7 +4085,7 @@
           <a:p>
             <a:r>
               <a:rPr lang="ko-KR" altLang="en-US" sz="1200" dirty="0" smtClean="0"/>
-              <a:t>응용 프로그램을 게시한 위치에서 구성 요소를 다운</a:t>
+              <a:t>업데이트 된 응용 프로그램을 사용자가 업데이트 하기 위한 최소 버전 설정</a:t>
             </a:r>
             <a:endParaRPr lang="ko-KR" altLang="en-US" sz="1200" dirty="0"/>
           </a:p>
@@ -4156,14 +4093,14 @@
       </p:sp>
       <p:sp>
         <p:nvSpPr>
-          <p:cNvPr id="14" name="TextBox 13"/>
+          <p:cNvPr id="10" name="TextBox 9"/>
           <p:cNvSpPr txBox="1"/>
           <p:nvPr/>
         </p:nvSpPr>
         <p:spPr>
           <a:xfrm>
-            <a:off x="3161607" y="5470529"/>
-            <a:ext cx="4432624" cy="276999"/>
+            <a:off x="6096000" y="2741433"/>
+            <a:ext cx="3985386" cy="276999"/>
           </a:xfrm>
           <a:prstGeom prst="rect">
             <a:avLst/>
@@ -4178,7 +4115,37 @@
           <a:p>
             <a:r>
               <a:rPr lang="ko-KR" altLang="en-US" sz="1200" dirty="0" smtClean="0"/>
-              <a:t>공급업체와 게시한 위치가 아닌 다른 위치에서 구성 요소를 다운</a:t>
+              <a:t>사용자가 프로그램을 실행 할 때 업데이트 확인 여부 설정</a:t>
+            </a:r>
+            <a:endParaRPr lang="ko-KR" altLang="en-US" sz="1200" dirty="0"/>
+          </a:p>
+        </p:txBody>
+      </p:sp>
+      <p:sp>
+        <p:nvSpPr>
+          <p:cNvPr id="11" name="TextBox 10"/>
+          <p:cNvSpPr txBox="1"/>
+          <p:nvPr/>
+        </p:nvSpPr>
+        <p:spPr>
+          <a:xfrm>
+            <a:off x="6866312" y="5530375"/>
+            <a:ext cx="2755883" cy="276999"/>
+          </a:xfrm>
+          <a:prstGeom prst="rect">
+            <a:avLst/>
+          </a:prstGeom>
+          <a:noFill/>
+        </p:spPr>
+        <p:txBody>
+          <a:bodyPr wrap="none" rtlCol="0">
+            <a:spAutoFit/>
+          </a:bodyPr>
+          <a:lstStyle/>
+          <a:p>
+            <a:r>
+              <a:rPr lang="ko-KR" altLang="en-US" sz="1200" dirty="0" smtClean="0"/>
+              <a:t>응용 프로그램의 업데이트 위치를 설정</a:t>
             </a:r>
             <a:endParaRPr lang="ko-KR" altLang="en-US" sz="1200" dirty="0"/>
           </a:p>
@@ -4187,7 +4154,7 @@
     </p:spTree>
     <p:extLst>
       <p:ext uri="{BB962C8B-B14F-4D97-AF65-F5344CB8AC3E}">
-        <p14:creationId xmlns:p14="http://schemas.microsoft.com/office/powerpoint/2010/main" val="2983607299"/>
+        <p14:creationId xmlns:p14="http://schemas.microsoft.com/office/powerpoint/2010/main" val="2721509082"/>
       </p:ext>
     </p:extLst>
   </p:cSld>
@@ -4268,7 +4235,7 @@
                 <a:ea typeface="함초롬돋움" panose="020B0604000101010101" pitchFamily="50" charset="-127"/>
                 <a:cs typeface="함초롬돋움" panose="020B0604000101010101" pitchFamily="50" charset="-127"/>
               </a:rPr>
-              <a:t>Update</a:t>
+              <a:t>Option</a:t>
             </a:r>
             <a:endParaRPr lang="ko-KR" altLang="en-US" dirty="0">
               <a:latin typeface="함초롬돋움" panose="020B0604000101010101" pitchFamily="50" charset="-127"/>
@@ -4280,7 +4247,7 @@
       </p:sp>
       <p:pic>
         <p:nvPicPr>
-          <p:cNvPr id="4" name="그림 3"/>
+          <p:cNvPr id="3" name="그림 2"/>
           <p:cNvPicPr>
             <a:picLocks noChangeAspect="1"/>
           </p:cNvPicPr>
@@ -4300,8 +4267,8 @@
         </p:blipFill>
         <p:spPr>
           <a:xfrm>
-            <a:off x="205047" y="2329206"/>
-            <a:ext cx="6727768" cy="4277770"/>
+            <a:off x="838200" y="2607361"/>
+            <a:ext cx="5649113" cy="3343742"/>
           </a:xfrm>
           <a:prstGeom prst="rect">
             <a:avLst/>
@@ -4310,14 +4277,14 @@
       </p:pic>
       <p:sp>
         <p:nvSpPr>
-          <p:cNvPr id="5" name="TextBox 4"/>
+          <p:cNvPr id="6" name="TextBox 5"/>
           <p:cNvSpPr txBox="1"/>
           <p:nvPr/>
         </p:nvSpPr>
         <p:spPr>
           <a:xfrm>
-            <a:off x="6866312" y="3416531"/>
-            <a:ext cx="3445174" cy="276999"/>
+            <a:off x="6487313" y="5021178"/>
+            <a:ext cx="4326826" cy="369332"/>
           </a:xfrm>
           <a:prstGeom prst="rect">
             <a:avLst/>
@@ -4331,23 +4298,23 @@
           <a:lstStyle/>
           <a:p>
             <a:r>
-              <a:rPr lang="ko-KR" altLang="en-US" sz="1200" dirty="0" smtClean="0"/>
-              <a:t>응용 프로그램 업데이트를 언제 해야 되는지 설정</a:t>
-            </a:r>
-            <a:endParaRPr lang="ko-KR" altLang="en-US" sz="1200" dirty="0"/>
-          </a:p>
-        </p:txBody>
-      </p:sp>
-      <p:sp>
-        <p:nvSpPr>
-          <p:cNvPr id="8" name="TextBox 7"/>
+              <a:rPr lang="ko-KR" altLang="en-US" dirty="0" smtClean="0"/>
+              <a:t>설치 중 에러 발생 할 시 웹 사이트를 지정</a:t>
+            </a:r>
+            <a:endParaRPr lang="ko-KR" altLang="en-US" dirty="0"/>
+          </a:p>
+        </p:txBody>
+      </p:sp>
+      <p:sp>
+        <p:nvSpPr>
+          <p:cNvPr id="12" name="TextBox 11"/>
           <p:cNvSpPr txBox="1"/>
           <p:nvPr/>
         </p:nvSpPr>
         <p:spPr>
           <a:xfrm>
-            <a:off x="3568931" y="4290423"/>
-            <a:ext cx="2457724" cy="276999"/>
+            <a:off x="6487313" y="4651846"/>
+            <a:ext cx="4568879" cy="369332"/>
           </a:xfrm>
           <a:prstGeom prst="rect">
             <a:avLst/>
@@ -4361,23 +4328,27 @@
           <a:lstStyle/>
           <a:p>
             <a:r>
-              <a:rPr lang="ko-KR" altLang="en-US" sz="1200" dirty="0" smtClean="0"/>
-              <a:t>응용 프로그램 업데이트 주기 설정</a:t>
-            </a:r>
-            <a:endParaRPr lang="ko-KR" altLang="en-US" sz="1200" dirty="0"/>
-          </a:p>
-        </p:txBody>
-      </p:sp>
-      <p:sp>
-        <p:nvSpPr>
-          <p:cNvPr id="9" name="TextBox 8"/>
+              <a:rPr lang="ko-KR" altLang="en-US" dirty="0" smtClean="0"/>
+              <a:t>프로그램의 지원 정보가 </a:t>
+            </a:r>
+            <a:r>
+              <a:rPr lang="ko-KR" altLang="en-US" smtClean="0"/>
+              <a:t>있는 웹사이트 지정</a:t>
+            </a:r>
+            <a:endParaRPr lang="ko-KR" altLang="en-US" dirty="0"/>
+          </a:p>
+        </p:txBody>
+      </p:sp>
+      <p:sp>
+        <p:nvSpPr>
+          <p:cNvPr id="13" name="TextBox 12"/>
           <p:cNvSpPr txBox="1"/>
           <p:nvPr/>
         </p:nvSpPr>
         <p:spPr>
           <a:xfrm>
-            <a:off x="4217324" y="4979649"/>
-            <a:ext cx="5121915" cy="276999"/>
+            <a:off x="6487313" y="4260489"/>
+            <a:ext cx="2342308" cy="369332"/>
           </a:xfrm>
           <a:prstGeom prst="rect">
             <a:avLst/>
@@ -4391,23 +4362,23 @@
           <a:lstStyle/>
           <a:p>
             <a:r>
-              <a:rPr lang="ko-KR" altLang="en-US" sz="1200" dirty="0" smtClean="0"/>
-              <a:t>업데이트 된 응용 프로그램을 사용자가 업데이트 하기 위한 최소 버전 설정</a:t>
-            </a:r>
-            <a:endParaRPr lang="ko-KR" altLang="en-US" sz="1200" dirty="0"/>
-          </a:p>
-        </p:txBody>
-      </p:sp>
-      <p:sp>
-        <p:nvSpPr>
-          <p:cNvPr id="10" name="TextBox 9"/>
+              <a:rPr lang="ko-KR" altLang="en-US" dirty="0" smtClean="0"/>
+              <a:t>프로그램 이름을 지정</a:t>
+            </a:r>
+            <a:endParaRPr lang="ko-KR" altLang="en-US" dirty="0"/>
+          </a:p>
+        </p:txBody>
+      </p:sp>
+      <p:sp>
+        <p:nvSpPr>
+          <p:cNvPr id="14" name="TextBox 13"/>
           <p:cNvSpPr txBox="1"/>
           <p:nvPr/>
         </p:nvSpPr>
         <p:spPr>
           <a:xfrm>
-            <a:off x="6096000" y="2741433"/>
-            <a:ext cx="3985386" cy="276999"/>
+            <a:off x="6487313" y="3891157"/>
+            <a:ext cx="5086649" cy="369332"/>
           </a:xfrm>
           <a:prstGeom prst="rect">
             <a:avLst/>
@@ -4421,23 +4392,23 @@
           <a:lstStyle/>
           <a:p>
             <a:r>
-              <a:rPr lang="ko-KR" altLang="en-US" sz="1200" dirty="0" smtClean="0"/>
-              <a:t>사용자가 프로그램을 실행 할 때 업데이트 확인 여부 설정</a:t>
-            </a:r>
-            <a:endParaRPr lang="ko-KR" altLang="en-US" sz="1200" dirty="0"/>
-          </a:p>
-        </p:txBody>
-      </p:sp>
-      <p:sp>
-        <p:nvSpPr>
-          <p:cNvPr id="11" name="TextBox 10"/>
+              <a:rPr lang="ko-KR" altLang="en-US" dirty="0" smtClean="0"/>
+              <a:t>시작 메뉴에서 프로그램 설치할 폴더 이름을 지정</a:t>
+            </a:r>
+            <a:endParaRPr lang="ko-KR" altLang="en-US" dirty="0"/>
+          </a:p>
+        </p:txBody>
+      </p:sp>
+      <p:sp>
+        <p:nvSpPr>
+          <p:cNvPr id="15" name="TextBox 14"/>
           <p:cNvSpPr txBox="1"/>
           <p:nvPr/>
         </p:nvSpPr>
         <p:spPr>
           <a:xfrm>
-            <a:off x="6866312" y="5530375"/>
-            <a:ext cx="2755883" cy="276999"/>
+            <a:off x="6487313" y="3499800"/>
+            <a:ext cx="2117887" cy="369332"/>
           </a:xfrm>
           <a:prstGeom prst="rect">
             <a:avLst/>
@@ -4451,17 +4422,51 @@
           <a:lstStyle/>
           <a:p>
             <a:r>
-              <a:rPr lang="ko-KR" altLang="en-US" sz="1200" dirty="0" smtClean="0"/>
-              <a:t>응용 프로그램의 업데이트 위치를 설정</a:t>
-            </a:r>
-            <a:endParaRPr lang="ko-KR" altLang="en-US" sz="1200" dirty="0"/>
+              <a:rPr lang="ko-KR" altLang="en-US" dirty="0" smtClean="0"/>
+              <a:t>게시자 이름을 지정</a:t>
+            </a:r>
+            <a:endParaRPr lang="ko-KR" altLang="en-US" dirty="0"/>
+          </a:p>
+        </p:txBody>
+      </p:sp>
+      <p:sp>
+        <p:nvSpPr>
+          <p:cNvPr id="16" name="TextBox 15"/>
+          <p:cNvSpPr txBox="1"/>
+          <p:nvPr/>
+        </p:nvSpPr>
+        <p:spPr>
+          <a:xfrm>
+            <a:off x="838200" y="2102065"/>
+            <a:ext cx="1636987" cy="369332"/>
+          </a:xfrm>
+          <a:prstGeom prst="rect">
+            <a:avLst/>
+          </a:prstGeom>
+          <a:noFill/>
+        </p:spPr>
+        <p:txBody>
+          <a:bodyPr wrap="none" rtlCol="0">
+            <a:spAutoFit/>
+          </a:bodyPr>
+          <a:lstStyle/>
+          <a:p>
+            <a:pPr marL="285750" indent="-285750">
+              <a:buFont typeface="Arial" panose="020B0604020202020204" pitchFamily="34" charset="0"/>
+              <a:buChar char="•"/>
+            </a:pPr>
+            <a:r>
+              <a:rPr lang="en-US" altLang="ko-KR" dirty="0" err="1" smtClean="0"/>
+              <a:t>Discription</a:t>
+            </a:r>
+            <a:endParaRPr lang="ko-KR" altLang="en-US" dirty="0"/>
           </a:p>
         </p:txBody>
       </p:sp>
     </p:spTree>
     <p:extLst>
       <p:ext uri="{BB962C8B-B14F-4D97-AF65-F5344CB8AC3E}">
-        <p14:creationId xmlns:p14="http://schemas.microsoft.com/office/powerpoint/2010/main" val="2721509082"/>
+        <p14:creationId xmlns:p14="http://schemas.microsoft.com/office/powerpoint/2010/main" val="1559354052"/>
       </p:ext>
     </p:extLst>
   </p:cSld>
@@ -4495,6 +4500,36 @@
           <a:chExt cx="0" cy="0"/>
         </a:xfrm>
       </p:grpSpPr>
+      <p:pic>
+        <p:nvPicPr>
+          <p:cNvPr id="2" name="그림 1"/>
+          <p:cNvPicPr>
+            <a:picLocks noChangeAspect="1"/>
+          </p:cNvPicPr>
+          <p:nvPr/>
+        </p:nvPicPr>
+        <p:blipFill>
+          <a:blip r:embed="rId2">
+            <a:extLst>
+              <a:ext uri="{28A0092B-C50C-407E-A947-70E740481C1C}">
+                <a14:useLocalDpi xmlns:a14="http://schemas.microsoft.com/office/drawing/2010/main" val="0"/>
+              </a:ext>
+            </a:extLst>
+          </a:blip>
+          <a:stretch>
+            <a:fillRect/>
+          </a:stretch>
+        </p:blipFill>
+        <p:spPr>
+          <a:xfrm>
+            <a:off x="851530" y="2534823"/>
+            <a:ext cx="5782884" cy="3820664"/>
+          </a:xfrm>
+          <a:prstGeom prst="rect">
+            <a:avLst/>
+          </a:prstGeom>
+        </p:spPr>
+      </p:pic>
       <p:sp>
         <p:nvSpPr>
           <p:cNvPr id="7" name="제목 1"/>
@@ -4552,190 +4587,6 @@
           </a:p>
         </p:txBody>
       </p:sp>
-      <p:pic>
-        <p:nvPicPr>
-          <p:cNvPr id="3" name="그림 2"/>
-          <p:cNvPicPr>
-            <a:picLocks noChangeAspect="1"/>
-          </p:cNvPicPr>
-          <p:nvPr/>
-        </p:nvPicPr>
-        <p:blipFill>
-          <a:blip r:embed="rId2">
-            <a:extLst>
-              <a:ext uri="{28A0092B-C50C-407E-A947-70E740481C1C}">
-                <a14:useLocalDpi xmlns:a14="http://schemas.microsoft.com/office/drawing/2010/main" val="0"/>
-              </a:ext>
-            </a:extLst>
-          </a:blip>
-          <a:stretch>
-            <a:fillRect/>
-          </a:stretch>
-        </p:blipFill>
-        <p:spPr>
-          <a:xfrm>
-            <a:off x="838200" y="2607361"/>
-            <a:ext cx="5649113" cy="3343742"/>
-          </a:xfrm>
-          <a:prstGeom prst="rect">
-            <a:avLst/>
-          </a:prstGeom>
-        </p:spPr>
-      </p:pic>
-      <p:sp>
-        <p:nvSpPr>
-          <p:cNvPr id="6" name="TextBox 5"/>
-          <p:cNvSpPr txBox="1"/>
-          <p:nvPr/>
-        </p:nvSpPr>
-        <p:spPr>
-          <a:xfrm>
-            <a:off x="6487313" y="5021178"/>
-            <a:ext cx="4326826" cy="369332"/>
-          </a:xfrm>
-          <a:prstGeom prst="rect">
-            <a:avLst/>
-          </a:prstGeom>
-          <a:noFill/>
-        </p:spPr>
-        <p:txBody>
-          <a:bodyPr wrap="none" rtlCol="0">
-            <a:spAutoFit/>
-          </a:bodyPr>
-          <a:lstStyle/>
-          <a:p>
-            <a:r>
-              <a:rPr lang="ko-KR" altLang="en-US" dirty="0" smtClean="0"/>
-              <a:t>설치 중 에러 발생 할 시 웹 사이트를 지정</a:t>
-            </a:r>
-            <a:endParaRPr lang="ko-KR" altLang="en-US" dirty="0"/>
-          </a:p>
-        </p:txBody>
-      </p:sp>
-      <p:sp>
-        <p:nvSpPr>
-          <p:cNvPr id="12" name="TextBox 11"/>
-          <p:cNvSpPr txBox="1"/>
-          <p:nvPr/>
-        </p:nvSpPr>
-        <p:spPr>
-          <a:xfrm>
-            <a:off x="6487313" y="4651846"/>
-            <a:ext cx="4568879" cy="369332"/>
-          </a:xfrm>
-          <a:prstGeom prst="rect">
-            <a:avLst/>
-          </a:prstGeom>
-          <a:noFill/>
-        </p:spPr>
-        <p:txBody>
-          <a:bodyPr wrap="none" rtlCol="0">
-            <a:spAutoFit/>
-          </a:bodyPr>
-          <a:lstStyle/>
-          <a:p>
-            <a:r>
-              <a:rPr lang="ko-KR" altLang="en-US" dirty="0" smtClean="0"/>
-              <a:t>프로그램의 지원 정보가 </a:t>
-            </a:r>
-            <a:r>
-              <a:rPr lang="ko-KR" altLang="en-US" smtClean="0"/>
-              <a:t>있는 웹사이트 지정</a:t>
-            </a:r>
-            <a:endParaRPr lang="ko-KR" altLang="en-US" dirty="0"/>
-          </a:p>
-        </p:txBody>
-      </p:sp>
-      <p:sp>
-        <p:nvSpPr>
-          <p:cNvPr id="13" name="TextBox 12"/>
-          <p:cNvSpPr txBox="1"/>
-          <p:nvPr/>
-        </p:nvSpPr>
-        <p:spPr>
-          <a:xfrm>
-            <a:off x="6487313" y="4260489"/>
-            <a:ext cx="2342308" cy="369332"/>
-          </a:xfrm>
-          <a:prstGeom prst="rect">
-            <a:avLst/>
-          </a:prstGeom>
-          <a:noFill/>
-        </p:spPr>
-        <p:txBody>
-          <a:bodyPr wrap="none" rtlCol="0">
-            <a:spAutoFit/>
-          </a:bodyPr>
-          <a:lstStyle/>
-          <a:p>
-            <a:r>
-              <a:rPr lang="ko-KR" altLang="en-US" dirty="0" smtClean="0"/>
-              <a:t>프로그램 이름을 지정</a:t>
-            </a:r>
-            <a:endParaRPr lang="ko-KR" altLang="en-US" dirty="0"/>
-          </a:p>
-        </p:txBody>
-      </p:sp>
-      <p:sp>
-        <p:nvSpPr>
-          <p:cNvPr id="14" name="TextBox 13"/>
-          <p:cNvSpPr txBox="1"/>
-          <p:nvPr/>
-        </p:nvSpPr>
-        <p:spPr>
-          <a:xfrm>
-            <a:off x="6487313" y="3891157"/>
-            <a:ext cx="5086649" cy="369332"/>
-          </a:xfrm>
-          <a:prstGeom prst="rect">
-            <a:avLst/>
-          </a:prstGeom>
-          <a:noFill/>
-        </p:spPr>
-        <p:txBody>
-          <a:bodyPr wrap="none" rtlCol="0">
-            <a:spAutoFit/>
-          </a:bodyPr>
-          <a:lstStyle/>
-          <a:p>
-            <a:r>
-              <a:rPr lang="ko-KR" altLang="en-US" dirty="0" smtClean="0"/>
-              <a:t>시작 메뉴에서 프로그램 설치할 폴더 이름을 지정</a:t>
-            </a:r>
-            <a:endParaRPr lang="ko-KR" altLang="en-US" dirty="0"/>
-          </a:p>
-        </p:txBody>
-      </p:sp>
-      <p:sp>
-        <p:nvSpPr>
-          <p:cNvPr id="15" name="TextBox 14"/>
-          <p:cNvSpPr txBox="1"/>
-          <p:nvPr/>
-        </p:nvSpPr>
-        <p:spPr>
-          <a:xfrm>
-            <a:off x="6487313" y="3499800"/>
-            <a:ext cx="2117887" cy="369332"/>
-          </a:xfrm>
-          <a:prstGeom prst="rect">
-            <a:avLst/>
-          </a:prstGeom>
-          <a:noFill/>
-        </p:spPr>
-        <p:txBody>
-          <a:bodyPr wrap="none" rtlCol="0">
-            <a:spAutoFit/>
-          </a:bodyPr>
-          <a:lstStyle/>
-          <a:p>
-            <a:r>
-              <a:rPr lang="ko-KR" altLang="en-US" dirty="0" smtClean="0"/>
-              <a:t>게시자 이름을 지정</a:t>
-            </a:r>
-            <a:endParaRPr lang="ko-KR" altLang="en-US" dirty="0"/>
-          </a:p>
-        </p:txBody>
-      </p:sp>
       <p:sp>
         <p:nvSpPr>
           <p:cNvPr id="16" name="TextBox 15"/>
@@ -4745,7 +4596,7 @@
         <p:spPr>
           <a:xfrm>
             <a:off x="838200" y="2102065"/>
-            <a:ext cx="1636987" cy="369332"/>
+            <a:ext cx="1755609" cy="369332"/>
           </a:xfrm>
           <a:prstGeom prst="rect">
             <a:avLst/>
@@ -4763,17 +4614,127 @@
               <a:buChar char="•"/>
             </a:pPr>
             <a:r>
-              <a:rPr lang="en-US" altLang="ko-KR" dirty="0" err="1" smtClean="0"/>
-              <a:t>Discription</a:t>
+              <a:rPr lang="en-US" altLang="ko-KR" dirty="0" smtClean="0"/>
+              <a:t>Deployment</a:t>
             </a:r>
             <a:endParaRPr lang="ko-KR" altLang="en-US" dirty="0"/>
+          </a:p>
+        </p:txBody>
+      </p:sp>
+      <p:sp>
+        <p:nvSpPr>
+          <p:cNvPr id="4" name="TextBox 3"/>
+          <p:cNvSpPr txBox="1"/>
+          <p:nvPr/>
+        </p:nvSpPr>
+        <p:spPr>
+          <a:xfrm>
+            <a:off x="3881737" y="3906982"/>
+            <a:ext cx="2752677" cy="276999"/>
+          </a:xfrm>
+          <a:prstGeom prst="rect">
+            <a:avLst/>
+          </a:prstGeom>
+          <a:noFill/>
+        </p:spPr>
+        <p:txBody>
+          <a:bodyPr wrap="none" rtlCol="0">
+            <a:spAutoFit/>
+          </a:bodyPr>
+          <a:lstStyle/>
+          <a:p>
+            <a:r>
+              <a:rPr lang="ko-KR" altLang="en-US" sz="1200" dirty="0" smtClean="0"/>
+              <a:t>배포 파일의 </a:t>
+            </a:r>
+            <a:r>
+              <a:rPr lang="ko-KR" altLang="en-US" sz="1200" dirty="0" err="1" smtClean="0"/>
+              <a:t>확장자를</a:t>
+            </a:r>
+            <a:r>
+              <a:rPr lang="ko-KR" altLang="en-US" sz="1200" dirty="0" smtClean="0"/>
+              <a:t> </a:t>
+            </a:r>
+            <a:r>
+              <a:rPr lang="en-US" altLang="ko-KR" sz="1200" dirty="0" smtClean="0"/>
+              <a:t>‘.deploy’</a:t>
+            </a:r>
+            <a:r>
+              <a:rPr lang="ko-KR" altLang="en-US" sz="1200" dirty="0" smtClean="0"/>
+              <a:t>로 바꿈</a:t>
+            </a:r>
+            <a:endParaRPr lang="ko-KR" altLang="en-US" sz="1200" dirty="0"/>
+          </a:p>
+        </p:txBody>
+      </p:sp>
+      <p:sp>
+        <p:nvSpPr>
+          <p:cNvPr id="5" name="TextBox 4"/>
+          <p:cNvSpPr txBox="1"/>
+          <p:nvPr/>
+        </p:nvSpPr>
+        <p:spPr>
+          <a:xfrm>
+            <a:off x="4039986" y="4445155"/>
+            <a:ext cx="5662127" cy="276999"/>
+          </a:xfrm>
+          <a:prstGeom prst="rect">
+            <a:avLst/>
+          </a:prstGeom>
+          <a:noFill/>
+        </p:spPr>
+        <p:txBody>
+          <a:bodyPr wrap="none" rtlCol="0">
+            <a:spAutoFit/>
+          </a:bodyPr>
+          <a:lstStyle/>
+          <a:p>
+            <a:r>
+              <a:rPr lang="ko-KR" altLang="en-US" sz="1200" dirty="0" smtClean="0"/>
+              <a:t>게시 프로세스에서 각 파일을 다운로드하여 각 파일 이 다운로드 될 수 있는지 확인</a:t>
+            </a:r>
+            <a:endParaRPr lang="ko-KR" altLang="en-US" sz="1200" dirty="0"/>
+          </a:p>
+        </p:txBody>
+      </p:sp>
+      <p:sp>
+        <p:nvSpPr>
+          <p:cNvPr id="17" name="TextBox 16"/>
+          <p:cNvSpPr txBox="1"/>
+          <p:nvPr/>
+        </p:nvSpPr>
+        <p:spPr>
+          <a:xfrm>
+            <a:off x="4962699" y="4175411"/>
+            <a:ext cx="1819729" cy="276999"/>
+          </a:xfrm>
+          <a:prstGeom prst="rect">
+            <a:avLst/>
+          </a:prstGeom>
+          <a:noFill/>
+        </p:spPr>
+        <p:txBody>
+          <a:bodyPr wrap="none" rtlCol="0">
+            <a:spAutoFit/>
+          </a:bodyPr>
+          <a:lstStyle/>
+          <a:p>
+            <a:r>
+              <a:rPr lang="en-US" altLang="ko-KR" sz="1200" dirty="0" smtClean="0"/>
+              <a:t>autorun.inf </a:t>
+            </a:r>
+            <a:r>
+              <a:rPr lang="ko-KR" altLang="en-US" sz="1200" dirty="0" smtClean="0"/>
+              <a:t>파일을 생성</a:t>
+            </a:r>
+            <a:endParaRPr lang="ko-KR" altLang="en-US" sz="1200" dirty="0"/>
           </a:p>
         </p:txBody>
       </p:sp>
     </p:spTree>
     <p:extLst>
       <p:ext uri="{BB962C8B-B14F-4D97-AF65-F5344CB8AC3E}">
-        <p14:creationId xmlns:p14="http://schemas.microsoft.com/office/powerpoint/2010/main" val="1559354052"/>
+        <p14:creationId xmlns:p14="http://schemas.microsoft.com/office/powerpoint/2010/main" val="282276587"/>
       </p:ext>
     </p:extLst>
   </p:cSld>
@@ -4807,36 +4768,6 @@
           <a:chExt cx="0" cy="0"/>
         </a:xfrm>
       </p:grpSpPr>
-      <p:pic>
-        <p:nvPicPr>
-          <p:cNvPr id="2" name="그림 1"/>
-          <p:cNvPicPr>
-            <a:picLocks noChangeAspect="1"/>
-          </p:cNvPicPr>
-          <p:nvPr/>
-        </p:nvPicPr>
-        <p:blipFill>
-          <a:blip r:embed="rId2">
-            <a:extLst>
-              <a:ext uri="{28A0092B-C50C-407E-A947-70E740481C1C}">
-                <a14:useLocalDpi xmlns:a14="http://schemas.microsoft.com/office/drawing/2010/main" val="0"/>
-              </a:ext>
-            </a:extLst>
-          </a:blip>
-          <a:stretch>
-            <a:fillRect/>
-          </a:stretch>
-        </p:blipFill>
-        <p:spPr>
-          <a:xfrm>
-            <a:off x="851530" y="2534823"/>
-            <a:ext cx="5782884" cy="3820664"/>
-          </a:xfrm>
-          <a:prstGeom prst="rect">
-            <a:avLst/>
-          </a:prstGeom>
-        </p:spPr>
-      </p:pic>
       <p:sp>
         <p:nvSpPr>
           <p:cNvPr id="7" name="제목 1"/>
@@ -4903,7 +4834,7 @@
         <p:spPr>
           <a:xfrm>
             <a:off x="838200" y="2102065"/>
-            <a:ext cx="1755609" cy="369332"/>
+            <a:ext cx="1401346" cy="369332"/>
           </a:xfrm>
           <a:prstGeom prst="rect">
             <a:avLst/>
@@ -4922,126 +4853,40 @@
             </a:pPr>
             <a:r>
               <a:rPr lang="en-US" altLang="ko-KR" dirty="0" smtClean="0"/>
-              <a:t>Deployment</a:t>
+              <a:t>Manifest</a:t>
             </a:r>
             <a:endParaRPr lang="ko-KR" altLang="en-US" dirty="0"/>
           </a:p>
         </p:txBody>
       </p:sp>
-      <p:sp>
-        <p:nvSpPr>
-          <p:cNvPr id="4" name="TextBox 3"/>
-          <p:cNvSpPr txBox="1"/>
-          <p:nvPr/>
-        </p:nvSpPr>
-        <p:spPr>
-          <a:xfrm>
-            <a:off x="3881737" y="3906982"/>
-            <a:ext cx="2752677" cy="276999"/>
-          </a:xfrm>
-          <a:prstGeom prst="rect">
-            <a:avLst/>
-          </a:prstGeom>
-          <a:noFill/>
-        </p:spPr>
-        <p:txBody>
-          <a:bodyPr wrap="none" rtlCol="0">
-            <a:spAutoFit/>
-          </a:bodyPr>
-          <a:lstStyle/>
-          <a:p>
-            <a:r>
-              <a:rPr lang="ko-KR" altLang="en-US" sz="1200" dirty="0" smtClean="0"/>
-              <a:t>배포 파일의 </a:t>
-            </a:r>
-            <a:r>
-              <a:rPr lang="ko-KR" altLang="en-US" sz="1200" dirty="0" err="1" smtClean="0"/>
-              <a:t>확장자를</a:t>
-            </a:r>
-            <a:r>
-              <a:rPr lang="ko-KR" altLang="en-US" sz="1200" dirty="0" smtClean="0"/>
-              <a:t> </a:t>
-            </a:r>
-            <a:r>
-              <a:rPr lang="en-US" altLang="ko-KR" sz="1200" dirty="0" smtClean="0"/>
-              <a:t>‘.deploy’</a:t>
-            </a:r>
-            <a:r>
-              <a:rPr lang="ko-KR" altLang="en-US" sz="1200" dirty="0" smtClean="0"/>
-              <a:t>로 바꿈</a:t>
-            </a:r>
-            <a:endParaRPr lang="ko-KR" altLang="en-US" sz="1200" dirty="0"/>
-          </a:p>
-        </p:txBody>
-      </p:sp>
-      <p:sp>
-        <p:nvSpPr>
-          <p:cNvPr id="5" name="TextBox 4"/>
-          <p:cNvSpPr txBox="1"/>
-          <p:nvPr/>
-        </p:nvSpPr>
-        <p:spPr>
-          <a:xfrm>
-            <a:off x="4039986" y="4445155"/>
-            <a:ext cx="5662127" cy="276999"/>
-          </a:xfrm>
-          <a:prstGeom prst="rect">
-            <a:avLst/>
-          </a:prstGeom>
-          <a:noFill/>
-        </p:spPr>
-        <p:txBody>
-          <a:bodyPr wrap="none" rtlCol="0">
-            <a:spAutoFit/>
-          </a:bodyPr>
-          <a:lstStyle/>
-          <a:p>
-            <a:r>
-              <a:rPr lang="ko-KR" altLang="en-US" sz="1200" dirty="0" smtClean="0"/>
-              <a:t>게시 프로세스에서 각 파일을 다운로드하여 각 파일 이 다운로드 될 수 있는지 확인</a:t>
-            </a:r>
-            <a:endParaRPr lang="ko-KR" altLang="en-US" sz="1200" dirty="0"/>
-          </a:p>
-        </p:txBody>
-      </p:sp>
-      <p:sp>
-        <p:nvSpPr>
-          <p:cNvPr id="17" name="TextBox 16"/>
-          <p:cNvSpPr txBox="1"/>
-          <p:nvPr/>
-        </p:nvSpPr>
-        <p:spPr>
-          <a:xfrm>
-            <a:off x="4962699" y="4175411"/>
-            <a:ext cx="1819729" cy="276999"/>
-          </a:xfrm>
-          <a:prstGeom prst="rect">
-            <a:avLst/>
-          </a:prstGeom>
-          <a:noFill/>
-        </p:spPr>
-        <p:txBody>
-          <a:bodyPr wrap="none" rtlCol="0">
-            <a:spAutoFit/>
-          </a:bodyPr>
-          <a:lstStyle/>
-          <a:p>
-            <a:r>
-              <a:rPr lang="en-US" altLang="ko-KR" sz="1200" dirty="0" smtClean="0"/>
-              <a:t>autorun.inf </a:t>
-            </a:r>
-            <a:r>
-              <a:rPr lang="ko-KR" altLang="en-US" sz="1200" dirty="0" smtClean="0"/>
-              <a:t>파일을 생성</a:t>
-            </a:r>
-            <a:endParaRPr lang="ko-KR" altLang="en-US" sz="1200" dirty="0"/>
-          </a:p>
-        </p:txBody>
-      </p:sp>
+      <p:pic>
+        <p:nvPicPr>
+          <p:cNvPr id="3" name="그림 2"/>
+          <p:cNvPicPr>
+            <a:picLocks noChangeAspect="1"/>
+          </p:cNvPicPr>
+          <p:nvPr/>
+        </p:nvPicPr>
+        <p:blipFill>
+          <a:blip r:embed="rId2"/>
+          <a:stretch>
+            <a:fillRect/>
+          </a:stretch>
+        </p:blipFill>
+        <p:spPr>
+          <a:xfrm>
+            <a:off x="838200" y="2607079"/>
+            <a:ext cx="5857875" cy="3771900"/>
+          </a:xfrm>
+          <a:prstGeom prst="rect">
+            <a:avLst/>
+          </a:prstGeom>
+        </p:spPr>
+      </p:pic>
     </p:spTree>
     <p:extLst>
       <p:ext uri="{BB962C8B-B14F-4D97-AF65-F5344CB8AC3E}">
-        <p14:creationId xmlns:p14="http://schemas.microsoft.com/office/powerpoint/2010/main" val="282276587"/>
+        <p14:creationId xmlns:p14="http://schemas.microsoft.com/office/powerpoint/2010/main" val="3928050900"/>
       </p:ext>
     </p:extLst>
   </p:cSld>
@@ -5141,7 +4986,7 @@
         <p:spPr>
           <a:xfrm>
             <a:off x="838200" y="2102065"/>
-            <a:ext cx="1401346" cy="369332"/>
+            <a:ext cx="2303836" cy="369332"/>
           </a:xfrm>
           <a:prstGeom prst="rect">
             <a:avLst/>
@@ -5160,7 +5005,7 @@
             </a:pPr>
             <a:r>
               <a:rPr lang="en-US" altLang="ko-KR" dirty="0" smtClean="0"/>
-              <a:t>Manifest</a:t>
+              <a:t>Associations File</a:t>
             </a:r>
             <a:endParaRPr lang="ko-KR" altLang="en-US" dirty="0"/>
           </a:p>
@@ -5168,7 +5013,7 @@
       </p:sp>
       <p:pic>
         <p:nvPicPr>
-          <p:cNvPr id="3" name="그림 2"/>
+          <p:cNvPr id="5" name="그림 4"/>
           <p:cNvPicPr>
             <a:picLocks noChangeAspect="1"/>
           </p:cNvPicPr>
@@ -5182,18 +5027,153 @@
         </p:blipFill>
         <p:spPr>
           <a:xfrm>
-            <a:off x="838200" y="2607079"/>
-            <a:ext cx="5857875" cy="3771900"/>
+            <a:off x="838200" y="2658728"/>
+            <a:ext cx="5857875" cy="3914775"/>
           </a:xfrm>
           <a:prstGeom prst="rect">
             <a:avLst/>
           </a:prstGeom>
         </p:spPr>
       </p:pic>
+      <p:sp>
+        <p:nvSpPr>
+          <p:cNvPr id="6" name="TextBox 5"/>
+          <p:cNvSpPr txBox="1"/>
+          <p:nvPr/>
+        </p:nvSpPr>
+        <p:spPr>
+          <a:xfrm>
+            <a:off x="7154781" y="2658728"/>
+            <a:ext cx="4576894" cy="3139321"/>
+          </a:xfrm>
+          <a:prstGeom prst="rect">
+            <a:avLst/>
+          </a:prstGeom>
+          <a:noFill/>
+        </p:spPr>
+        <p:txBody>
+          <a:bodyPr wrap="none" rtlCol="0">
+            <a:spAutoFit/>
+          </a:bodyPr>
+          <a:lstStyle/>
+          <a:p>
+            <a:pPr marL="285750" indent="-285750">
+              <a:buFont typeface="Arial" panose="020B0604020202020204" pitchFamily="34" charset="0"/>
+              <a:buChar char="•"/>
+            </a:pPr>
+            <a:r>
+              <a:rPr lang="ko-KR" altLang="en-US" dirty="0" smtClean="0"/>
+              <a:t>확장명</a:t>
+            </a:r>
+            <a:endParaRPr lang="en-US" altLang="ko-KR" dirty="0"/>
+          </a:p>
+          <a:p>
+            <a:pPr marL="742950" lvl="1" indent="-285750">
+              <a:buFont typeface="Arial" panose="020B0604020202020204" pitchFamily="34" charset="0"/>
+              <a:buChar char="•"/>
+            </a:pPr>
+            <a:r>
+              <a:rPr lang="ko-KR" altLang="en-US" dirty="0" smtClean="0"/>
+              <a:t>응용 프로그램과 연결할 파일 </a:t>
+            </a:r>
+            <a:r>
+              <a:rPr lang="ko-KR" altLang="en-US" dirty="0" err="1" smtClean="0"/>
+              <a:t>확장자</a:t>
+            </a:r>
+            <a:endParaRPr lang="en-US" altLang="ko-KR" dirty="0" smtClean="0"/>
+          </a:p>
+          <a:p>
+            <a:pPr marL="742950" lvl="1" indent="-285750">
+              <a:buFont typeface="Arial" panose="020B0604020202020204" pitchFamily="34" charset="0"/>
+              <a:buChar char="•"/>
+            </a:pPr>
+            <a:endParaRPr lang="en-US" altLang="ko-KR" dirty="0" smtClean="0"/>
+          </a:p>
+          <a:p>
+            <a:pPr marL="285750" indent="-285750">
+              <a:buFont typeface="Arial" panose="020B0604020202020204" pitchFamily="34" charset="0"/>
+              <a:buChar char="•"/>
+            </a:pPr>
+            <a:r>
+              <a:rPr lang="ko-KR" altLang="en-US" dirty="0" smtClean="0"/>
+              <a:t>설명</a:t>
+            </a:r>
+            <a:endParaRPr lang="en-US" altLang="ko-KR" dirty="0" smtClean="0"/>
+          </a:p>
+          <a:p>
+            <a:pPr marL="742950" lvl="1" indent="-285750">
+              <a:buFont typeface="Arial" panose="020B0604020202020204" pitchFamily="34" charset="0"/>
+              <a:buChar char="•"/>
+            </a:pPr>
+            <a:r>
+              <a:rPr lang="ko-KR" altLang="en-US" dirty="0" smtClean="0"/>
+              <a:t>파일 형식에 대한 설명</a:t>
+            </a:r>
+            <a:endParaRPr lang="en-US" altLang="ko-KR" dirty="0" smtClean="0"/>
+          </a:p>
+          <a:p>
+            <a:pPr marL="742950" lvl="1" indent="-285750">
+              <a:buFont typeface="Arial" panose="020B0604020202020204" pitchFamily="34" charset="0"/>
+              <a:buChar char="•"/>
+            </a:pPr>
+            <a:endParaRPr lang="en-US" altLang="ko-KR" dirty="0" smtClean="0"/>
+          </a:p>
+          <a:p>
+            <a:pPr marL="285750" indent="-285750">
+              <a:buFont typeface="Arial" panose="020B0604020202020204" pitchFamily="34" charset="0"/>
+              <a:buChar char="•"/>
+            </a:pPr>
+            <a:r>
+              <a:rPr lang="en-US" altLang="ko-KR" dirty="0" smtClean="0"/>
+              <a:t>ProgID</a:t>
+            </a:r>
+          </a:p>
+          <a:p>
+            <a:pPr marL="742950" lvl="1" indent="-285750">
+              <a:buFont typeface="Arial" panose="020B0604020202020204" pitchFamily="34" charset="0"/>
+              <a:buChar char="•"/>
+            </a:pPr>
+            <a:r>
+              <a:rPr lang="ko-KR" altLang="en-US" dirty="0" smtClean="0"/>
+              <a:t>파일 형식을 고유하게 식별하는 이름</a:t>
+            </a:r>
+            <a:endParaRPr lang="en-US" altLang="ko-KR" dirty="0" smtClean="0"/>
+          </a:p>
+          <a:p>
+            <a:pPr marL="742950" lvl="1" indent="-285750">
+              <a:buFont typeface="Arial" panose="020B0604020202020204" pitchFamily="34" charset="0"/>
+              <a:buChar char="•"/>
+            </a:pPr>
+            <a:endParaRPr lang="en-US" altLang="ko-KR" dirty="0" smtClean="0"/>
+          </a:p>
+          <a:p>
+            <a:pPr marL="285750" indent="-285750">
+              <a:buFont typeface="Arial" panose="020B0604020202020204" pitchFamily="34" charset="0"/>
+              <a:buChar char="•"/>
+            </a:pPr>
+            <a:r>
+              <a:rPr lang="ko-KR" altLang="en-US" dirty="0" smtClean="0"/>
+              <a:t>아이콘</a:t>
+            </a:r>
+            <a:endParaRPr lang="en-US" altLang="ko-KR" dirty="0" smtClean="0"/>
+          </a:p>
+          <a:p>
+            <a:pPr marL="742950" lvl="1" indent="-285750">
+              <a:buFont typeface="Arial" panose="020B0604020202020204" pitchFamily="34" charset="0"/>
+              <a:buChar char="•"/>
+            </a:pPr>
+            <a:r>
+              <a:rPr lang="ko-KR" altLang="en-US" dirty="0" smtClean="0"/>
+              <a:t>확장명을 가진 파일에 사용할 아이콘</a:t>
+            </a:r>
+            <a:endParaRPr lang="ko-KR" altLang="en-US" dirty="0"/>
+          </a:p>
+        </p:txBody>
+      </p:sp>
     </p:spTree>
     <p:extLst>
       <p:ext uri="{BB962C8B-B14F-4D97-AF65-F5344CB8AC3E}">
-        <p14:creationId xmlns:p14="http://schemas.microsoft.com/office/powerpoint/2010/main" val="3928050900"/>
+        <p14:creationId xmlns:p14="http://schemas.microsoft.com/office/powerpoint/2010/main" val="1752367818"/>
       </p:ext>
     </p:extLst>
   </p:cSld>
@@ -5274,7 +5254,15 @@
                 <a:ea typeface="함초롬돋움" panose="020B0604000101010101" pitchFamily="50" charset="-127"/>
                 <a:cs typeface="함초롬돋움" panose="020B0604000101010101" pitchFamily="50" charset="-127"/>
               </a:rPr>
-              <a:t>Option</a:t>
+              <a:t>Azure</a:t>
+            </a:r>
+            <a:r>
+              <a:rPr lang="ko-KR" altLang="en-US" dirty="0" smtClean="0">
+                <a:latin typeface="함초롬돋움" panose="020B0604000101010101" pitchFamily="50" charset="-127"/>
+                <a:ea typeface="함초롬돋움" panose="020B0604000101010101" pitchFamily="50" charset="-127"/>
+                <a:cs typeface="함초롬돋움" panose="020B0604000101010101" pitchFamily="50" charset="-127"/>
+              </a:rPr>
+              <a:t>를 사용하여 게시하기</a:t>
             </a:r>
             <a:endParaRPr lang="ko-KR" altLang="en-US" dirty="0">
               <a:latin typeface="함초롬돋움" panose="020B0604000101010101" pitchFamily="50" charset="-127"/>
@@ -5284,43 +5272,9 @@
           </a:p>
         </p:txBody>
       </p:sp>
-      <p:sp>
-        <p:nvSpPr>
-          <p:cNvPr id="16" name="TextBox 15"/>
-          <p:cNvSpPr txBox="1"/>
-          <p:nvPr/>
-        </p:nvSpPr>
-        <p:spPr>
-          <a:xfrm>
-            <a:off x="838200" y="2102065"/>
-            <a:ext cx="2303836" cy="369332"/>
-          </a:xfrm>
-          <a:prstGeom prst="rect">
-            <a:avLst/>
-          </a:prstGeom>
-          <a:noFill/>
-        </p:spPr>
-        <p:txBody>
-          <a:bodyPr wrap="none" rtlCol="0">
-            <a:spAutoFit/>
-          </a:bodyPr>
-          <a:lstStyle/>
-          <a:p>
-            <a:pPr marL="285750" indent="-285750">
-              <a:buFont typeface="Arial" panose="020B0604020202020204" pitchFamily="34" charset="0"/>
-              <a:buChar char="•"/>
-            </a:pPr>
-            <a:r>
-              <a:rPr lang="en-US" altLang="ko-KR" dirty="0" smtClean="0"/>
-              <a:t>Associations File</a:t>
-            </a:r>
-            <a:endParaRPr lang="ko-KR" altLang="en-US" dirty="0"/>
-          </a:p>
-        </p:txBody>
-      </p:sp>
       <p:pic>
         <p:nvPicPr>
-          <p:cNvPr id="5" name="그림 4"/>
+          <p:cNvPr id="3" name="그림 2"/>
           <p:cNvPicPr>
             <a:picLocks noChangeAspect="1"/>
           </p:cNvPicPr>
@@ -5334,8 +5288,8 @@
         </p:blipFill>
         <p:spPr>
           <a:xfrm>
-            <a:off x="838200" y="2658728"/>
-            <a:ext cx="5857875" cy="3914775"/>
+            <a:off x="2895600" y="2414587"/>
+            <a:ext cx="6400800" cy="3324225"/>
           </a:xfrm>
           <a:prstGeom prst="rect">
             <a:avLst/>
@@ -5344,14 +5298,142 @@
       </p:pic>
       <p:sp>
         <p:nvSpPr>
-          <p:cNvPr id="6" name="TextBox 5"/>
+          <p:cNvPr id="4" name="직사각형 3"/>
+          <p:cNvSpPr/>
+          <p:nvPr/>
+        </p:nvSpPr>
+        <p:spPr>
+          <a:xfrm>
+            <a:off x="2895600" y="4264429"/>
+            <a:ext cx="2141913" cy="299258"/>
+          </a:xfrm>
+          <a:prstGeom prst="rect">
+            <a:avLst/>
+          </a:prstGeom>
+          <a:noFill/>
+          <a:ln>
+            <a:solidFill>
+              <a:srgbClr val="FF0000"/>
+            </a:solidFill>
+          </a:ln>
+        </p:spPr>
+        <p:style>
+          <a:lnRef idx="2">
+            <a:schemeClr val="accent1">
+              <a:shade val="50000"/>
+            </a:schemeClr>
+          </a:lnRef>
+          <a:fillRef idx="1">
+            <a:schemeClr val="accent1"/>
+          </a:fillRef>
+          <a:effectRef idx="0">
+            <a:schemeClr val="accent1"/>
+          </a:effectRef>
+          <a:fontRef idx="minor">
+            <a:schemeClr val="lt1"/>
+          </a:fontRef>
+        </p:style>
+        <p:txBody>
+          <a:bodyPr rtlCol="0" anchor="ctr"/>
+          <a:lstStyle/>
+          <a:p>
+            <a:pPr algn="ctr"/>
+            <a:endParaRPr lang="ko-KR" altLang="en-US"/>
+          </a:p>
+        </p:txBody>
+      </p:sp>
+      <p:sp>
+        <p:nvSpPr>
+          <p:cNvPr id="9" name="직사각형 8"/>
+          <p:cNvSpPr/>
+          <p:nvPr/>
+        </p:nvSpPr>
+        <p:spPr>
+          <a:xfrm>
+            <a:off x="5228705" y="2793076"/>
+            <a:ext cx="540328" cy="249382"/>
+          </a:xfrm>
+          <a:prstGeom prst="rect">
+            <a:avLst/>
+          </a:prstGeom>
+          <a:noFill/>
+          <a:ln>
+            <a:solidFill>
+              <a:srgbClr val="FF0000"/>
+            </a:solidFill>
+          </a:ln>
+        </p:spPr>
+        <p:style>
+          <a:lnRef idx="2">
+            <a:schemeClr val="accent1">
+              <a:shade val="50000"/>
+            </a:schemeClr>
+          </a:lnRef>
+          <a:fillRef idx="1">
+            <a:schemeClr val="accent1"/>
+          </a:fillRef>
+          <a:effectRef idx="0">
+            <a:schemeClr val="accent1"/>
+          </a:effectRef>
+          <a:fontRef idx="minor">
+            <a:schemeClr val="lt1"/>
+          </a:fontRef>
+        </p:style>
+        <p:txBody>
+          <a:bodyPr rtlCol="0" anchor="ctr"/>
+          <a:lstStyle/>
+          <a:p>
+            <a:pPr algn="ctr"/>
+            <a:endParaRPr lang="ko-KR" altLang="en-US"/>
+          </a:p>
+        </p:txBody>
+      </p:sp>
+      <p:cxnSp>
+        <p:nvCxnSpPr>
+          <p:cNvPr id="11" name="직선 화살표 연결선 10"/>
+          <p:cNvCxnSpPr/>
+          <p:nvPr/>
+        </p:nvCxnSpPr>
+        <p:spPr>
+          <a:xfrm flipV="1">
+            <a:off x="4713316" y="3075709"/>
+            <a:ext cx="498764" cy="1188720"/>
+          </a:xfrm>
+          <a:prstGeom prst="straightConnector1">
+            <a:avLst/>
+          </a:prstGeom>
+          <a:ln>
+            <a:solidFill>
+              <a:srgbClr val="FF0000"/>
+            </a:solidFill>
+            <a:tailEnd type="triangle"/>
+          </a:ln>
+        </p:spPr>
+        <p:style>
+          <a:lnRef idx="1">
+            <a:schemeClr val="accent1"/>
+          </a:lnRef>
+          <a:fillRef idx="0">
+            <a:schemeClr val="accent1"/>
+          </a:fillRef>
+          <a:effectRef idx="0">
+            <a:schemeClr val="accent1"/>
+          </a:effectRef>
+          <a:fontRef idx="minor">
+            <a:schemeClr val="tx1"/>
+          </a:fontRef>
+        </p:style>
+      </p:cxnSp>
+      <p:sp>
+        <p:nvSpPr>
+          <p:cNvPr id="12" name="TextBox 11"/>
           <p:cNvSpPr txBox="1"/>
           <p:nvPr/>
         </p:nvSpPr>
         <p:spPr>
           <a:xfrm>
-            <a:off x="7154781" y="2658728"/>
-            <a:ext cx="4576894" cy="3139321"/>
+            <a:off x="2895600" y="1930663"/>
+            <a:ext cx="3223959" cy="369332"/>
           </a:xfrm>
           <a:prstGeom prst="rect">
             <a:avLst/>
@@ -5369,109 +5451,12 @@
               <a:buChar char="•"/>
             </a:pPr>
             <a:r>
+              <a:rPr lang="en-US" altLang="ko-KR" dirty="0" smtClean="0"/>
+              <a:t>App Service</a:t>
+            </a:r>
+            <a:r>
               <a:rPr lang="ko-KR" altLang="en-US" dirty="0" smtClean="0"/>
-              <a:t>확장명</a:t>
-            </a:r>
-            <a:endParaRPr lang="en-US" altLang="ko-KR" dirty="0"/>
-          </a:p>
-          <a:p>
-            <a:pPr marL="742950" lvl="1" indent="-285750">
-              <a:buFont typeface="Arial" panose="020B0604020202020204" pitchFamily="34" charset="0"/>
-              <a:buChar char="•"/>
-            </a:pPr>
-            <a:r>
-              <a:rPr lang="ko-KR" altLang="en-US" dirty="0" smtClean="0"/>
-              <a:t>응용 프로그램과 연결할 파일 </a:t>
-            </a:r>
-            <a:r>
-              <a:rPr lang="ko-KR" altLang="en-US" dirty="0" err="1" smtClean="0"/>
-              <a:t>확장자</a:t>
-            </a:r>
-            <a:endParaRPr lang="en-US" altLang="ko-KR" dirty="0" smtClean="0"/>
-          </a:p>
-          <a:p>
-            <a:pPr marL="742950" lvl="1" indent="-285750">
-              <a:buFont typeface="Arial" panose="020B0604020202020204" pitchFamily="34" charset="0"/>
-              <a:buChar char="•"/>
-            </a:pPr>
-            <a:endParaRPr lang="en-US" altLang="ko-KR" dirty="0" smtClean="0"/>
-          </a:p>
-          <a:p>
-            <a:pPr marL="285750" indent="-285750">
-              <a:buFont typeface="Arial" panose="020B0604020202020204" pitchFamily="34" charset="0"/>
-              <a:buChar char="•"/>
-            </a:pPr>
-            <a:r>
-              <a:rPr lang="ko-KR" altLang="en-US" dirty="0" smtClean="0"/>
-              <a:t>설명</a:t>
-            </a:r>
-            <a:endParaRPr lang="en-US" altLang="ko-KR" dirty="0" smtClean="0"/>
-          </a:p>
-          <a:p>
-            <a:pPr marL="742950" lvl="1" indent="-285750">
-              <a:buFont typeface="Arial" panose="020B0604020202020204" pitchFamily="34" charset="0"/>
-              <a:buChar char="•"/>
-            </a:pPr>
-            <a:r>
-              <a:rPr lang="ko-KR" altLang="en-US" dirty="0" smtClean="0"/>
-              <a:t>파일 형식에 대한 설명</a:t>
-            </a:r>
-            <a:endParaRPr lang="en-US" altLang="ko-KR" dirty="0" smtClean="0"/>
-          </a:p>
-          <a:p>
-            <a:pPr marL="742950" lvl="1" indent="-285750">
-              <a:buFont typeface="Arial" panose="020B0604020202020204" pitchFamily="34" charset="0"/>
-              <a:buChar char="•"/>
-            </a:pPr>
-            <a:endParaRPr lang="en-US" altLang="ko-KR" dirty="0" smtClean="0"/>
-          </a:p>
-          <a:p>
-            <a:pPr marL="285750" indent="-285750">
-              <a:buFont typeface="Arial" panose="020B0604020202020204" pitchFamily="34" charset="0"/>
-              <a:buChar char="•"/>
-            </a:pPr>
-            <a:r>
-              <a:rPr lang="en-US" altLang="ko-KR" dirty="0" smtClean="0"/>
-              <a:t>ProgID</a:t>
-            </a:r>
-          </a:p>
-          <a:p>
-            <a:pPr marL="742950" lvl="1" indent="-285750">
-              <a:buFont typeface="Arial" panose="020B0604020202020204" pitchFamily="34" charset="0"/>
-              <a:buChar char="•"/>
-            </a:pPr>
-            <a:r>
-              <a:rPr lang="ko-KR" altLang="en-US" dirty="0" smtClean="0"/>
-              <a:t>파일 형식을 고유하게 식별하는 이름</a:t>
-            </a:r>
-            <a:endParaRPr lang="en-US" altLang="ko-KR" dirty="0" smtClean="0"/>
-          </a:p>
-          <a:p>
-            <a:pPr marL="742950" lvl="1" indent="-285750">
-              <a:buFont typeface="Arial" panose="020B0604020202020204" pitchFamily="34" charset="0"/>
-              <a:buChar char="•"/>
-            </a:pPr>
-            <a:endParaRPr lang="en-US" altLang="ko-KR" dirty="0" smtClean="0"/>
-          </a:p>
-          <a:p>
-            <a:pPr marL="285750" indent="-285750">
-              <a:buFont typeface="Arial" panose="020B0604020202020204" pitchFamily="34" charset="0"/>
-              <a:buChar char="•"/>
-            </a:pPr>
-            <a:r>
-              <a:rPr lang="ko-KR" altLang="en-US" dirty="0" smtClean="0"/>
-              <a:t>아이콘</a:t>
-            </a:r>
-            <a:endParaRPr lang="en-US" altLang="ko-KR" dirty="0" smtClean="0"/>
-          </a:p>
-          <a:p>
-            <a:pPr marL="742950" lvl="1" indent="-285750">
-              <a:buFont typeface="Arial" panose="020B0604020202020204" pitchFamily="34" charset="0"/>
-              <a:buChar char="•"/>
-            </a:pPr>
-            <a:r>
-              <a:rPr lang="ko-KR" altLang="en-US" dirty="0" smtClean="0"/>
-              <a:t>확장명을 가진 파일에 사용할 아이콘</a:t>
+              <a:t>에서 추가 선택</a:t>
             </a:r>
             <a:endParaRPr lang="ko-KR" altLang="en-US" dirty="0"/>
           </a:p>
@@ -5480,7 +5465,7 @@
     </p:spTree>
     <p:extLst>
       <p:ext uri="{BB962C8B-B14F-4D97-AF65-F5344CB8AC3E}">
-        <p14:creationId xmlns:p14="http://schemas.microsoft.com/office/powerpoint/2010/main" val="1752367818"/>
+        <p14:creationId xmlns:p14="http://schemas.microsoft.com/office/powerpoint/2010/main" val="1207196194"/>
       </p:ext>
     </p:extLst>
   </p:cSld>
@@ -5579,30 +5564,6 @@
           </a:p>
         </p:txBody>
       </p:sp>
-      <p:pic>
-        <p:nvPicPr>
-          <p:cNvPr id="3" name="그림 2"/>
-          <p:cNvPicPr>
-            <a:picLocks noChangeAspect="1"/>
-          </p:cNvPicPr>
-          <p:nvPr/>
-        </p:nvPicPr>
-        <p:blipFill>
-          <a:blip r:embed="rId2"/>
-          <a:stretch>
-            <a:fillRect/>
-          </a:stretch>
-        </p:blipFill>
-        <p:spPr>
-          <a:xfrm>
-            <a:off x="2895600" y="2414587"/>
-            <a:ext cx="6400800" cy="3324225"/>
-          </a:xfrm>
-          <a:prstGeom prst="rect">
-            <a:avLst/>
-          </a:prstGeom>
-        </p:spPr>
-      </p:pic>
       <p:sp>
         <p:nvSpPr>
           <p:cNvPr id="4" name="직사각형 3"/>
@@ -5769,10 +5730,162 @@
           </a:p>
         </p:txBody>
       </p:sp>
+      <p:pic>
+        <p:nvPicPr>
+          <p:cNvPr id="2" name="그림 1"/>
+          <p:cNvPicPr>
+            <a:picLocks noChangeAspect="1"/>
+          </p:cNvPicPr>
+          <p:nvPr/>
+        </p:nvPicPr>
+        <p:blipFill>
+          <a:blip r:embed="rId2"/>
+          <a:stretch>
+            <a:fillRect/>
+          </a:stretch>
+        </p:blipFill>
+        <p:spPr>
+          <a:xfrm>
+            <a:off x="2766893" y="2339295"/>
+            <a:ext cx="7104944" cy="4149526"/>
+          </a:xfrm>
+          <a:prstGeom prst="rect">
+            <a:avLst/>
+          </a:prstGeom>
+        </p:spPr>
+      </p:pic>
+      <p:sp>
+        <p:nvSpPr>
+          <p:cNvPr id="5" name="직사각형 4"/>
+          <p:cNvSpPr/>
+          <p:nvPr/>
+        </p:nvSpPr>
+        <p:spPr>
+          <a:xfrm>
+            <a:off x="2750267" y="4422371"/>
+            <a:ext cx="732765" cy="1039091"/>
+          </a:xfrm>
+          <a:prstGeom prst="rect">
+            <a:avLst/>
+          </a:prstGeom>
+          <a:noFill/>
+          <a:ln>
+            <a:solidFill>
+              <a:srgbClr val="FF0000"/>
+            </a:solidFill>
+          </a:ln>
+        </p:spPr>
+        <p:style>
+          <a:lnRef idx="2">
+            <a:schemeClr val="accent1">
+              <a:shade val="50000"/>
+            </a:schemeClr>
+          </a:lnRef>
+          <a:fillRef idx="1">
+            <a:schemeClr val="accent1"/>
+          </a:fillRef>
+          <a:effectRef idx="0">
+            <a:schemeClr val="accent1"/>
+          </a:effectRef>
+          <a:fontRef idx="minor">
+            <a:schemeClr val="lt1"/>
+          </a:fontRef>
+        </p:style>
+        <p:txBody>
+          <a:bodyPr rtlCol="0" anchor="ctr"/>
+          <a:lstStyle/>
+          <a:p>
+            <a:pPr algn="ctr"/>
+            <a:endParaRPr lang="ko-KR" altLang="en-US"/>
+          </a:p>
+        </p:txBody>
+      </p:sp>
+      <p:sp>
+        <p:nvSpPr>
+          <p:cNvPr id="6" name="직사각형 5"/>
+          <p:cNvSpPr/>
+          <p:nvPr/>
+        </p:nvSpPr>
+        <p:spPr>
+          <a:xfrm>
+            <a:off x="7065818" y="6276108"/>
+            <a:ext cx="490451" cy="187774"/>
+          </a:xfrm>
+          <a:prstGeom prst="rect">
+            <a:avLst/>
+          </a:prstGeom>
+          <a:noFill/>
+          <a:ln>
+            <a:solidFill>
+              <a:srgbClr val="FF0000"/>
+            </a:solidFill>
+          </a:ln>
+        </p:spPr>
+        <p:style>
+          <a:lnRef idx="2">
+            <a:schemeClr val="accent1">
+              <a:shade val="50000"/>
+            </a:schemeClr>
+          </a:lnRef>
+          <a:fillRef idx="1">
+            <a:schemeClr val="accent1"/>
+          </a:fillRef>
+          <a:effectRef idx="0">
+            <a:schemeClr val="accent1"/>
+          </a:effectRef>
+          <a:fontRef idx="minor">
+            <a:schemeClr val="lt1"/>
+          </a:fontRef>
+        </p:style>
+        <p:txBody>
+          <a:bodyPr rtlCol="0" anchor="ctr"/>
+          <a:lstStyle/>
+          <a:p>
+            <a:pPr algn="ctr"/>
+            <a:endParaRPr lang="ko-KR" altLang="en-US"/>
+          </a:p>
+        </p:txBody>
+      </p:sp>
+      <p:cxnSp>
+        <p:nvCxnSpPr>
+          <p:cNvPr id="10" name="직선 화살표 연결선 9"/>
+          <p:cNvCxnSpPr/>
+          <p:nvPr/>
+        </p:nvCxnSpPr>
+        <p:spPr>
+          <a:xfrm>
+            <a:off x="3499658" y="5212080"/>
+            <a:ext cx="3516284" cy="1088967"/>
+          </a:xfrm>
+          <a:prstGeom prst="straightConnector1">
+            <a:avLst/>
+          </a:prstGeom>
+          <a:ln>
+            <a:solidFill>
+              <a:srgbClr val="FF0000"/>
+            </a:solidFill>
+            <a:tailEnd type="triangle"/>
+          </a:ln>
+        </p:spPr>
+        <p:style>
+          <a:lnRef idx="1">
+            <a:schemeClr val="accent1"/>
+          </a:lnRef>
+          <a:fillRef idx="0">
+            <a:schemeClr val="accent1"/>
+          </a:fillRef>
+          <a:effectRef idx="0">
+            <a:schemeClr val="accent1"/>
+          </a:effectRef>
+          <a:fontRef idx="minor">
+            <a:schemeClr val="tx1"/>
+          </a:fontRef>
+        </p:style>
+      </p:cxnSp>
     </p:spTree>
     <p:extLst>
       <p:ext uri="{BB962C8B-B14F-4D97-AF65-F5344CB8AC3E}">
-        <p14:creationId xmlns:p14="http://schemas.microsoft.com/office/powerpoint/2010/main" val="1207196194"/>
+        <p14:creationId xmlns:p14="http://schemas.microsoft.com/office/powerpoint/2010/main" val="3297933646"/>
       </p:ext>
     </p:extLst>
   </p:cSld>
@@ -6088,142 +6201,14 @@
       </p:sp>
       <p:sp>
         <p:nvSpPr>
-          <p:cNvPr id="4" name="직사각형 3"/>
-          <p:cNvSpPr/>
-          <p:nvPr/>
-        </p:nvSpPr>
-        <p:spPr>
-          <a:xfrm>
-            <a:off x="2895600" y="4264429"/>
-            <a:ext cx="2141913" cy="299258"/>
-          </a:xfrm>
-          <a:prstGeom prst="rect">
-            <a:avLst/>
-          </a:prstGeom>
-          <a:noFill/>
-          <a:ln>
-            <a:solidFill>
-              <a:srgbClr val="FF0000"/>
-            </a:solidFill>
-          </a:ln>
-        </p:spPr>
-        <p:style>
-          <a:lnRef idx="2">
-            <a:schemeClr val="accent1">
-              <a:shade val="50000"/>
-            </a:schemeClr>
-          </a:lnRef>
-          <a:fillRef idx="1">
-            <a:schemeClr val="accent1"/>
-          </a:fillRef>
-          <a:effectRef idx="0">
-            <a:schemeClr val="accent1"/>
-          </a:effectRef>
-          <a:fontRef idx="minor">
-            <a:schemeClr val="lt1"/>
-          </a:fontRef>
-        </p:style>
-        <p:txBody>
-          <a:bodyPr rtlCol="0" anchor="ctr"/>
-          <a:lstStyle/>
-          <a:p>
-            <a:pPr algn="ctr"/>
-            <a:endParaRPr lang="ko-KR" altLang="en-US"/>
-          </a:p>
-        </p:txBody>
-      </p:sp>
-      <p:sp>
-        <p:nvSpPr>
-          <p:cNvPr id="9" name="직사각형 8"/>
-          <p:cNvSpPr/>
-          <p:nvPr/>
-        </p:nvSpPr>
-        <p:spPr>
-          <a:xfrm>
-            <a:off x="5228705" y="2793076"/>
-            <a:ext cx="540328" cy="249382"/>
-          </a:xfrm>
-          <a:prstGeom prst="rect">
-            <a:avLst/>
-          </a:prstGeom>
-          <a:noFill/>
-          <a:ln>
-            <a:solidFill>
-              <a:srgbClr val="FF0000"/>
-            </a:solidFill>
-          </a:ln>
-        </p:spPr>
-        <p:style>
-          <a:lnRef idx="2">
-            <a:schemeClr val="accent1">
-              <a:shade val="50000"/>
-            </a:schemeClr>
-          </a:lnRef>
-          <a:fillRef idx="1">
-            <a:schemeClr val="accent1"/>
-          </a:fillRef>
-          <a:effectRef idx="0">
-            <a:schemeClr val="accent1"/>
-          </a:effectRef>
-          <a:fontRef idx="minor">
-            <a:schemeClr val="lt1"/>
-          </a:fontRef>
-        </p:style>
-        <p:txBody>
-          <a:bodyPr rtlCol="0" anchor="ctr"/>
-          <a:lstStyle/>
-          <a:p>
-            <a:pPr algn="ctr"/>
-            <a:endParaRPr lang="ko-KR" altLang="en-US"/>
-          </a:p>
-        </p:txBody>
-      </p:sp>
-      <p:cxnSp>
-        <p:nvCxnSpPr>
-          <p:cNvPr id="11" name="직선 화살표 연결선 10"/>
-          <p:cNvCxnSpPr/>
-          <p:nvPr/>
-        </p:nvCxnSpPr>
-        <p:spPr>
-          <a:xfrm flipV="1">
-            <a:off x="4713316" y="3075709"/>
-            <a:ext cx="498764" cy="1188720"/>
-          </a:xfrm>
-          <a:prstGeom prst="straightConnector1">
-            <a:avLst/>
-          </a:prstGeom>
-          <a:ln>
-            <a:solidFill>
-              <a:srgbClr val="FF0000"/>
-            </a:solidFill>
-            <a:tailEnd type="triangle"/>
-          </a:ln>
-        </p:spPr>
-        <p:style>
-          <a:lnRef idx="1">
-            <a:schemeClr val="accent1"/>
-          </a:lnRef>
-          <a:fillRef idx="0">
-            <a:schemeClr val="accent1"/>
-          </a:fillRef>
-          <a:effectRef idx="0">
-            <a:schemeClr val="accent1"/>
-          </a:effectRef>
-          <a:fontRef idx="minor">
-            <a:schemeClr val="tx1"/>
-          </a:fontRef>
-        </p:style>
-      </p:cxnSp>
-      <p:sp>
-        <p:nvSpPr>
           <p:cNvPr id="12" name="TextBox 11"/>
           <p:cNvSpPr txBox="1"/>
           <p:nvPr/>
         </p:nvSpPr>
         <p:spPr>
           <a:xfrm>
-            <a:off x="2895600" y="1930663"/>
-            <a:ext cx="3223959" cy="369332"/>
+            <a:off x="5004996" y="2579055"/>
+            <a:ext cx="3310522" cy="1477328"/>
           </a:xfrm>
           <a:prstGeom prst="rect">
             <a:avLst/>
@@ -6241,12 +6226,56 @@
               <a:buChar char="•"/>
             </a:pPr>
             <a:r>
+              <a:rPr lang="ko-KR" altLang="en-US" dirty="0" smtClean="0"/>
+              <a:t>앱 서비스 이름 작성</a:t>
+            </a:r>
+            <a:endParaRPr lang="en-US" altLang="ko-KR" dirty="0" smtClean="0"/>
+          </a:p>
+          <a:p>
+            <a:pPr marL="285750" indent="-285750">
+              <a:buFont typeface="Arial" panose="020B0604020202020204" pitchFamily="34" charset="0"/>
+              <a:buChar char="•"/>
+            </a:pPr>
+            <a:endParaRPr lang="en-US" altLang="ko-KR" dirty="0"/>
+          </a:p>
+          <a:p>
+            <a:pPr marL="285750" indent="-285750">
+              <a:buFont typeface="Arial" panose="020B0604020202020204" pitchFamily="34" charset="0"/>
+              <a:buChar char="•"/>
+            </a:pPr>
+            <a:r>
+              <a:rPr lang="ko-KR" altLang="en-US" dirty="0" smtClean="0"/>
+              <a:t>리소스 그룹 작성</a:t>
+            </a:r>
+            <a:endParaRPr lang="en-US" altLang="ko-KR" dirty="0" smtClean="0"/>
+          </a:p>
+          <a:p>
+            <a:pPr marL="285750" indent="-285750">
+              <a:buFont typeface="Arial" panose="020B0604020202020204" pitchFamily="34" charset="0"/>
+              <a:buChar char="•"/>
+            </a:pPr>
+            <a:endParaRPr lang="en-US" altLang="ko-KR" dirty="0"/>
+          </a:p>
+          <a:p>
+            <a:pPr marL="285750" indent="-285750">
+              <a:buFont typeface="Arial" panose="020B0604020202020204" pitchFamily="34" charset="0"/>
+              <a:buChar char="•"/>
+            </a:pPr>
+            <a:r>
               <a:rPr lang="en-US" altLang="ko-KR" dirty="0" smtClean="0"/>
-              <a:t>App Service</a:t>
+              <a:t>App Service </a:t>
             </a:r>
             <a:r>
               <a:rPr lang="ko-KR" altLang="en-US" dirty="0" smtClean="0"/>
-              <a:t>에서 추가 선택</a:t>
+              <a:t>계획</a:t>
+            </a:r>
+            <a:r>
+              <a:rPr lang="en-US" altLang="ko-KR" dirty="0" smtClean="0"/>
+              <a:t>/</a:t>
+            </a:r>
+            <a:r>
+              <a:rPr lang="ko-KR" altLang="en-US" dirty="0" smtClean="0"/>
+              <a:t>위치 클릭</a:t>
             </a:r>
             <a:endParaRPr lang="ko-KR" altLang="en-US" dirty="0"/>
           </a:p>
@@ -6254,7 +6283,7 @@
       </p:sp>
       <p:pic>
         <p:nvPicPr>
-          <p:cNvPr id="2" name="그림 1"/>
+          <p:cNvPr id="14" name="그림 13"/>
           <p:cNvPicPr>
             <a:picLocks noChangeAspect="1"/>
           </p:cNvPicPr>
@@ -6268,146 +6297,18 @@
         </p:blipFill>
         <p:spPr>
           <a:xfrm>
-            <a:off x="2766893" y="2339295"/>
-            <a:ext cx="7104944" cy="4149526"/>
+            <a:off x="1403814" y="2299995"/>
+            <a:ext cx="2809875" cy="4324350"/>
           </a:xfrm>
           <a:prstGeom prst="rect">
             <a:avLst/>
           </a:prstGeom>
         </p:spPr>
       </p:pic>
-      <p:sp>
-        <p:nvSpPr>
-          <p:cNvPr id="5" name="직사각형 4"/>
-          <p:cNvSpPr/>
-          <p:nvPr/>
-        </p:nvSpPr>
-        <p:spPr>
-          <a:xfrm>
-            <a:off x="2750267" y="4422371"/>
-            <a:ext cx="732765" cy="1039091"/>
-          </a:xfrm>
-          <a:prstGeom prst="rect">
-            <a:avLst/>
-          </a:prstGeom>
-          <a:noFill/>
-          <a:ln>
-            <a:solidFill>
-              <a:srgbClr val="FF0000"/>
-            </a:solidFill>
-          </a:ln>
-        </p:spPr>
-        <p:style>
-          <a:lnRef idx="2">
-            <a:schemeClr val="accent1">
-              <a:shade val="50000"/>
-            </a:schemeClr>
-          </a:lnRef>
-          <a:fillRef idx="1">
-            <a:schemeClr val="accent1"/>
-          </a:fillRef>
-          <a:effectRef idx="0">
-            <a:schemeClr val="accent1"/>
-          </a:effectRef>
-          <a:fontRef idx="minor">
-            <a:schemeClr val="lt1"/>
-          </a:fontRef>
-        </p:style>
-        <p:txBody>
-          <a:bodyPr rtlCol="0" anchor="ctr"/>
-          <a:lstStyle/>
-          <a:p>
-            <a:pPr algn="ctr"/>
-            <a:endParaRPr lang="ko-KR" altLang="en-US"/>
-          </a:p>
-        </p:txBody>
-      </p:sp>
-      <p:sp>
-        <p:nvSpPr>
-          <p:cNvPr id="6" name="직사각형 5"/>
-          <p:cNvSpPr/>
-          <p:nvPr/>
-        </p:nvSpPr>
-        <p:spPr>
-          <a:xfrm>
-            <a:off x="7065818" y="6276108"/>
-            <a:ext cx="490451" cy="187774"/>
-          </a:xfrm>
-          <a:prstGeom prst="rect">
-            <a:avLst/>
-          </a:prstGeom>
-          <a:noFill/>
-          <a:ln>
-            <a:solidFill>
-              <a:srgbClr val="FF0000"/>
-            </a:solidFill>
-          </a:ln>
-        </p:spPr>
-        <p:style>
-          <a:lnRef idx="2">
-            <a:schemeClr val="accent1">
-              <a:shade val="50000"/>
-            </a:schemeClr>
-          </a:lnRef>
-          <a:fillRef idx="1">
-            <a:schemeClr val="accent1"/>
-          </a:fillRef>
-          <a:effectRef idx="0">
-            <a:schemeClr val="accent1"/>
-          </a:effectRef>
-          <a:fontRef idx="minor">
-            <a:schemeClr val="lt1"/>
-          </a:fontRef>
-        </p:style>
-        <p:txBody>
-          <a:bodyPr rtlCol="0" anchor="ctr"/>
-          <a:lstStyle/>
-          <a:p>
-            <a:pPr algn="ctr"/>
-            <a:endParaRPr lang="ko-KR" altLang="en-US"/>
-          </a:p>
-        </p:txBody>
-      </p:sp>
-      <p:cxnSp>
-        <p:nvCxnSpPr>
-          <p:cNvPr id="10" name="직선 화살표 연결선 9"/>
-          <p:cNvCxnSpPr/>
-          <p:nvPr/>
-        </p:nvCxnSpPr>
-        <p:spPr>
-          <a:xfrm>
-            <a:off x="3499658" y="5212080"/>
-            <a:ext cx="3516284" cy="1088967"/>
-          </a:xfrm>
-          <a:prstGeom prst="straightConnector1">
-            <a:avLst/>
-          </a:prstGeom>
-          <a:ln>
-            <a:solidFill>
-              <a:srgbClr val="FF0000"/>
-            </a:solidFill>
-            <a:tailEnd type="triangle"/>
-          </a:ln>
-        </p:spPr>
-        <p:style>
-          <a:lnRef idx="1">
-            <a:schemeClr val="accent1"/>
-          </a:lnRef>
-          <a:fillRef idx="0">
-            <a:schemeClr val="accent1"/>
-          </a:fillRef>
-          <a:effectRef idx="0">
-            <a:schemeClr val="accent1"/>
-          </a:effectRef>
-          <a:fontRef idx="minor">
-            <a:schemeClr val="tx1"/>
-          </a:fontRef>
-        </p:style>
-      </p:cxnSp>
     </p:spTree>
     <p:extLst>
       <p:ext uri="{BB962C8B-B14F-4D97-AF65-F5344CB8AC3E}">
-        <p14:creationId xmlns:p14="http://schemas.microsoft.com/office/powerpoint/2010/main" val="3297933646"/>
+        <p14:creationId xmlns:p14="http://schemas.microsoft.com/office/powerpoint/2010/main" val="4239631827"/>
       </p:ext>
     </p:extLst>
   </p:cSld>
@@ -6506,91 +6407,9 @@
           </a:p>
         </p:txBody>
       </p:sp>
-      <p:sp>
-        <p:nvSpPr>
-          <p:cNvPr id="12" name="TextBox 11"/>
-          <p:cNvSpPr txBox="1"/>
-          <p:nvPr/>
-        </p:nvSpPr>
-        <p:spPr>
-          <a:xfrm>
-            <a:off x="5004996" y="2579055"/>
-            <a:ext cx="3310522" cy="1477328"/>
-          </a:xfrm>
-          <a:prstGeom prst="rect">
-            <a:avLst/>
-          </a:prstGeom>
-          <a:noFill/>
-        </p:spPr>
-        <p:txBody>
-          <a:bodyPr wrap="none" rtlCol="0">
-            <a:spAutoFit/>
-          </a:bodyPr>
-          <a:lstStyle/>
-          <a:p>
-            <a:pPr marL="285750" indent="-285750">
-              <a:buFont typeface="Arial" panose="020B0604020202020204" pitchFamily="34" charset="0"/>
-              <a:buChar char="•"/>
-            </a:pPr>
-            <a:r>
-              <a:rPr lang="ko-KR" altLang="en-US" dirty="0" smtClean="0"/>
-              <a:t>앱 서비스 이름 작성</a:t>
-            </a:r>
-            <a:endParaRPr lang="en-US" altLang="ko-KR" dirty="0" smtClean="0"/>
-          </a:p>
-          <a:p>
-            <a:pPr marL="285750" indent="-285750">
-              <a:buFont typeface="Arial" panose="020B0604020202020204" pitchFamily="34" charset="0"/>
-              <a:buChar char="•"/>
-            </a:pPr>
-            <a:endParaRPr lang="en-US" altLang="ko-KR" dirty="0"/>
-          </a:p>
-          <a:p>
-            <a:pPr marL="285750" indent="-285750">
-              <a:buFont typeface="Arial" panose="020B0604020202020204" pitchFamily="34" charset="0"/>
-              <a:buChar char="•"/>
-            </a:pPr>
-            <a:r>
-              <a:rPr lang="ko-KR" altLang="en-US" dirty="0" smtClean="0"/>
-              <a:t>리소스 그룹 작성</a:t>
-            </a:r>
-            <a:endParaRPr lang="en-US" altLang="ko-KR" dirty="0" smtClean="0"/>
-          </a:p>
-          <a:p>
-            <a:pPr marL="285750" indent="-285750">
-              <a:buFont typeface="Arial" panose="020B0604020202020204" pitchFamily="34" charset="0"/>
-              <a:buChar char="•"/>
-            </a:pPr>
-            <a:endParaRPr lang="en-US" altLang="ko-KR" dirty="0"/>
-          </a:p>
-          <a:p>
-            <a:pPr marL="285750" indent="-285750">
-              <a:buFont typeface="Arial" panose="020B0604020202020204" pitchFamily="34" charset="0"/>
-              <a:buChar char="•"/>
-            </a:pPr>
-            <a:r>
-              <a:rPr lang="en-US" altLang="ko-KR" dirty="0" smtClean="0"/>
-              <a:t>App Service </a:t>
-            </a:r>
-            <a:r>
-              <a:rPr lang="ko-KR" altLang="en-US" dirty="0" smtClean="0"/>
-              <a:t>계획</a:t>
-            </a:r>
-            <a:r>
-              <a:rPr lang="en-US" altLang="ko-KR" dirty="0" smtClean="0"/>
-              <a:t>/</a:t>
-            </a:r>
-            <a:r>
-              <a:rPr lang="ko-KR" altLang="en-US" dirty="0" smtClean="0"/>
-              <a:t>위치 클릭</a:t>
-            </a:r>
-            <a:endParaRPr lang="ko-KR" altLang="en-US" dirty="0"/>
-          </a:p>
-        </p:txBody>
-      </p:sp>
       <p:pic>
         <p:nvPicPr>
-          <p:cNvPr id="14" name="그림 13"/>
+          <p:cNvPr id="2" name="그림 1"/>
           <p:cNvPicPr>
             <a:picLocks noChangeAspect="1"/>
           </p:cNvPicPr>
@@ -6604,18 +6423,388 @@
         </p:blipFill>
         <p:spPr>
           <a:xfrm>
-            <a:off x="1403814" y="2299995"/>
-            <a:ext cx="2809875" cy="4324350"/>
+            <a:off x="743185" y="2165440"/>
+            <a:ext cx="6910682" cy="4014824"/>
           </a:xfrm>
           <a:prstGeom prst="rect">
             <a:avLst/>
           </a:prstGeom>
         </p:spPr>
       </p:pic>
+      <p:sp>
+        <p:nvSpPr>
+          <p:cNvPr id="3" name="직사각형 2"/>
+          <p:cNvSpPr/>
+          <p:nvPr/>
+        </p:nvSpPr>
+        <p:spPr>
+          <a:xfrm>
+            <a:off x="743185" y="2528256"/>
+            <a:ext cx="645348" cy="287867"/>
+          </a:xfrm>
+          <a:prstGeom prst="rect">
+            <a:avLst/>
+          </a:prstGeom>
+          <a:noFill/>
+          <a:ln>
+            <a:solidFill>
+              <a:srgbClr val="FF0000"/>
+            </a:solidFill>
+          </a:ln>
+        </p:spPr>
+        <p:style>
+          <a:lnRef idx="2">
+            <a:schemeClr val="accent1">
+              <a:shade val="50000"/>
+            </a:schemeClr>
+          </a:lnRef>
+          <a:fillRef idx="1">
+            <a:schemeClr val="accent1"/>
+          </a:fillRef>
+          <a:effectRef idx="0">
+            <a:schemeClr val="accent1"/>
+          </a:effectRef>
+          <a:fontRef idx="minor">
+            <a:schemeClr val="lt1"/>
+          </a:fontRef>
+        </p:style>
+        <p:txBody>
+          <a:bodyPr rtlCol="0" anchor="ctr"/>
+          <a:lstStyle/>
+          <a:p>
+            <a:pPr algn="ctr"/>
+            <a:endParaRPr lang="ko-KR" altLang="en-US"/>
+          </a:p>
+        </p:txBody>
+      </p:sp>
+      <p:sp>
+        <p:nvSpPr>
+          <p:cNvPr id="8" name="직사각형 7"/>
+          <p:cNvSpPr/>
+          <p:nvPr/>
+        </p:nvSpPr>
+        <p:spPr>
+          <a:xfrm>
+            <a:off x="3537784" y="2672189"/>
+            <a:ext cx="560681" cy="333478"/>
+          </a:xfrm>
+          <a:prstGeom prst="rect">
+            <a:avLst/>
+          </a:prstGeom>
+          <a:noFill/>
+          <a:ln>
+            <a:solidFill>
+              <a:srgbClr val="FF0000"/>
+            </a:solidFill>
+          </a:ln>
+        </p:spPr>
+        <p:style>
+          <a:lnRef idx="2">
+            <a:schemeClr val="accent1">
+              <a:shade val="50000"/>
+            </a:schemeClr>
+          </a:lnRef>
+          <a:fillRef idx="1">
+            <a:schemeClr val="accent1"/>
+          </a:fillRef>
+          <a:effectRef idx="0">
+            <a:schemeClr val="accent1"/>
+          </a:effectRef>
+          <a:fontRef idx="minor">
+            <a:schemeClr val="lt1"/>
+          </a:fontRef>
+        </p:style>
+        <p:txBody>
+          <a:bodyPr rtlCol="0" anchor="ctr"/>
+          <a:lstStyle/>
+          <a:p>
+            <a:pPr algn="ctr"/>
+            <a:endParaRPr lang="ko-KR" altLang="en-US"/>
+          </a:p>
+        </p:txBody>
+      </p:sp>
+      <p:cxnSp>
+        <p:nvCxnSpPr>
+          <p:cNvPr id="5" name="직선 화살표 연결선 4"/>
+          <p:cNvCxnSpPr/>
+          <p:nvPr/>
+        </p:nvCxnSpPr>
+        <p:spPr>
+          <a:xfrm>
+            <a:off x="1481667" y="2672189"/>
+            <a:ext cx="1989666" cy="0"/>
+          </a:xfrm>
+          <a:prstGeom prst="straightConnector1">
+            <a:avLst/>
+          </a:prstGeom>
+          <a:ln>
+            <a:solidFill>
+              <a:srgbClr val="FF0000"/>
+            </a:solidFill>
+            <a:tailEnd type="triangle"/>
+          </a:ln>
+        </p:spPr>
+        <p:style>
+          <a:lnRef idx="1">
+            <a:schemeClr val="accent1"/>
+          </a:lnRef>
+          <a:fillRef idx="0">
+            <a:schemeClr val="accent1"/>
+          </a:fillRef>
+          <a:effectRef idx="0">
+            <a:schemeClr val="accent1"/>
+          </a:effectRef>
+          <a:fontRef idx="minor">
+            <a:schemeClr val="tx1"/>
+          </a:fontRef>
+        </p:style>
+      </p:cxnSp>
+      <p:sp>
+        <p:nvSpPr>
+          <p:cNvPr id="6" name="TextBox 5"/>
+          <p:cNvSpPr txBox="1"/>
+          <p:nvPr/>
+        </p:nvSpPr>
+        <p:spPr>
+          <a:xfrm>
+            <a:off x="7958667" y="2165440"/>
+            <a:ext cx="4013200" cy="2862322"/>
+          </a:xfrm>
+          <a:prstGeom prst="rect">
+            <a:avLst/>
+          </a:prstGeom>
+          <a:noFill/>
+        </p:spPr>
+        <p:txBody>
+          <a:bodyPr wrap="square" rtlCol="0">
+            <a:spAutoFit/>
+          </a:bodyPr>
+          <a:lstStyle/>
+          <a:p>
+            <a:pPr marL="285750" indent="-285750">
+              <a:buFont typeface="Arial" panose="020B0604020202020204" pitchFamily="34" charset="0"/>
+              <a:buChar char="•"/>
+            </a:pPr>
+            <a:r>
+              <a:rPr lang="ko-KR" altLang="en-US" dirty="0"/>
+              <a:t>새로 만들기 클릭</a:t>
+            </a:r>
+            <a:endParaRPr lang="en-US" altLang="ko-KR" dirty="0"/>
+          </a:p>
+          <a:p>
+            <a:pPr marL="285750" indent="-285750">
+              <a:buFont typeface="Arial" panose="020B0604020202020204" pitchFamily="34" charset="0"/>
+              <a:buChar char="•"/>
+            </a:pPr>
+            <a:endParaRPr lang="en-US" altLang="ko-KR" dirty="0"/>
+          </a:p>
+          <a:p>
+            <a:pPr marL="285750" indent="-285750">
+              <a:buFont typeface="Arial" panose="020B0604020202020204" pitchFamily="34" charset="0"/>
+              <a:buChar char="•"/>
+            </a:pPr>
+            <a:r>
+              <a:rPr lang="en-US" altLang="ko-KR" dirty="0"/>
+              <a:t>App Service </a:t>
+            </a:r>
+            <a:r>
+              <a:rPr lang="ko-KR" altLang="en-US" dirty="0"/>
+              <a:t>계획 이름 작성</a:t>
+            </a:r>
+            <a:endParaRPr lang="en-US" altLang="ko-KR" dirty="0"/>
+          </a:p>
+          <a:p>
+            <a:pPr marL="285750" indent="-285750">
+              <a:buFont typeface="Arial" panose="020B0604020202020204" pitchFamily="34" charset="0"/>
+              <a:buChar char="•"/>
+            </a:pPr>
+            <a:endParaRPr lang="en-US" altLang="ko-KR" dirty="0"/>
+          </a:p>
+          <a:p>
+            <a:pPr marL="285750" indent="-285750">
+              <a:buFont typeface="Arial" panose="020B0604020202020204" pitchFamily="34" charset="0"/>
+              <a:buChar char="•"/>
+            </a:pPr>
+            <a:r>
+              <a:rPr lang="ko-KR" altLang="en-US" dirty="0"/>
+              <a:t>서버 위치 선택</a:t>
+            </a:r>
+            <a:endParaRPr lang="en-US" altLang="ko-KR" dirty="0"/>
+          </a:p>
+          <a:p>
+            <a:pPr marL="285750" indent="-285750">
+              <a:buFont typeface="Arial" panose="020B0604020202020204" pitchFamily="34" charset="0"/>
+              <a:buChar char="•"/>
+            </a:pPr>
+            <a:endParaRPr lang="en-US" altLang="ko-KR" dirty="0"/>
+          </a:p>
+          <a:p>
+            <a:pPr marL="285750" indent="-285750">
+              <a:buFont typeface="Arial" panose="020B0604020202020204" pitchFamily="34" charset="0"/>
+              <a:buChar char="•"/>
+            </a:pPr>
+            <a:r>
+              <a:rPr lang="ko-KR" altLang="en-US" dirty="0"/>
+              <a:t>가격 책정 계층에서 서버 스펙 지정 후 </a:t>
+            </a:r>
+            <a:r>
+              <a:rPr lang="ko-KR" altLang="en-US" dirty="0" smtClean="0"/>
+              <a:t>선택 클릭</a:t>
+            </a:r>
+            <a:endParaRPr lang="en-US" altLang="ko-KR" dirty="0" smtClean="0"/>
+          </a:p>
+          <a:p>
+            <a:pPr marL="285750" indent="-285750">
+              <a:buFont typeface="Arial" panose="020B0604020202020204" pitchFamily="34" charset="0"/>
+              <a:buChar char="•"/>
+            </a:pPr>
+            <a:endParaRPr lang="en-US" altLang="ko-KR" dirty="0"/>
+          </a:p>
+          <a:p>
+            <a:pPr marL="285750" indent="-285750">
+              <a:buFont typeface="Arial" panose="020B0604020202020204" pitchFamily="34" charset="0"/>
+              <a:buChar char="•"/>
+            </a:pPr>
+            <a:r>
+              <a:rPr lang="ko-KR" altLang="en-US" dirty="0" smtClean="0"/>
+              <a:t>확인 클릭</a:t>
+            </a:r>
+            <a:endParaRPr lang="en-US" altLang="ko-KR" dirty="0" smtClean="0"/>
+          </a:p>
+        </p:txBody>
+      </p:sp>
+      <p:sp>
+        <p:nvSpPr>
+          <p:cNvPr id="9" name="직사각형 8"/>
+          <p:cNvSpPr/>
+          <p:nvPr/>
+        </p:nvSpPr>
+        <p:spPr>
+          <a:xfrm>
+            <a:off x="5029200" y="4267200"/>
+            <a:ext cx="931333" cy="1642533"/>
+          </a:xfrm>
+          <a:prstGeom prst="rect">
+            <a:avLst/>
+          </a:prstGeom>
+          <a:noFill/>
+          <a:ln>
+            <a:solidFill>
+              <a:srgbClr val="FF0000"/>
+            </a:solidFill>
+          </a:ln>
+        </p:spPr>
+        <p:style>
+          <a:lnRef idx="2">
+            <a:schemeClr val="accent1">
+              <a:shade val="50000"/>
+            </a:schemeClr>
+          </a:lnRef>
+          <a:fillRef idx="1">
+            <a:schemeClr val="accent1"/>
+          </a:fillRef>
+          <a:effectRef idx="0">
+            <a:schemeClr val="accent1"/>
+          </a:effectRef>
+          <a:fontRef idx="minor">
+            <a:schemeClr val="lt1"/>
+          </a:fontRef>
+        </p:style>
+        <p:txBody>
+          <a:bodyPr rtlCol="0" anchor="ctr"/>
+          <a:lstStyle/>
+          <a:p>
+            <a:pPr algn="ctr"/>
+            <a:endParaRPr lang="ko-KR" altLang="en-US"/>
+          </a:p>
+        </p:txBody>
+      </p:sp>
+      <p:cxnSp>
+        <p:nvCxnSpPr>
+          <p:cNvPr id="11" name="직선 화살표 연결선 10"/>
+          <p:cNvCxnSpPr/>
+          <p:nvPr/>
+        </p:nvCxnSpPr>
+        <p:spPr>
+          <a:xfrm>
+            <a:off x="4147724" y="2805060"/>
+            <a:ext cx="830674" cy="1707672"/>
+          </a:xfrm>
+          <a:prstGeom prst="straightConnector1">
+            <a:avLst/>
+          </a:prstGeom>
+          <a:ln>
+            <a:solidFill>
+              <a:srgbClr val="FF0000"/>
+            </a:solidFill>
+            <a:tailEnd type="triangle"/>
+          </a:ln>
+        </p:spPr>
+        <p:style>
+          <a:lnRef idx="1">
+            <a:schemeClr val="accent1"/>
+          </a:lnRef>
+          <a:fillRef idx="0">
+            <a:schemeClr val="accent1"/>
+          </a:fillRef>
+          <a:effectRef idx="0">
+            <a:schemeClr val="accent1"/>
+          </a:effectRef>
+          <a:fontRef idx="minor">
+            <a:schemeClr val="tx1"/>
+          </a:fontRef>
+        </p:style>
+      </p:cxnSp>
+      <p:sp>
+        <p:nvSpPr>
+          <p:cNvPr id="16" name="직사각형 15"/>
+          <p:cNvSpPr/>
+          <p:nvPr/>
+        </p:nvSpPr>
+        <p:spPr>
+          <a:xfrm>
+            <a:off x="5029200" y="5960531"/>
+            <a:ext cx="550333" cy="194331"/>
+          </a:xfrm>
+          <a:prstGeom prst="rect">
+            <a:avLst/>
+          </a:prstGeom>
+          <a:noFill/>
+          <a:ln>
+            <a:solidFill>
+              <a:srgbClr val="FF0000"/>
+            </a:solidFill>
+          </a:ln>
+        </p:spPr>
+        <p:style>
+          <a:lnRef idx="2">
+            <a:schemeClr val="accent1">
+              <a:shade val="50000"/>
+            </a:schemeClr>
+          </a:lnRef>
+          <a:fillRef idx="1">
+            <a:schemeClr val="accent1"/>
+          </a:fillRef>
+          <a:effectRef idx="0">
+            <a:schemeClr val="accent1"/>
+          </a:effectRef>
+          <a:fontRef idx="minor">
+            <a:schemeClr val="lt1"/>
+          </a:fontRef>
+        </p:style>
+        <p:txBody>
+          <a:bodyPr rtlCol="0" anchor="ctr"/>
+          <a:lstStyle/>
+          <a:p>
+            <a:pPr algn="ctr"/>
+            <a:endParaRPr lang="ko-KR" altLang="en-US"/>
+          </a:p>
+        </p:txBody>
+      </p:sp>
     </p:spTree>
     <p:extLst>
       <p:ext uri="{BB962C8B-B14F-4D97-AF65-F5344CB8AC3E}">
-        <p14:creationId xmlns:p14="http://schemas.microsoft.com/office/powerpoint/2010/main" val="4239631827"/>
+        <p14:creationId xmlns:p14="http://schemas.microsoft.com/office/powerpoint/2010/main" val="997459371"/>
       </p:ext>
     </p:extLst>
   </p:cSld>
@@ -6716,7 +6905,7 @@
       </p:sp>
       <p:pic>
         <p:nvPicPr>
-          <p:cNvPr id="2" name="그림 1"/>
+          <p:cNvPr id="3" name="그림 2"/>
           <p:cNvPicPr>
             <a:picLocks noChangeAspect="1"/>
           </p:cNvPicPr>
@@ -6730,8 +6919,8 @@
         </p:blipFill>
         <p:spPr>
           <a:xfrm>
-            <a:off x="743185" y="2165440"/>
-            <a:ext cx="6910682" cy="4014824"/>
+            <a:off x="2895600" y="2414587"/>
+            <a:ext cx="6400800" cy="3324225"/>
           </a:xfrm>
           <a:prstGeom prst="rect">
             <a:avLst/>
@@ -6740,14 +6929,14 @@
       </p:pic>
       <p:sp>
         <p:nvSpPr>
-          <p:cNvPr id="3" name="직사각형 2"/>
+          <p:cNvPr id="4" name="직사각형 3"/>
           <p:cNvSpPr/>
           <p:nvPr/>
         </p:nvSpPr>
         <p:spPr>
           <a:xfrm>
-            <a:off x="743185" y="2528256"/>
-            <a:ext cx="645348" cy="287867"/>
+            <a:off x="2895600" y="4264429"/>
+            <a:ext cx="2141913" cy="299258"/>
           </a:xfrm>
           <a:prstGeom prst="rect">
             <a:avLst/>
@@ -6786,14 +6975,14 @@
       </p:sp>
       <p:sp>
         <p:nvSpPr>
-          <p:cNvPr id="8" name="직사각형 7"/>
+          <p:cNvPr id="9" name="직사각형 8"/>
           <p:cNvSpPr/>
           <p:nvPr/>
         </p:nvSpPr>
         <p:spPr>
           <a:xfrm>
-            <a:off x="3537784" y="2672189"/>
-            <a:ext cx="560681" cy="333478"/>
+            <a:off x="5321559" y="4289366"/>
+            <a:ext cx="688542" cy="249382"/>
           </a:xfrm>
           <a:prstGeom prst="rect">
             <a:avLst/>
@@ -6830,52 +7019,16 @@
           </a:p>
         </p:txBody>
       </p:sp>
-      <p:cxnSp>
-        <p:nvCxnSpPr>
-          <p:cNvPr id="5" name="직선 화살표 연결선 4"/>
-          <p:cNvCxnSpPr/>
-          <p:nvPr/>
-        </p:nvCxnSpPr>
-        <p:spPr>
-          <a:xfrm>
-            <a:off x="1481667" y="2672189"/>
-            <a:ext cx="1989666" cy="0"/>
-          </a:xfrm>
-          <a:prstGeom prst="straightConnector1">
-            <a:avLst/>
-          </a:prstGeom>
-          <a:ln>
-            <a:solidFill>
-              <a:srgbClr val="FF0000"/>
-            </a:solidFill>
-            <a:tailEnd type="triangle"/>
-          </a:ln>
-        </p:spPr>
-        <p:style>
-          <a:lnRef idx="1">
-            <a:schemeClr val="accent1"/>
-          </a:lnRef>
-          <a:fillRef idx="0">
-            <a:schemeClr val="accent1"/>
-          </a:fillRef>
-          <a:effectRef idx="0">
-            <a:schemeClr val="accent1"/>
-          </a:effectRef>
-          <a:fontRef idx="minor">
-            <a:schemeClr val="tx1"/>
-          </a:fontRef>
-        </p:style>
-      </p:cxnSp>
-      <p:sp>
-        <p:nvSpPr>
-          <p:cNvPr id="6" name="TextBox 5"/>
+      <p:sp>
+        <p:nvSpPr>
+          <p:cNvPr id="12" name="TextBox 11"/>
           <p:cNvSpPr txBox="1"/>
           <p:nvPr/>
         </p:nvSpPr>
         <p:spPr>
           <a:xfrm>
-            <a:off x="7958667" y="2165440"/>
-            <a:ext cx="4013200" cy="2862322"/>
+            <a:off x="2895600" y="1930663"/>
+            <a:ext cx="2999539" cy="369332"/>
           </a:xfrm>
           <a:prstGeom prst="rect">
             <a:avLst/>
@@ -6883,7 +7036,7 @@
           <a:noFill/>
         </p:spPr>
         <p:txBody>
-          <a:bodyPr wrap="square" rtlCol="0">
+          <a:bodyPr wrap="none" rtlCol="0">
             <a:spAutoFit/>
           </a:bodyPr>
           <a:lstStyle/>
@@ -6893,225 +7046,25 @@
               <a:buChar char="•"/>
             </a:pPr>
             <a:r>
-              <a:rPr lang="ko-KR" altLang="en-US" dirty="0"/>
-              <a:t>새로 만들기 클릭</a:t>
-            </a:r>
-            <a:endParaRPr lang="en-US" altLang="ko-KR" dirty="0"/>
-          </a:p>
-          <a:p>
-            <a:pPr marL="285750" indent="-285750">
-              <a:buFont typeface="Arial" panose="020B0604020202020204" pitchFamily="34" charset="0"/>
-              <a:buChar char="•"/>
-            </a:pPr>
-            <a:endParaRPr lang="en-US" altLang="ko-KR" dirty="0"/>
-          </a:p>
-          <a:p>
-            <a:pPr marL="285750" indent="-285750">
-              <a:buFont typeface="Arial" panose="020B0604020202020204" pitchFamily="34" charset="0"/>
-              <a:buChar char="•"/>
-            </a:pPr>
-            <a:r>
-              <a:rPr lang="en-US" altLang="ko-KR" dirty="0"/>
+              <a:rPr lang="ko-KR" altLang="en-US" dirty="0" smtClean="0"/>
+              <a:t>생성한 </a:t>
+            </a:r>
+            <a:r>
+              <a:rPr lang="en-US" altLang="ko-KR" dirty="0" smtClean="0"/>
               <a:t>App Service </a:t>
             </a:r>
             <a:r>
-              <a:rPr lang="ko-KR" altLang="en-US" dirty="0"/>
-              <a:t>계획 이름 작성</a:t>
-            </a:r>
-            <a:endParaRPr lang="en-US" altLang="ko-KR" dirty="0"/>
-          </a:p>
-          <a:p>
-            <a:pPr marL="285750" indent="-285750">
-              <a:buFont typeface="Arial" panose="020B0604020202020204" pitchFamily="34" charset="0"/>
-              <a:buChar char="•"/>
-            </a:pPr>
-            <a:endParaRPr lang="en-US" altLang="ko-KR" dirty="0"/>
-          </a:p>
-          <a:p>
-            <a:pPr marL="285750" indent="-285750">
-              <a:buFont typeface="Arial" panose="020B0604020202020204" pitchFamily="34" charset="0"/>
-              <a:buChar char="•"/>
-            </a:pPr>
-            <a:r>
-              <a:rPr lang="ko-KR" altLang="en-US" dirty="0"/>
-              <a:t>서버 위치 선택</a:t>
-            </a:r>
-            <a:endParaRPr lang="en-US" altLang="ko-KR" dirty="0"/>
-          </a:p>
-          <a:p>
-            <a:pPr marL="285750" indent="-285750">
-              <a:buFont typeface="Arial" panose="020B0604020202020204" pitchFamily="34" charset="0"/>
-              <a:buChar char="•"/>
-            </a:pPr>
-            <a:endParaRPr lang="en-US" altLang="ko-KR" dirty="0"/>
-          </a:p>
-          <a:p>
-            <a:pPr marL="285750" indent="-285750">
-              <a:buFont typeface="Arial" panose="020B0604020202020204" pitchFamily="34" charset="0"/>
-              <a:buChar char="•"/>
-            </a:pPr>
-            <a:r>
-              <a:rPr lang="ko-KR" altLang="en-US" dirty="0"/>
-              <a:t>가격 책정 계층에서 서버 스펙 지정 후 </a:t>
-            </a:r>
-            <a:r>
               <a:rPr lang="ko-KR" altLang="en-US" dirty="0" smtClean="0"/>
-              <a:t>선택 클릭</a:t>
-            </a:r>
-            <a:endParaRPr lang="en-US" altLang="ko-KR" dirty="0" smtClean="0"/>
-          </a:p>
-          <a:p>
-            <a:pPr marL="285750" indent="-285750">
-              <a:buFont typeface="Arial" panose="020B0604020202020204" pitchFamily="34" charset="0"/>
-              <a:buChar char="•"/>
-            </a:pPr>
-            <a:endParaRPr lang="en-US" altLang="ko-KR" dirty="0"/>
-          </a:p>
-          <a:p>
-            <a:pPr marL="285750" indent="-285750">
-              <a:buFont typeface="Arial" panose="020B0604020202020204" pitchFamily="34" charset="0"/>
-              <a:buChar char="•"/>
-            </a:pPr>
-            <a:r>
-              <a:rPr lang="ko-KR" altLang="en-US" dirty="0" smtClean="0"/>
-              <a:t>확인 클릭</a:t>
-            </a:r>
-            <a:endParaRPr lang="en-US" altLang="ko-KR" dirty="0" smtClean="0"/>
-          </a:p>
-        </p:txBody>
-      </p:sp>
-      <p:sp>
-        <p:nvSpPr>
-          <p:cNvPr id="9" name="직사각형 8"/>
-          <p:cNvSpPr/>
-          <p:nvPr/>
-        </p:nvSpPr>
-        <p:spPr>
-          <a:xfrm>
-            <a:off x="5029200" y="4267200"/>
-            <a:ext cx="931333" cy="1642533"/>
-          </a:xfrm>
-          <a:prstGeom prst="rect">
-            <a:avLst/>
-          </a:prstGeom>
-          <a:noFill/>
-          <a:ln>
-            <a:solidFill>
-              <a:srgbClr val="FF0000"/>
-            </a:solidFill>
-          </a:ln>
-        </p:spPr>
-        <p:style>
-          <a:lnRef idx="2">
-            <a:schemeClr val="accent1">
-              <a:shade val="50000"/>
-            </a:schemeClr>
-          </a:lnRef>
-          <a:fillRef idx="1">
-            <a:schemeClr val="accent1"/>
-          </a:fillRef>
-          <a:effectRef idx="0">
-            <a:schemeClr val="accent1"/>
-          </a:effectRef>
-          <a:fontRef idx="minor">
-            <a:schemeClr val="lt1"/>
-          </a:fontRef>
-        </p:style>
-        <p:txBody>
-          <a:bodyPr rtlCol="0" anchor="ctr"/>
-          <a:lstStyle/>
-          <a:p>
-            <a:pPr algn="ctr"/>
-            <a:endParaRPr lang="ko-KR" altLang="en-US"/>
-          </a:p>
-        </p:txBody>
-      </p:sp>
-      <p:cxnSp>
-        <p:nvCxnSpPr>
-          <p:cNvPr id="11" name="직선 화살표 연결선 10"/>
-          <p:cNvCxnSpPr/>
-          <p:nvPr/>
-        </p:nvCxnSpPr>
-        <p:spPr>
-          <a:xfrm>
-            <a:off x="4147724" y="2805060"/>
-            <a:ext cx="830674" cy="1707672"/>
-          </a:xfrm>
-          <a:prstGeom prst="straightConnector1">
-            <a:avLst/>
-          </a:prstGeom>
-          <a:ln>
-            <a:solidFill>
-              <a:srgbClr val="FF0000"/>
-            </a:solidFill>
-            <a:tailEnd type="triangle"/>
-          </a:ln>
-        </p:spPr>
-        <p:style>
-          <a:lnRef idx="1">
-            <a:schemeClr val="accent1"/>
-          </a:lnRef>
-          <a:fillRef idx="0">
-            <a:schemeClr val="accent1"/>
-          </a:fillRef>
-          <a:effectRef idx="0">
-            <a:schemeClr val="accent1"/>
-          </a:effectRef>
-          <a:fontRef idx="minor">
-            <a:schemeClr val="tx1"/>
-          </a:fontRef>
-        </p:style>
-      </p:cxnSp>
-      <p:sp>
-        <p:nvSpPr>
-          <p:cNvPr id="16" name="직사각형 15"/>
-          <p:cNvSpPr/>
-          <p:nvPr/>
-        </p:nvSpPr>
-        <p:spPr>
-          <a:xfrm>
-            <a:off x="5029200" y="5960531"/>
-            <a:ext cx="550333" cy="194331"/>
-          </a:xfrm>
-          <a:prstGeom prst="rect">
-            <a:avLst/>
-          </a:prstGeom>
-          <a:noFill/>
-          <a:ln>
-            <a:solidFill>
-              <a:srgbClr val="FF0000"/>
-            </a:solidFill>
-          </a:ln>
-        </p:spPr>
-        <p:style>
-          <a:lnRef idx="2">
-            <a:schemeClr val="accent1">
-              <a:shade val="50000"/>
-            </a:schemeClr>
-          </a:lnRef>
-          <a:fillRef idx="1">
-            <a:schemeClr val="accent1"/>
-          </a:fillRef>
-          <a:effectRef idx="0">
-            <a:schemeClr val="accent1"/>
-          </a:effectRef>
-          <a:fontRef idx="minor">
-            <a:schemeClr val="lt1"/>
-          </a:fontRef>
-        </p:style>
-        <p:txBody>
-          <a:bodyPr rtlCol="0" anchor="ctr"/>
-          <a:lstStyle/>
-          <a:p>
-            <a:pPr algn="ctr"/>
-            <a:endParaRPr lang="ko-KR" altLang="en-US"/>
+              <a:t>선택</a:t>
+            </a:r>
+            <a:endParaRPr lang="ko-KR" altLang="en-US" dirty="0"/>
           </a:p>
         </p:txBody>
       </p:sp>
     </p:spTree>
     <p:extLst>
       <p:ext uri="{BB962C8B-B14F-4D97-AF65-F5344CB8AC3E}">
-        <p14:creationId xmlns:p14="http://schemas.microsoft.com/office/powerpoint/2010/main" val="997459371"/>
+        <p14:creationId xmlns:p14="http://schemas.microsoft.com/office/powerpoint/2010/main" val="285959582"/>
       </p:ext>
     </p:extLst>
   </p:cSld>
@@ -7212,7 +7165,7 @@
       </p:sp>
       <p:pic>
         <p:nvPicPr>
-          <p:cNvPr id="3" name="그림 2"/>
+          <p:cNvPr id="2" name="그림 1"/>
           <p:cNvPicPr>
             <a:picLocks noChangeAspect="1"/>
           </p:cNvPicPr>
@@ -7226,8 +7179,8 @@
         </p:blipFill>
         <p:spPr>
           <a:xfrm>
-            <a:off x="2895600" y="2414587"/>
-            <a:ext cx="6400800" cy="3324225"/>
+            <a:off x="1371600" y="2401886"/>
+            <a:ext cx="9448800" cy="2714625"/>
           </a:xfrm>
           <a:prstGeom prst="rect">
             <a:avLst/>
@@ -7236,106 +7189,14 @@
       </p:pic>
       <p:sp>
         <p:nvSpPr>
-          <p:cNvPr id="4" name="직사각형 3"/>
-          <p:cNvSpPr/>
-          <p:nvPr/>
-        </p:nvSpPr>
-        <p:spPr>
-          <a:xfrm>
-            <a:off x="2895600" y="4264429"/>
-            <a:ext cx="2141913" cy="299258"/>
-          </a:xfrm>
-          <a:prstGeom prst="rect">
-            <a:avLst/>
-          </a:prstGeom>
-          <a:noFill/>
-          <a:ln>
-            <a:solidFill>
-              <a:srgbClr val="FF0000"/>
-            </a:solidFill>
-          </a:ln>
-        </p:spPr>
-        <p:style>
-          <a:lnRef idx="2">
-            <a:schemeClr val="accent1">
-              <a:shade val="50000"/>
-            </a:schemeClr>
-          </a:lnRef>
-          <a:fillRef idx="1">
-            <a:schemeClr val="accent1"/>
-          </a:fillRef>
-          <a:effectRef idx="0">
-            <a:schemeClr val="accent1"/>
-          </a:effectRef>
-          <a:fontRef idx="minor">
-            <a:schemeClr val="lt1"/>
-          </a:fontRef>
-        </p:style>
-        <p:txBody>
-          <a:bodyPr rtlCol="0" anchor="ctr"/>
-          <a:lstStyle/>
-          <a:p>
-            <a:pPr algn="ctr"/>
-            <a:endParaRPr lang="ko-KR" altLang="en-US"/>
-          </a:p>
-        </p:txBody>
-      </p:sp>
-      <p:sp>
-        <p:nvSpPr>
-          <p:cNvPr id="9" name="직사각형 8"/>
-          <p:cNvSpPr/>
-          <p:nvPr/>
-        </p:nvSpPr>
-        <p:spPr>
-          <a:xfrm>
-            <a:off x="5321559" y="4289366"/>
-            <a:ext cx="688542" cy="249382"/>
-          </a:xfrm>
-          <a:prstGeom prst="rect">
-            <a:avLst/>
-          </a:prstGeom>
-          <a:noFill/>
-          <a:ln>
-            <a:solidFill>
-              <a:srgbClr val="FF0000"/>
-            </a:solidFill>
-          </a:ln>
-        </p:spPr>
-        <p:style>
-          <a:lnRef idx="2">
-            <a:schemeClr val="accent1">
-              <a:shade val="50000"/>
-            </a:schemeClr>
-          </a:lnRef>
-          <a:fillRef idx="1">
-            <a:schemeClr val="accent1"/>
-          </a:fillRef>
-          <a:effectRef idx="0">
-            <a:schemeClr val="accent1"/>
-          </a:effectRef>
-          <a:fontRef idx="minor">
-            <a:schemeClr val="lt1"/>
-          </a:fontRef>
-        </p:style>
-        <p:txBody>
-          <a:bodyPr rtlCol="0" anchor="ctr"/>
-          <a:lstStyle/>
-          <a:p>
-            <a:pPr algn="ctr"/>
-            <a:endParaRPr lang="ko-KR" altLang="en-US"/>
-          </a:p>
-        </p:txBody>
-      </p:sp>
-      <p:sp>
-        <p:nvSpPr>
-          <p:cNvPr id="12" name="TextBox 11"/>
+          <p:cNvPr id="3" name="TextBox 2"/>
           <p:cNvSpPr txBox="1"/>
           <p:nvPr/>
         </p:nvSpPr>
         <p:spPr>
           <a:xfrm>
-            <a:off x="2895600" y="1930663"/>
-            <a:ext cx="2999539" cy="369332"/>
+            <a:off x="7670800" y="3149600"/>
+            <a:ext cx="1125629" cy="276999"/>
           </a:xfrm>
           <a:prstGeom prst="rect">
             <a:avLst/>
@@ -7348,30 +7209,86 @@
           </a:bodyPr>
           <a:lstStyle/>
           <a:p>
-            <a:pPr marL="285750" indent="-285750">
-              <a:buFont typeface="Arial" panose="020B0604020202020204" pitchFamily="34" charset="0"/>
-              <a:buChar char="•"/>
-            </a:pPr>
-            <a:r>
-              <a:rPr lang="ko-KR" altLang="en-US" dirty="0" smtClean="0"/>
-              <a:t>생성한 </a:t>
-            </a:r>
-            <a:r>
-              <a:rPr lang="en-US" altLang="ko-KR" dirty="0" smtClean="0"/>
-              <a:t>App Service </a:t>
-            </a:r>
-            <a:r>
-              <a:rPr lang="ko-KR" altLang="en-US" dirty="0" smtClean="0"/>
-              <a:t>선택</a:t>
-            </a:r>
-            <a:endParaRPr lang="ko-KR" altLang="en-US" dirty="0"/>
+            <a:r>
+              <a:rPr lang="ko-KR" altLang="en-US" sz="1200" dirty="0" smtClean="0"/>
+              <a:t>홈페이지 주소</a:t>
+            </a:r>
+            <a:endParaRPr lang="ko-KR" altLang="en-US" sz="1200" dirty="0"/>
+          </a:p>
+        </p:txBody>
+      </p:sp>
+      <p:sp>
+        <p:nvSpPr>
+          <p:cNvPr id="9" name="TextBox 8"/>
+          <p:cNvSpPr txBox="1"/>
+          <p:nvPr/>
+        </p:nvSpPr>
+        <p:spPr>
+          <a:xfrm>
+            <a:off x="8559800" y="3897314"/>
+            <a:ext cx="1213794" cy="276999"/>
+          </a:xfrm>
+          <a:prstGeom prst="rect">
+            <a:avLst/>
+          </a:prstGeom>
+          <a:noFill/>
+        </p:spPr>
+        <p:txBody>
+          <a:bodyPr wrap="none" rtlCol="0">
+            <a:spAutoFit/>
+          </a:bodyPr>
+          <a:lstStyle/>
+          <a:p>
+            <a:r>
+              <a:rPr lang="en-US" altLang="ko-KR" sz="1200" dirty="0" smtClean="0"/>
+              <a:t>ftp </a:t>
+            </a:r>
+            <a:r>
+              <a:rPr lang="ko-KR" altLang="en-US" sz="1200" dirty="0" smtClean="0"/>
+              <a:t>배포자 이름</a:t>
+            </a:r>
+            <a:endParaRPr lang="ko-KR" altLang="en-US" sz="1200" dirty="0"/>
+          </a:p>
+        </p:txBody>
+      </p:sp>
+      <p:sp>
+        <p:nvSpPr>
+          <p:cNvPr id="10" name="TextBox 9"/>
+          <p:cNvSpPr txBox="1"/>
+          <p:nvPr/>
+        </p:nvSpPr>
+        <p:spPr>
+          <a:xfrm>
+            <a:off x="8233614" y="4141768"/>
+            <a:ext cx="720069" cy="276999"/>
+          </a:xfrm>
+          <a:prstGeom prst="rect">
+            <a:avLst/>
+          </a:prstGeom>
+          <a:noFill/>
+        </p:spPr>
+        <p:txBody>
+          <a:bodyPr wrap="none" rtlCol="0">
+            <a:spAutoFit/>
+          </a:bodyPr>
+          <a:lstStyle/>
+          <a:p>
+            <a:r>
+              <a:rPr lang="en-US" altLang="ko-KR" sz="1200" dirty="0" smtClean="0"/>
+              <a:t>ftp </a:t>
+            </a:r>
+            <a:r>
+              <a:rPr lang="ko-KR" altLang="en-US" sz="1200" dirty="0" smtClean="0"/>
+              <a:t>주소</a:t>
+            </a:r>
+            <a:endParaRPr lang="ko-KR" altLang="en-US" sz="1200" dirty="0"/>
           </a:p>
         </p:txBody>
       </p:sp>
     </p:spTree>
     <p:extLst>
       <p:ext uri="{BB962C8B-B14F-4D97-AF65-F5344CB8AC3E}">
-        <p14:creationId xmlns:p14="http://schemas.microsoft.com/office/powerpoint/2010/main" val="285959582"/>
+        <p14:creationId xmlns:p14="http://schemas.microsoft.com/office/powerpoint/2010/main" val="1854427606"/>
       </p:ext>
     </p:extLst>
   </p:cSld>
@@ -7472,7 +7389,7 @@
       </p:sp>
       <p:pic>
         <p:nvPicPr>
-          <p:cNvPr id="2" name="그림 1"/>
+          <p:cNvPr id="6" name="그림 5"/>
           <p:cNvPicPr>
             <a:picLocks noChangeAspect="1"/>
           </p:cNvPicPr>
@@ -7486,8 +7403,8 @@
         </p:blipFill>
         <p:spPr>
           <a:xfrm>
-            <a:off x="1371600" y="2401886"/>
-            <a:ext cx="9448800" cy="2714625"/>
+            <a:off x="753687" y="2775344"/>
+            <a:ext cx="5738553" cy="3390900"/>
           </a:xfrm>
           <a:prstGeom prst="rect">
             <a:avLst/>
@@ -7496,14 +7413,14 @@
       </p:pic>
       <p:sp>
         <p:nvSpPr>
-          <p:cNvPr id="3" name="TextBox 2"/>
+          <p:cNvPr id="8" name="TextBox 7"/>
           <p:cNvSpPr txBox="1"/>
           <p:nvPr/>
         </p:nvSpPr>
         <p:spPr>
           <a:xfrm>
-            <a:off x="7670800" y="3149600"/>
-            <a:ext cx="1125629" cy="276999"/>
+            <a:off x="6781800" y="2125133"/>
+            <a:ext cx="5147733" cy="923330"/>
           </a:xfrm>
           <a:prstGeom prst="rect">
             <a:avLst/>
@@ -7511,91 +7428,49 @@
           <a:noFill/>
         </p:spPr>
         <p:txBody>
-          <a:bodyPr wrap="none" rtlCol="0">
+          <a:bodyPr wrap="square" rtlCol="0">
             <a:spAutoFit/>
           </a:bodyPr>
           <a:lstStyle/>
           <a:p>
-            <a:r>
-              <a:rPr lang="ko-KR" altLang="en-US" sz="1200" dirty="0" smtClean="0"/>
-              <a:t>홈페이지 주소</a:t>
-            </a:r>
-            <a:endParaRPr lang="ko-KR" altLang="en-US" sz="1200" dirty="0"/>
-          </a:p>
-        </p:txBody>
-      </p:sp>
-      <p:sp>
-        <p:nvSpPr>
-          <p:cNvPr id="9" name="TextBox 8"/>
-          <p:cNvSpPr txBox="1"/>
-          <p:nvPr/>
-        </p:nvSpPr>
-        <p:spPr>
-          <a:xfrm>
-            <a:off x="8559800" y="3897314"/>
-            <a:ext cx="1213794" cy="276999"/>
-          </a:xfrm>
-          <a:prstGeom prst="rect">
-            <a:avLst/>
-          </a:prstGeom>
-          <a:noFill/>
-        </p:spPr>
-        <p:txBody>
-          <a:bodyPr wrap="none" rtlCol="0">
-            <a:spAutoFit/>
-          </a:bodyPr>
-          <a:lstStyle/>
-          <a:p>
-            <a:r>
-              <a:rPr lang="en-US" altLang="ko-KR" sz="1200" dirty="0" smtClean="0"/>
-              <a:t>ftp </a:t>
-            </a:r>
-            <a:r>
-              <a:rPr lang="ko-KR" altLang="en-US" sz="1200" dirty="0" smtClean="0"/>
-              <a:t>배포자 이름</a:t>
-            </a:r>
-            <a:endParaRPr lang="ko-KR" altLang="en-US" sz="1200" dirty="0"/>
-          </a:p>
-        </p:txBody>
-      </p:sp>
-      <p:sp>
-        <p:nvSpPr>
-          <p:cNvPr id="10" name="TextBox 9"/>
-          <p:cNvSpPr txBox="1"/>
-          <p:nvPr/>
-        </p:nvSpPr>
-        <p:spPr>
-          <a:xfrm>
-            <a:off x="8233614" y="4141768"/>
-            <a:ext cx="720069" cy="276999"/>
-          </a:xfrm>
-          <a:prstGeom prst="rect">
-            <a:avLst/>
-          </a:prstGeom>
-          <a:noFill/>
-        </p:spPr>
-        <p:txBody>
-          <a:bodyPr wrap="none" rtlCol="0">
-            <a:spAutoFit/>
-          </a:bodyPr>
-          <a:lstStyle/>
-          <a:p>
-            <a:r>
-              <a:rPr lang="en-US" altLang="ko-KR" sz="1200" dirty="0" smtClean="0"/>
-              <a:t>ftp </a:t>
-            </a:r>
-            <a:r>
-              <a:rPr lang="ko-KR" altLang="en-US" sz="1200" dirty="0" smtClean="0"/>
-              <a:t>주소</a:t>
-            </a:r>
-            <a:endParaRPr lang="ko-KR" altLang="en-US" sz="1200" dirty="0"/>
+            <a:pPr marL="285750" indent="-285750">
+              <a:buFont typeface="Arial" panose="020B0604020202020204" pitchFamily="34" charset="0"/>
+              <a:buChar char="•"/>
+            </a:pPr>
+            <a:r>
+              <a:rPr lang="en-US" altLang="ko-KR" dirty="0" smtClean="0"/>
+              <a:t>FTP </a:t>
+            </a:r>
+            <a:r>
+              <a:rPr lang="ko-KR" altLang="en-US" dirty="0" smtClean="0"/>
+              <a:t>사용을 위해 배포 자격 증명 선택</a:t>
+            </a:r>
+            <a:endParaRPr lang="en-US" altLang="ko-KR" dirty="0" smtClean="0"/>
+          </a:p>
+          <a:p>
+            <a:pPr marL="285750" indent="-285750">
+              <a:buFont typeface="Arial" panose="020B0604020202020204" pitchFamily="34" charset="0"/>
+              <a:buChar char="•"/>
+            </a:pPr>
+            <a:endParaRPr lang="en-US" altLang="ko-KR" dirty="0"/>
+          </a:p>
+          <a:p>
+            <a:pPr marL="285750" indent="-285750">
+              <a:buFont typeface="Arial" panose="020B0604020202020204" pitchFamily="34" charset="0"/>
+              <a:buChar char="•"/>
+            </a:pPr>
+            <a:r>
+              <a:rPr lang="ko-KR" altLang="en-US" dirty="0" smtClean="0"/>
+              <a:t>사용자 이름 및 비밀 번호 생성 후 저장</a:t>
+            </a:r>
+            <a:endParaRPr lang="ko-KR" altLang="en-US" dirty="0"/>
           </a:p>
         </p:txBody>
       </p:sp>
     </p:spTree>
     <p:extLst>
       <p:ext uri="{BB962C8B-B14F-4D97-AF65-F5344CB8AC3E}">
-        <p14:creationId xmlns:p14="http://schemas.microsoft.com/office/powerpoint/2010/main" val="1854427606"/>
+        <p14:creationId xmlns:p14="http://schemas.microsoft.com/office/powerpoint/2010/main" val="2000808064"/>
       </p:ext>
     </p:extLst>
   </p:cSld>
@@ -7696,22 +7571,45 @@
       </p:sp>
       <p:pic>
         <p:nvPicPr>
-          <p:cNvPr id="6" name="그림 5"/>
+          <p:cNvPr id="2" name="그림 1"/>
           <p:cNvPicPr>
             <a:picLocks noChangeAspect="1"/>
           </p:cNvPicPr>
           <p:nvPr/>
         </p:nvPicPr>
+        <p:blipFill rotWithShape="1">
+          <a:blip r:embed="rId2"/>
+          <a:srcRect r="41232" b="766"/>
+          <a:stretch/>
+        </p:blipFill>
+        <p:spPr>
+          <a:xfrm>
+            <a:off x="613756" y="3008716"/>
+            <a:ext cx="5552902" cy="2693816"/>
+          </a:xfrm>
+          <a:prstGeom prst="rect">
+            <a:avLst/>
+          </a:prstGeom>
+        </p:spPr>
+      </p:pic>
+      <p:pic>
+        <p:nvPicPr>
+          <p:cNvPr id="4" name="그림 3"/>
+          <p:cNvPicPr>
+            <a:picLocks noChangeAspect="1"/>
+          </p:cNvPicPr>
+          <p:nvPr/>
+        </p:nvPicPr>
         <p:blipFill>
-          <a:blip r:embed="rId2"/>
+          <a:blip r:embed="rId3"/>
           <a:stretch>
             <a:fillRect/>
           </a:stretch>
         </p:blipFill>
         <p:spPr>
           <a:xfrm>
-            <a:off x="753687" y="2775344"/>
-            <a:ext cx="5738553" cy="3390900"/>
+            <a:off x="6722227" y="2612757"/>
+            <a:ext cx="4865716" cy="3228530"/>
           </a:xfrm>
           <a:prstGeom prst="rect">
             <a:avLst/>
@@ -7720,64 +7618,54 @@
       </p:pic>
       <p:sp>
         <p:nvSpPr>
-          <p:cNvPr id="8" name="TextBox 7"/>
-          <p:cNvSpPr txBox="1"/>
-          <p:nvPr/>
-        </p:nvSpPr>
-        <p:spPr>
-          <a:xfrm>
-            <a:off x="6781800" y="2125133"/>
-            <a:ext cx="5147733" cy="923330"/>
+          <p:cNvPr id="5" name="직사각형 4"/>
+          <p:cNvSpPr/>
+          <p:nvPr/>
+        </p:nvSpPr>
+        <p:spPr>
+          <a:xfrm>
+            <a:off x="6907877" y="3275215"/>
+            <a:ext cx="3965171" cy="299258"/>
           </a:xfrm>
           <a:prstGeom prst="rect">
             <a:avLst/>
           </a:prstGeom>
           <a:noFill/>
-        </p:spPr>
-        <p:txBody>
-          <a:bodyPr wrap="square" rtlCol="0">
-            <a:spAutoFit/>
-          </a:bodyPr>
-          <a:lstStyle/>
-          <a:p>
-            <a:pPr marL="285750" indent="-285750">
-              <a:buFont typeface="Arial" panose="020B0604020202020204" pitchFamily="34" charset="0"/>
-              <a:buChar char="•"/>
-            </a:pPr>
-            <a:r>
-              <a:rPr lang="en-US" altLang="ko-KR" dirty="0" smtClean="0"/>
-              <a:t>FTP </a:t>
-            </a:r>
-            <a:r>
-              <a:rPr lang="ko-KR" altLang="en-US" dirty="0" smtClean="0"/>
-              <a:t>사용을 위해 배포 자격 증명 선택</a:t>
-            </a:r>
-            <a:endParaRPr lang="en-US" altLang="ko-KR" dirty="0" smtClean="0"/>
-          </a:p>
-          <a:p>
-            <a:pPr marL="285750" indent="-285750">
-              <a:buFont typeface="Arial" panose="020B0604020202020204" pitchFamily="34" charset="0"/>
-              <a:buChar char="•"/>
-            </a:pPr>
-            <a:endParaRPr lang="en-US" altLang="ko-KR" dirty="0"/>
-          </a:p>
-          <a:p>
-            <a:pPr marL="285750" indent="-285750">
-              <a:buFont typeface="Arial" panose="020B0604020202020204" pitchFamily="34" charset="0"/>
-              <a:buChar char="•"/>
-            </a:pPr>
-            <a:r>
-              <a:rPr lang="ko-KR" altLang="en-US" dirty="0" smtClean="0"/>
-              <a:t>사용자 이름 및 비밀 번호 생성 후 저장</a:t>
-            </a:r>
-            <a:endParaRPr lang="ko-KR" altLang="en-US" dirty="0"/>
+          <a:ln>
+            <a:solidFill>
+              <a:srgbClr val="FF0000"/>
+            </a:solidFill>
+          </a:ln>
+        </p:spPr>
+        <p:style>
+          <a:lnRef idx="2">
+            <a:schemeClr val="accent1">
+              <a:shade val="50000"/>
+            </a:schemeClr>
+          </a:lnRef>
+          <a:fillRef idx="1">
+            <a:schemeClr val="accent1"/>
+          </a:fillRef>
+          <a:effectRef idx="0">
+            <a:schemeClr val="accent1"/>
+          </a:effectRef>
+          <a:fontRef idx="minor">
+            <a:schemeClr val="lt1"/>
+          </a:fontRef>
+        </p:style>
+        <p:txBody>
+          <a:bodyPr rtlCol="0" anchor="ctr"/>
+          <a:lstStyle/>
+          <a:p>
+            <a:pPr algn="ctr"/>
+            <a:endParaRPr lang="ko-KR" altLang="en-US"/>
           </a:p>
         </p:txBody>
       </p:sp>
     </p:spTree>
     <p:extLst>
       <p:ext uri="{BB962C8B-B14F-4D97-AF65-F5344CB8AC3E}">
-        <p14:creationId xmlns:p14="http://schemas.microsoft.com/office/powerpoint/2010/main" val="2000808064"/>
+        <p14:creationId xmlns:p14="http://schemas.microsoft.com/office/powerpoint/2010/main" val="2375827831"/>
       </p:ext>
     </p:extLst>
   </p:cSld>
@@ -7972,7 +7860,7 @@
     </p:spTree>
     <p:extLst>
       <p:ext uri="{BB962C8B-B14F-4D97-AF65-F5344CB8AC3E}">
-        <p14:creationId xmlns:p14="http://schemas.microsoft.com/office/powerpoint/2010/main" val="2375827831"/>
+        <p14:creationId xmlns:p14="http://schemas.microsoft.com/office/powerpoint/2010/main" val="220766896"/>
       </p:ext>
     </p:extLst>
   </p:cSld>
@@ -8073,45 +7961,22 @@
       </p:sp>
       <p:pic>
         <p:nvPicPr>
-          <p:cNvPr id="2" name="그림 1"/>
+          <p:cNvPr id="3" name="그림 2"/>
           <p:cNvPicPr>
             <a:picLocks noChangeAspect="1"/>
           </p:cNvPicPr>
           <p:nvPr/>
         </p:nvPicPr>
-        <p:blipFill rotWithShape="1">
+        <p:blipFill>
           <a:blip r:embed="rId2"/>
-          <a:srcRect r="41232" b="766"/>
-          <a:stretch/>
-        </p:blipFill>
-        <p:spPr>
-          <a:xfrm>
-            <a:off x="613756" y="3008716"/>
-            <a:ext cx="5552902" cy="2693816"/>
-          </a:xfrm>
-          <a:prstGeom prst="rect">
-            <a:avLst/>
-          </a:prstGeom>
-        </p:spPr>
-      </p:pic>
-      <p:pic>
-        <p:nvPicPr>
-          <p:cNvPr id="4" name="그림 3"/>
-          <p:cNvPicPr>
-            <a:picLocks noChangeAspect="1"/>
-          </p:cNvPicPr>
-          <p:nvPr/>
-        </p:nvPicPr>
-        <p:blipFill>
-          <a:blip r:embed="rId3"/>
           <a:stretch>
             <a:fillRect/>
           </a:stretch>
         </p:blipFill>
         <p:spPr>
           <a:xfrm>
-            <a:off x="6722227" y="2612757"/>
-            <a:ext cx="4865716" cy="3228530"/>
+            <a:off x="547255" y="2168237"/>
+            <a:ext cx="5876925" cy="4267200"/>
           </a:xfrm>
           <a:prstGeom prst="rect">
             <a:avLst/>
@@ -8120,14 +7985,126 @@
       </p:pic>
       <p:sp>
         <p:nvSpPr>
-          <p:cNvPr id="5" name="직사각형 4"/>
+          <p:cNvPr id="8" name="TextBox 7"/>
+          <p:cNvSpPr txBox="1"/>
+          <p:nvPr/>
+        </p:nvSpPr>
+        <p:spPr>
+          <a:xfrm>
+            <a:off x="6708371" y="2168237"/>
+            <a:ext cx="4987636" cy="2031325"/>
+          </a:xfrm>
+          <a:prstGeom prst="rect">
+            <a:avLst/>
+          </a:prstGeom>
+          <a:noFill/>
+        </p:spPr>
+        <p:txBody>
+          <a:bodyPr wrap="square" rtlCol="0">
+            <a:spAutoFit/>
+          </a:bodyPr>
+          <a:lstStyle/>
+          <a:p>
+            <a:pPr marL="285750" indent="-285750">
+              <a:buFont typeface="Arial" panose="020B0604020202020204" pitchFamily="34" charset="0"/>
+              <a:buChar char="•"/>
+            </a:pPr>
+            <a:r>
+              <a:rPr lang="ko-KR" altLang="en-US" dirty="0" smtClean="0"/>
+              <a:t>게시 위치를 </a:t>
+            </a:r>
+            <a:r>
+              <a:rPr lang="en-US" altLang="ko-KR" dirty="0" smtClean="0"/>
+              <a:t>ftp </a:t>
+            </a:r>
+            <a:r>
+              <a:rPr lang="ko-KR" altLang="en-US" dirty="0" smtClean="0"/>
+              <a:t>서버 주소로 지정</a:t>
+            </a:r>
+            <a:endParaRPr lang="en-US" altLang="ko-KR" dirty="0" smtClean="0"/>
+          </a:p>
+          <a:p>
+            <a:pPr marL="285750" indent="-285750">
+              <a:buFont typeface="Arial" panose="020B0604020202020204" pitchFamily="34" charset="0"/>
+              <a:buChar char="•"/>
+            </a:pPr>
+            <a:endParaRPr lang="en-US" altLang="ko-KR" dirty="0"/>
+          </a:p>
+          <a:p>
+            <a:pPr marL="285750" indent="-285750">
+              <a:buFont typeface="Arial" panose="020B0604020202020204" pitchFamily="34" charset="0"/>
+              <a:buChar char="•"/>
+            </a:pPr>
+            <a:r>
+              <a:rPr lang="ko-KR" altLang="en-US" dirty="0" smtClean="0"/>
+              <a:t>설치 폴더 </a:t>
+            </a:r>
+            <a:r>
+              <a:rPr lang="en-US" altLang="ko-KR" dirty="0" smtClean="0"/>
+              <a:t>URL</a:t>
+            </a:r>
+            <a:r>
+              <a:rPr lang="ko-KR" altLang="en-US" dirty="0" smtClean="0"/>
+              <a:t>에 설치 폴더가 있는 </a:t>
+            </a:r>
+            <a:r>
+              <a:rPr lang="en-US" altLang="ko-KR" dirty="0" smtClean="0"/>
+              <a:t>URL </a:t>
+            </a:r>
+            <a:r>
+              <a:rPr lang="ko-KR" altLang="en-US" dirty="0" smtClean="0"/>
+              <a:t>지정</a:t>
+            </a:r>
+            <a:endParaRPr lang="en-US" altLang="ko-KR" dirty="0" smtClean="0"/>
+          </a:p>
+          <a:p>
+            <a:pPr marL="285750" indent="-285750">
+              <a:buFont typeface="Arial" panose="020B0604020202020204" pitchFamily="34" charset="0"/>
+              <a:buChar char="•"/>
+            </a:pPr>
+            <a:endParaRPr lang="en-US" altLang="ko-KR" dirty="0"/>
+          </a:p>
+          <a:p>
+            <a:pPr marL="285750" indent="-285750">
+              <a:buFont typeface="Arial" panose="020B0604020202020204" pitchFamily="34" charset="0"/>
+              <a:buChar char="•"/>
+            </a:pPr>
+            <a:r>
+              <a:rPr lang="ko-KR" altLang="en-US" dirty="0" smtClean="0"/>
+              <a:t>설치 모드 선택</a:t>
+            </a:r>
+            <a:endParaRPr lang="en-US" altLang="ko-KR" dirty="0" smtClean="0"/>
+          </a:p>
+          <a:p>
+            <a:pPr marL="285750" indent="-285750">
+              <a:buFont typeface="Arial" panose="020B0604020202020204" pitchFamily="34" charset="0"/>
+              <a:buChar char="•"/>
+            </a:pPr>
+            <a:endParaRPr lang="en-US" altLang="ko-KR" dirty="0"/>
+          </a:p>
+          <a:p>
+            <a:pPr marL="285750" indent="-285750">
+              <a:buFont typeface="Arial" panose="020B0604020202020204" pitchFamily="34" charset="0"/>
+              <a:buChar char="•"/>
+            </a:pPr>
+            <a:r>
+              <a:rPr lang="ko-KR" altLang="en-US" dirty="0" smtClean="0"/>
+              <a:t>지금 게시 클릭</a:t>
+            </a:r>
+            <a:endParaRPr lang="en-US" altLang="ko-KR" dirty="0" smtClean="0"/>
+          </a:p>
+        </p:txBody>
+      </p:sp>
+      <p:sp>
+        <p:nvSpPr>
+          <p:cNvPr id="9" name="직사각형 8"/>
           <p:cNvSpPr/>
           <p:nvPr/>
         </p:nvSpPr>
         <p:spPr>
           <a:xfrm>
-            <a:off x="6907877" y="3275215"/>
-            <a:ext cx="3965171" cy="299258"/>
+            <a:off x="5012575" y="5993476"/>
+            <a:ext cx="1288472" cy="340822"/>
           </a:xfrm>
           <a:prstGeom prst="rect">
             <a:avLst/>
@@ -8167,7 +8144,7 @@
     </p:spTree>
     <p:extLst>
       <p:ext uri="{BB962C8B-B14F-4D97-AF65-F5344CB8AC3E}">
-        <p14:creationId xmlns:p14="http://schemas.microsoft.com/office/powerpoint/2010/main" val="220766896"/>
+        <p14:creationId xmlns:p14="http://schemas.microsoft.com/office/powerpoint/2010/main" val="245477815"/>
       </p:ext>
     </p:extLst>
   </p:cSld>
@@ -8268,7 +8245,7 @@
       </p:sp>
       <p:pic>
         <p:nvPicPr>
-          <p:cNvPr id="3" name="그림 2"/>
+          <p:cNvPr id="2" name="그림 1"/>
           <p:cNvPicPr>
             <a:picLocks noChangeAspect="1"/>
           </p:cNvPicPr>
@@ -8282,176 +8259,18 @@
         </p:blipFill>
         <p:spPr>
           <a:xfrm>
-            <a:off x="547255" y="2168237"/>
-            <a:ext cx="5876925" cy="4267200"/>
+            <a:off x="2449483" y="2067833"/>
+            <a:ext cx="7293034" cy="4584386"/>
           </a:xfrm>
           <a:prstGeom prst="rect">
             <a:avLst/>
           </a:prstGeom>
         </p:spPr>
       </p:pic>
-      <p:sp>
-        <p:nvSpPr>
-          <p:cNvPr id="8" name="TextBox 7"/>
-          <p:cNvSpPr txBox="1"/>
-          <p:nvPr/>
-        </p:nvSpPr>
-        <p:spPr>
-          <a:xfrm>
-            <a:off x="6708371" y="2168237"/>
-            <a:ext cx="4987636" cy="2031325"/>
-          </a:xfrm>
-          <a:prstGeom prst="rect">
-            <a:avLst/>
-          </a:prstGeom>
-          <a:noFill/>
-        </p:spPr>
-        <p:txBody>
-          <a:bodyPr wrap="square" rtlCol="0">
-            <a:spAutoFit/>
-          </a:bodyPr>
-          <a:lstStyle/>
-          <a:p>
-            <a:pPr marL="285750" indent="-285750">
-              <a:buFont typeface="Arial" panose="020B0604020202020204" pitchFamily="34" charset="0"/>
-              <a:buChar char="•"/>
-            </a:pPr>
-            <a:r>
-              <a:rPr lang="ko-KR" altLang="en-US" dirty="0" smtClean="0"/>
-              <a:t>게시 위치를 </a:t>
-            </a:r>
-            <a:r>
-              <a:rPr lang="en-US" altLang="ko-KR" dirty="0" smtClean="0"/>
-              <a:t>ftp </a:t>
-            </a:r>
-            <a:r>
-              <a:rPr lang="ko-KR" altLang="en-US" dirty="0" smtClean="0"/>
-              <a:t>서버 주소로 지정</a:t>
-            </a:r>
-            <a:endParaRPr lang="en-US" altLang="ko-KR" dirty="0" smtClean="0"/>
-          </a:p>
-          <a:p>
-            <a:pPr marL="285750" indent="-285750">
-              <a:buFont typeface="Arial" panose="020B0604020202020204" pitchFamily="34" charset="0"/>
-              <a:buChar char="•"/>
-            </a:pPr>
-            <a:endParaRPr lang="en-US" altLang="ko-KR" dirty="0"/>
-          </a:p>
-          <a:p>
-            <a:pPr marL="285750" indent="-285750">
-              <a:buFont typeface="Arial" panose="020B0604020202020204" pitchFamily="34" charset="0"/>
-              <a:buChar char="•"/>
-            </a:pPr>
-            <a:r>
-              <a:rPr lang="ko-KR" altLang="en-US" dirty="0" smtClean="0"/>
-              <a:t>설치 폴더 </a:t>
-            </a:r>
-            <a:r>
-              <a:rPr lang="en-US" altLang="ko-KR" dirty="0" smtClean="0"/>
-              <a:t>URL</a:t>
-            </a:r>
-            <a:r>
-              <a:rPr lang="ko-KR" altLang="en-US" dirty="0" smtClean="0"/>
-              <a:t>에 설치 폴더가 있는 </a:t>
-            </a:r>
-            <a:r>
-              <a:rPr lang="en-US" altLang="ko-KR" dirty="0" smtClean="0"/>
-              <a:t>URL </a:t>
-            </a:r>
-            <a:r>
-              <a:rPr lang="ko-KR" altLang="en-US" dirty="0" smtClean="0"/>
-              <a:t>지정</a:t>
-            </a:r>
-            <a:endParaRPr lang="en-US" altLang="ko-KR" dirty="0" smtClean="0"/>
-          </a:p>
-          <a:p>
-            <a:pPr marL="285750" indent="-285750">
-              <a:buFont typeface="Arial" panose="020B0604020202020204" pitchFamily="34" charset="0"/>
-              <a:buChar char="•"/>
-            </a:pPr>
-            <a:endParaRPr lang="en-US" altLang="ko-KR" dirty="0"/>
-          </a:p>
-          <a:p>
-            <a:pPr marL="285750" indent="-285750">
-              <a:buFont typeface="Arial" panose="020B0604020202020204" pitchFamily="34" charset="0"/>
-              <a:buChar char="•"/>
-            </a:pPr>
-            <a:r>
-              <a:rPr lang="ko-KR" altLang="en-US" dirty="0" smtClean="0"/>
-              <a:t>설치 모드 선택</a:t>
-            </a:r>
-            <a:endParaRPr lang="en-US" altLang="ko-KR" dirty="0" smtClean="0"/>
-          </a:p>
-          <a:p>
-            <a:pPr marL="285750" indent="-285750">
-              <a:buFont typeface="Arial" panose="020B0604020202020204" pitchFamily="34" charset="0"/>
-              <a:buChar char="•"/>
-            </a:pPr>
-            <a:endParaRPr lang="en-US" altLang="ko-KR" dirty="0"/>
-          </a:p>
-          <a:p>
-            <a:pPr marL="285750" indent="-285750">
-              <a:buFont typeface="Arial" panose="020B0604020202020204" pitchFamily="34" charset="0"/>
-              <a:buChar char="•"/>
-            </a:pPr>
-            <a:r>
-              <a:rPr lang="ko-KR" altLang="en-US" dirty="0" smtClean="0"/>
-              <a:t>지금 게시 클릭</a:t>
-            </a:r>
-            <a:endParaRPr lang="en-US" altLang="ko-KR" dirty="0" smtClean="0"/>
-          </a:p>
-        </p:txBody>
-      </p:sp>
-      <p:sp>
-        <p:nvSpPr>
-          <p:cNvPr id="9" name="직사각형 8"/>
-          <p:cNvSpPr/>
-          <p:nvPr/>
-        </p:nvSpPr>
-        <p:spPr>
-          <a:xfrm>
-            <a:off x="5012575" y="5993476"/>
-            <a:ext cx="1288472" cy="340822"/>
-          </a:xfrm>
-          <a:prstGeom prst="rect">
-            <a:avLst/>
-          </a:prstGeom>
-          <a:noFill/>
-          <a:ln>
-            <a:solidFill>
-              <a:srgbClr val="FF0000"/>
-            </a:solidFill>
-          </a:ln>
-        </p:spPr>
-        <p:style>
-          <a:lnRef idx="2">
-            <a:schemeClr val="accent1">
-              <a:shade val="50000"/>
-            </a:schemeClr>
-          </a:lnRef>
-          <a:fillRef idx="1">
-            <a:schemeClr val="accent1"/>
-          </a:fillRef>
-          <a:effectRef idx="0">
-            <a:schemeClr val="accent1"/>
-          </a:effectRef>
-          <a:fontRef idx="minor">
-            <a:schemeClr val="lt1"/>
-          </a:fontRef>
-        </p:style>
-        <p:txBody>
-          <a:bodyPr rtlCol="0" anchor="ctr"/>
-          <a:lstStyle/>
-          <a:p>
-            <a:pPr algn="ctr"/>
-            <a:endParaRPr lang="ko-KR" altLang="en-US"/>
-          </a:p>
-        </p:txBody>
-      </p:sp>
     </p:spTree>
     <p:extLst>
       <p:ext uri="{BB962C8B-B14F-4D97-AF65-F5344CB8AC3E}">
-        <p14:creationId xmlns:p14="http://schemas.microsoft.com/office/powerpoint/2010/main" val="245477815"/>
+        <p14:creationId xmlns:p14="http://schemas.microsoft.com/office/powerpoint/2010/main" val="4044047152"/>
       </p:ext>
     </p:extLst>
   </p:cSld>
@@ -8527,20 +8346,12 @@
           </a:lstStyle>
           <a:p>
             <a:r>
-              <a:rPr lang="en-US" altLang="ko-KR" dirty="0" smtClean="0">
-                <a:latin typeface="함초롬돋움" panose="020B0604000101010101" pitchFamily="50" charset="-127"/>
-                <a:ea typeface="함초롬돋움" panose="020B0604000101010101" pitchFamily="50" charset="-127"/>
-                <a:cs typeface="함초롬돋움" panose="020B0604000101010101" pitchFamily="50" charset="-127"/>
-              </a:rPr>
-              <a:t>Azure</a:t>
-            </a:r>
-            <a:r>
               <a:rPr lang="ko-KR" altLang="en-US" dirty="0" smtClean="0">
                 <a:latin typeface="함초롬돋움" panose="020B0604000101010101" pitchFamily="50" charset="-127"/>
                 <a:ea typeface="함초롬돋움" panose="020B0604000101010101" pitchFamily="50" charset="-127"/>
                 <a:cs typeface="함초롬돋움" panose="020B0604000101010101" pitchFamily="50" charset="-127"/>
               </a:rPr>
-              <a:t>를 사용하여 게시하기</a:t>
+              <a:t>다른 배포 프로그램</a:t>
             </a:r>
             <a:endParaRPr lang="ko-KR" altLang="en-US" dirty="0">
               <a:latin typeface="함초롬돋움" panose="020B0604000101010101" pitchFamily="50" charset="-127"/>
@@ -8550,34 +8361,212 @@
           </a:p>
         </p:txBody>
       </p:sp>
-      <p:pic>
-        <p:nvPicPr>
-          <p:cNvPr id="2" name="그림 1"/>
-          <p:cNvPicPr>
-            <a:picLocks noChangeAspect="1"/>
-          </p:cNvPicPr>
-          <p:nvPr/>
-        </p:nvPicPr>
-        <p:blipFill>
-          <a:blip r:embed="rId2"/>
-          <a:stretch>
-            <a:fillRect/>
-          </a:stretch>
-        </p:blipFill>
-        <p:spPr>
-          <a:xfrm>
-            <a:off x="2449483" y="2067833"/>
-            <a:ext cx="7293034" cy="4584386"/>
-          </a:xfrm>
-          <a:prstGeom prst="rect">
-            <a:avLst/>
-          </a:prstGeom>
-        </p:spPr>
-      </p:pic>
+      <p:sp>
+        <p:nvSpPr>
+          <p:cNvPr id="4" name="내용 개체 틀 1"/>
+          <p:cNvSpPr>
+            <a:spLocks noGrp="1"/>
+          </p:cNvSpPr>
+          <p:nvPr>
+            <p:ph idx="1"/>
+          </p:nvPr>
+        </p:nvSpPr>
+        <p:spPr>
+          <a:xfrm>
+            <a:off x="838200" y="1983345"/>
+            <a:ext cx="10515600" cy="4193617"/>
+          </a:xfrm>
+        </p:spPr>
+        <p:txBody>
+          <a:bodyPr>
+            <a:normAutofit fontScale="92500" lnSpcReduction="10000"/>
+          </a:bodyPr>
+          <a:lstStyle/>
+          <a:p>
+            <a:r>
+              <a:rPr lang="en-US" altLang="ko-KR" dirty="0" err="1" smtClean="0">
+                <a:solidFill>
+                  <a:srgbClr val="FF0000"/>
+                </a:solidFill>
+                <a:latin typeface="+mn-ea"/>
+                <a:cs typeface="함초롬돋움" panose="020B0604000101010101" pitchFamily="50" charset="-127"/>
+              </a:rPr>
+              <a:t>WIXToolset</a:t>
+            </a:r>
+            <a:endParaRPr lang="en-US" altLang="ko-KR" dirty="0" smtClean="0">
+              <a:solidFill>
+                <a:srgbClr val="FF0000"/>
+              </a:solidFill>
+              <a:latin typeface="+mn-ea"/>
+              <a:cs typeface="함초롬돋움" panose="020B0604000101010101" pitchFamily="50" charset="-127"/>
+            </a:endParaRPr>
+          </a:p>
+          <a:p>
+            <a:pPr lvl="1"/>
+            <a:r>
+              <a:rPr lang="en-US" altLang="ko-KR" dirty="0">
+                <a:solidFill>
+                  <a:srgbClr val="FF0000"/>
+                </a:solidFill>
+                <a:latin typeface="+mn-ea"/>
+                <a:cs typeface="함초롬돋움" panose="020B0604000101010101" pitchFamily="50" charset="-127"/>
+                <a:hlinkClick r:id="rId2"/>
+              </a:rPr>
+              <a:t>http://wixtoolset.org/</a:t>
+            </a:r>
+            <a:endParaRPr lang="en-US" altLang="ko-KR" dirty="0" smtClean="0">
+              <a:solidFill>
+                <a:srgbClr val="FF0000"/>
+              </a:solidFill>
+              <a:latin typeface="+mn-ea"/>
+              <a:cs typeface="함초롬돋움" panose="020B0604000101010101" pitchFamily="50" charset="-127"/>
+            </a:endParaRPr>
+          </a:p>
+          <a:p>
+            <a:r>
+              <a:rPr lang="en-US" altLang="ko-KR" dirty="0" smtClean="0">
+                <a:solidFill>
+                  <a:srgbClr val="FF0000"/>
+                </a:solidFill>
+                <a:latin typeface="+mn-ea"/>
+                <a:cs typeface="함초롬돋움" panose="020B0604000101010101" pitchFamily="50" charset="-127"/>
+              </a:rPr>
+              <a:t>Squirrel</a:t>
+            </a:r>
+          </a:p>
+          <a:p>
+            <a:pPr lvl="1"/>
+            <a:r>
+              <a:rPr lang="en-US" altLang="ko-KR" dirty="0">
+                <a:solidFill>
+                  <a:srgbClr val="FF0000"/>
+                </a:solidFill>
+                <a:latin typeface="+mn-ea"/>
+                <a:cs typeface="함초롬돋움" panose="020B0604000101010101" pitchFamily="50" charset="-127"/>
+                <a:hlinkClick r:id="rId3"/>
+              </a:rPr>
+              <a:t>https://github.com/Squirrel</a:t>
+            </a:r>
+            <a:endParaRPr lang="en-US" altLang="ko-KR" dirty="0">
+              <a:solidFill>
+                <a:srgbClr val="FF0000"/>
+              </a:solidFill>
+              <a:latin typeface="+mn-ea"/>
+              <a:cs typeface="함초롬돋움" panose="020B0604000101010101" pitchFamily="50" charset="-127"/>
+            </a:endParaRPr>
+          </a:p>
+          <a:p>
+            <a:r>
+              <a:rPr lang="en-US" altLang="ko-KR" dirty="0" err="1" smtClean="0">
+                <a:solidFill>
+                  <a:srgbClr val="FF0000"/>
+                </a:solidFill>
+                <a:latin typeface="+mn-ea"/>
+                <a:cs typeface="함초롬돋움" panose="020B0604000101010101" pitchFamily="50" charset="-127"/>
+              </a:rPr>
+              <a:t>InnoSetup</a:t>
+            </a:r>
+            <a:endParaRPr lang="en-US" altLang="ko-KR" dirty="0" smtClean="0">
+              <a:solidFill>
+                <a:srgbClr val="FF0000"/>
+              </a:solidFill>
+              <a:latin typeface="+mn-ea"/>
+              <a:cs typeface="함초롬돋움" panose="020B0604000101010101" pitchFamily="50" charset="-127"/>
+            </a:endParaRPr>
+          </a:p>
+          <a:p>
+            <a:pPr lvl="1"/>
+            <a:r>
+              <a:rPr lang="en-US" altLang="ko-KR" dirty="0">
+                <a:solidFill>
+                  <a:srgbClr val="FF0000"/>
+                </a:solidFill>
+                <a:latin typeface="+mn-ea"/>
+                <a:cs typeface="함초롬돋움" panose="020B0604000101010101" pitchFamily="50" charset="-127"/>
+                <a:hlinkClick r:id="rId4"/>
+              </a:rPr>
+              <a:t>http://www.jrsoftware.org/isinfo.php</a:t>
+            </a:r>
+            <a:endParaRPr lang="en-US" altLang="ko-KR" dirty="0">
+              <a:solidFill>
+                <a:srgbClr val="FF0000"/>
+              </a:solidFill>
+              <a:latin typeface="+mn-ea"/>
+              <a:cs typeface="함초롬돋움" panose="020B0604000101010101" pitchFamily="50" charset="-127"/>
+            </a:endParaRPr>
+          </a:p>
+          <a:p>
+            <a:r>
+              <a:rPr lang="en-US" altLang="ko-KR" dirty="0" smtClean="0">
+                <a:solidFill>
+                  <a:srgbClr val="FF0000"/>
+                </a:solidFill>
+                <a:latin typeface="+mn-ea"/>
+                <a:cs typeface="함초롬돋움" panose="020B0604000101010101" pitchFamily="50" charset="-127"/>
+              </a:rPr>
+              <a:t>Install Shield</a:t>
+            </a:r>
+          </a:p>
+          <a:p>
+            <a:pPr lvl="1"/>
+            <a:r>
+              <a:rPr lang="en-US" altLang="ko-KR" dirty="0">
+                <a:solidFill>
+                  <a:srgbClr val="FF0000"/>
+                </a:solidFill>
+                <a:latin typeface="+mn-ea"/>
+                <a:cs typeface="함초롬돋움" panose="020B0604000101010101" pitchFamily="50" charset="-127"/>
+                <a:hlinkClick r:id="rId5"/>
+              </a:rPr>
+              <a:t>https://www.flexerasoftware.com/producer/products/software-installation/installshield-software-installer/</a:t>
+            </a:r>
+            <a:endParaRPr lang="en-US" altLang="ko-KR" dirty="0">
+              <a:solidFill>
+                <a:srgbClr val="FF0000"/>
+              </a:solidFill>
+              <a:latin typeface="+mn-ea"/>
+              <a:cs typeface="함초롬돋움" panose="020B0604000101010101" pitchFamily="50" charset="-127"/>
+            </a:endParaRPr>
+          </a:p>
+          <a:p>
+            <a:r>
+              <a:rPr lang="en-US" altLang="ko-KR" dirty="0" smtClean="0">
+                <a:solidFill>
+                  <a:srgbClr val="FF0000"/>
+                </a:solidFill>
+                <a:latin typeface="+mn-ea"/>
+                <a:cs typeface="함초롬돋움" panose="020B0604000101010101" pitchFamily="50" charset="-127"/>
+              </a:rPr>
+              <a:t>Install Aware</a:t>
+            </a:r>
+          </a:p>
+          <a:p>
+            <a:pPr lvl="1"/>
+            <a:r>
+              <a:rPr lang="en-US" altLang="ko-KR" dirty="0">
+                <a:solidFill>
+                  <a:srgbClr val="FF0000"/>
+                </a:solidFill>
+                <a:latin typeface="+mn-ea"/>
+                <a:cs typeface="함초롬돋움" panose="020B0604000101010101" pitchFamily="50" charset="-127"/>
+                <a:hlinkClick r:id="rId6"/>
+              </a:rPr>
+              <a:t>https://www.installaware.com/</a:t>
+            </a:r>
+            <a:endParaRPr lang="en-US" altLang="ko-KR" dirty="0">
+              <a:solidFill>
+                <a:srgbClr val="FF0000"/>
+              </a:solidFill>
+              <a:latin typeface="+mn-ea"/>
+              <a:cs typeface="함초롬돋움" panose="020B0604000101010101" pitchFamily="50" charset="-127"/>
+            </a:endParaRPr>
+          </a:p>
+        </p:txBody>
+      </p:sp>
     </p:spTree>
     <p:extLst>
       <p:ext uri="{BB962C8B-B14F-4D97-AF65-F5344CB8AC3E}">
-        <p14:creationId xmlns:p14="http://schemas.microsoft.com/office/powerpoint/2010/main" val="4044047152"/>
+        <p14:creationId xmlns:p14="http://schemas.microsoft.com/office/powerpoint/2010/main" val="3727015530"/>
       </p:ext>
     </p:extLst>
   </p:cSld>
@@ -8752,7 +8741,7 @@
 </p:sld>
 </file>
 
-<file path=ppt/slides/slide30.xml><?xml version="1.0" encoding="utf-8"?>
+<file path=ppt/slides/slide4.xml><?xml version="1.0" encoding="utf-8"?>
 <p:sld xmlns:a="http://schemas.openxmlformats.org/drawingml/2006/main" xmlns:r="http://schemas.openxmlformats.org/officeDocument/2006/relationships" xmlns:p="http://schemas.openxmlformats.org/presentationml/2006/main">
   <p:cSld>
     <p:spTree>
@@ -8816,309 +8805,6 @@
                 <a:ea typeface="함초롬돋움" panose="020B0604000101010101" pitchFamily="50" charset="-127"/>
                 <a:cs typeface="함초롬돋움" panose="020B0604000101010101" pitchFamily="50" charset="-127"/>
               </a:rPr>
-              <a:t>다른 배포 프로그램</a:t>
-            </a:r>
-            <a:endParaRPr lang="ko-KR" altLang="en-US" dirty="0">
-              <a:latin typeface="함초롬돋움" panose="020B0604000101010101" pitchFamily="50" charset="-127"/>
-              <a:ea typeface="함초롬돋움" panose="020B0604000101010101" pitchFamily="50" charset="-127"/>
-              <a:cs typeface="함초롬돋움" panose="020B0604000101010101" pitchFamily="50" charset="-127"/>
-            </a:endParaRPr>
-          </a:p>
-        </p:txBody>
-      </p:sp>
-      <p:sp>
-        <p:nvSpPr>
-          <p:cNvPr id="4" name="내용 개체 틀 1"/>
-          <p:cNvSpPr>
-            <a:spLocks noGrp="1"/>
-          </p:cNvSpPr>
-          <p:nvPr>
-            <p:ph idx="1"/>
-          </p:nvPr>
-        </p:nvSpPr>
-        <p:spPr>
-          <a:xfrm>
-            <a:off x="838200" y="1983345"/>
-            <a:ext cx="10515600" cy="4193617"/>
-          </a:xfrm>
-        </p:spPr>
-        <p:txBody>
-          <a:bodyPr>
-            <a:normAutofit fontScale="92500" lnSpcReduction="10000"/>
-          </a:bodyPr>
-          <a:lstStyle/>
-          <a:p>
-            <a:r>
-              <a:rPr lang="en-US" altLang="ko-KR" dirty="0" err="1" smtClean="0">
-                <a:solidFill>
-                  <a:srgbClr val="FF0000"/>
-                </a:solidFill>
-                <a:latin typeface="+mn-ea"/>
-                <a:cs typeface="함초롬돋움" panose="020B0604000101010101" pitchFamily="50" charset="-127"/>
-              </a:rPr>
-              <a:t>WIXToolset</a:t>
-            </a:r>
-            <a:endParaRPr lang="en-US" altLang="ko-KR" dirty="0" smtClean="0">
-              <a:solidFill>
-                <a:srgbClr val="FF0000"/>
-              </a:solidFill>
-              <a:latin typeface="+mn-ea"/>
-              <a:cs typeface="함초롬돋움" panose="020B0604000101010101" pitchFamily="50" charset="-127"/>
-            </a:endParaRPr>
-          </a:p>
-          <a:p>
-            <a:pPr lvl="1"/>
-            <a:r>
-              <a:rPr lang="en-US" altLang="ko-KR" dirty="0">
-                <a:solidFill>
-                  <a:srgbClr val="FF0000"/>
-                </a:solidFill>
-                <a:latin typeface="+mn-ea"/>
-                <a:cs typeface="함초롬돋움" panose="020B0604000101010101" pitchFamily="50" charset="-127"/>
-                <a:hlinkClick r:id="rId2"/>
-              </a:rPr>
-              <a:t>http://wixtoolset.org/</a:t>
-            </a:r>
-            <a:endParaRPr lang="en-US" altLang="ko-KR" dirty="0" smtClean="0">
-              <a:solidFill>
-                <a:srgbClr val="FF0000"/>
-              </a:solidFill>
-              <a:latin typeface="+mn-ea"/>
-              <a:cs typeface="함초롬돋움" panose="020B0604000101010101" pitchFamily="50" charset="-127"/>
-            </a:endParaRPr>
-          </a:p>
-          <a:p>
-            <a:r>
-              <a:rPr lang="en-US" altLang="ko-KR" dirty="0" smtClean="0">
-                <a:solidFill>
-                  <a:srgbClr val="FF0000"/>
-                </a:solidFill>
-                <a:latin typeface="+mn-ea"/>
-                <a:cs typeface="함초롬돋움" panose="020B0604000101010101" pitchFamily="50" charset="-127"/>
-              </a:rPr>
-              <a:t>Squirrel</a:t>
-            </a:r>
-            <a:endParaRPr lang="en-US" altLang="ko-KR" dirty="0" smtClean="0">
-              <a:solidFill>
-                <a:srgbClr val="FF0000"/>
-              </a:solidFill>
-              <a:latin typeface="+mn-ea"/>
-              <a:cs typeface="함초롬돋움" panose="020B0604000101010101" pitchFamily="50" charset="-127"/>
-            </a:endParaRPr>
-          </a:p>
-          <a:p>
-            <a:pPr lvl="1"/>
-            <a:r>
-              <a:rPr lang="en-US" altLang="ko-KR" dirty="0">
-                <a:solidFill>
-                  <a:srgbClr val="FF0000"/>
-                </a:solidFill>
-                <a:latin typeface="+mn-ea"/>
-                <a:cs typeface="함초롬돋움" panose="020B0604000101010101" pitchFamily="50" charset="-127"/>
-                <a:hlinkClick r:id="rId3"/>
-              </a:rPr>
-              <a:t>https://github.com/Squirrel</a:t>
-            </a:r>
-            <a:endParaRPr lang="en-US" altLang="ko-KR" dirty="0">
-              <a:solidFill>
-                <a:srgbClr val="FF0000"/>
-              </a:solidFill>
-              <a:latin typeface="+mn-ea"/>
-              <a:cs typeface="함초롬돋움" panose="020B0604000101010101" pitchFamily="50" charset="-127"/>
-            </a:endParaRPr>
-          </a:p>
-          <a:p>
-            <a:r>
-              <a:rPr lang="en-US" altLang="ko-KR" dirty="0" err="1" smtClean="0">
-                <a:solidFill>
-                  <a:srgbClr val="FF0000"/>
-                </a:solidFill>
-                <a:latin typeface="+mn-ea"/>
-                <a:cs typeface="함초롬돋움" panose="020B0604000101010101" pitchFamily="50" charset="-127"/>
-              </a:rPr>
-              <a:t>InnoSetup</a:t>
-            </a:r>
-            <a:endParaRPr lang="en-US" altLang="ko-KR" dirty="0" smtClean="0">
-              <a:solidFill>
-                <a:srgbClr val="FF0000"/>
-              </a:solidFill>
-              <a:latin typeface="+mn-ea"/>
-              <a:cs typeface="함초롬돋움" panose="020B0604000101010101" pitchFamily="50" charset="-127"/>
-            </a:endParaRPr>
-          </a:p>
-          <a:p>
-            <a:pPr lvl="1"/>
-            <a:r>
-              <a:rPr lang="en-US" altLang="ko-KR" dirty="0">
-                <a:solidFill>
-                  <a:srgbClr val="FF0000"/>
-                </a:solidFill>
-                <a:latin typeface="+mn-ea"/>
-                <a:cs typeface="함초롬돋움" panose="020B0604000101010101" pitchFamily="50" charset="-127"/>
-                <a:hlinkClick r:id="rId4"/>
-              </a:rPr>
-              <a:t>http://www.jrsoftware.org/isinfo.php</a:t>
-            </a:r>
-            <a:endParaRPr lang="en-US" altLang="ko-KR" dirty="0">
-              <a:solidFill>
-                <a:srgbClr val="FF0000"/>
-              </a:solidFill>
-              <a:latin typeface="+mn-ea"/>
-              <a:cs typeface="함초롬돋움" panose="020B0604000101010101" pitchFamily="50" charset="-127"/>
-            </a:endParaRPr>
-          </a:p>
-          <a:p>
-            <a:r>
-              <a:rPr lang="en-US" altLang="ko-KR" dirty="0" smtClean="0">
-                <a:solidFill>
-                  <a:srgbClr val="FF0000"/>
-                </a:solidFill>
-                <a:latin typeface="+mn-ea"/>
-                <a:cs typeface="함초롬돋움" panose="020B0604000101010101" pitchFamily="50" charset="-127"/>
-              </a:rPr>
-              <a:t>Install Shield</a:t>
-            </a:r>
-          </a:p>
-          <a:p>
-            <a:pPr lvl="1"/>
-            <a:r>
-              <a:rPr lang="en-US" altLang="ko-KR" dirty="0">
-                <a:solidFill>
-                  <a:srgbClr val="FF0000"/>
-                </a:solidFill>
-                <a:latin typeface="+mn-ea"/>
-                <a:cs typeface="함초롬돋움" panose="020B0604000101010101" pitchFamily="50" charset="-127"/>
-                <a:hlinkClick r:id="rId5"/>
-              </a:rPr>
-              <a:t>https://www.flexerasoftware.com/producer/products/software-installation/installshield-software-installer/</a:t>
-            </a:r>
-            <a:endParaRPr lang="en-US" altLang="ko-KR" dirty="0">
-              <a:solidFill>
-                <a:srgbClr val="FF0000"/>
-              </a:solidFill>
-              <a:latin typeface="+mn-ea"/>
-              <a:cs typeface="함초롬돋움" panose="020B0604000101010101" pitchFamily="50" charset="-127"/>
-            </a:endParaRPr>
-          </a:p>
-          <a:p>
-            <a:r>
-              <a:rPr lang="en-US" altLang="ko-KR" dirty="0" smtClean="0">
-                <a:solidFill>
-                  <a:srgbClr val="FF0000"/>
-                </a:solidFill>
-                <a:latin typeface="+mn-ea"/>
-                <a:cs typeface="함초롬돋움" panose="020B0604000101010101" pitchFamily="50" charset="-127"/>
-              </a:rPr>
-              <a:t>Install Aware</a:t>
-            </a:r>
-          </a:p>
-          <a:p>
-            <a:pPr lvl="1"/>
-            <a:r>
-              <a:rPr lang="en-US" altLang="ko-KR" dirty="0">
-                <a:solidFill>
-                  <a:srgbClr val="FF0000"/>
-                </a:solidFill>
-                <a:latin typeface="+mn-ea"/>
-                <a:cs typeface="함초롬돋움" panose="020B0604000101010101" pitchFamily="50" charset="-127"/>
-                <a:hlinkClick r:id="rId6"/>
-              </a:rPr>
-              <a:t>https://www.installaware.com/</a:t>
-            </a:r>
-            <a:endParaRPr lang="en-US" altLang="ko-KR" dirty="0">
-              <a:solidFill>
-                <a:srgbClr val="FF0000"/>
-              </a:solidFill>
-              <a:latin typeface="+mn-ea"/>
-              <a:cs typeface="함초롬돋움" panose="020B0604000101010101" pitchFamily="50" charset="-127"/>
-            </a:endParaRPr>
-          </a:p>
-        </p:txBody>
-      </p:sp>
-    </p:spTree>
-    <p:extLst>
-      <p:ext uri="{BB962C8B-B14F-4D97-AF65-F5344CB8AC3E}">
-        <p14:creationId xmlns:p14="http://schemas.microsoft.com/office/powerpoint/2010/main" val="3727015530"/>
-      </p:ext>
-    </p:extLst>
-  </p:cSld>
-  <p:clrMapOvr>
-    <a:masterClrMapping/>
-  </p:clrMapOvr>
-  <p:timing>
-    <p:tnLst>
-      <p:par>
-        <p:cTn id="1" dur="indefinite" restart="never" nodeType="tmRoot"/>
-      </p:par>
-    </p:tnLst>
-  </p:timing>
-</p:sld>
-</file>
-
-<file path=ppt/slides/slide4.xml><?xml version="1.0" encoding="utf-8"?>
-<p:sld xmlns:a="http://schemas.openxmlformats.org/drawingml/2006/main" xmlns:r="http://schemas.openxmlformats.org/officeDocument/2006/relationships" xmlns:p="http://schemas.openxmlformats.org/presentationml/2006/main">
-  <p:cSld>
-    <p:spTree>
-      <p:nvGrpSpPr>
-        <p:cNvPr id="1" name=""/>
-        <p:cNvGrpSpPr/>
-        <p:nvPr/>
-      </p:nvGrpSpPr>
-      <p:grpSpPr>
-        <a:xfrm>
-          <a:off x="0" y="0"/>
-          <a:ext cx="0" cy="0"/>
-          <a:chOff x="0" y="0"/>
-          <a:chExt cx="0" cy="0"/>
-        </a:xfrm>
-      </p:grpSpPr>
-      <p:sp>
-        <p:nvSpPr>
-          <p:cNvPr id="7" name="제목 1"/>
-          <p:cNvSpPr txBox="1">
-            <a:spLocks/>
-          </p:cNvSpPr>
-          <p:nvPr/>
-        </p:nvSpPr>
-        <p:spPr>
-          <a:xfrm>
-            <a:off x="838200" y="365125"/>
-            <a:ext cx="10515600" cy="1090189"/>
-          </a:xfrm>
-          <a:prstGeom prst="rect">
-            <a:avLst/>
-          </a:prstGeom>
-        </p:spPr>
-        <p:txBody>
-          <a:bodyPr vert="horz" lIns="91440" tIns="45720" rIns="91440" bIns="45720" rtlCol="0" anchor="ctr">
-            <a:normAutofit/>
-          </a:bodyPr>
-          <a:lstStyle>
-            <a:lvl1pPr algn="l" defTabSz="914400" rtl="0" eaLnBrk="1" latinLnBrk="1" hangingPunct="1">
-              <a:lnSpc>
-                <a:spcPct val="90000"/>
-              </a:lnSpc>
-              <a:spcBef>
-                <a:spcPct val="0"/>
-              </a:spcBef>
-              <a:buNone/>
-              <a:defRPr sz="4800" kern="1200">
-                <a:solidFill>
-                  <a:schemeClr val="accent4"/>
-                </a:solidFill>
-                <a:latin typeface="+mj-lt"/>
-                <a:ea typeface="+mj-ea"/>
-                <a:cs typeface="+mj-cs"/>
-              </a:defRPr>
-            </a:lvl1pPr>
-          </a:lstStyle>
-          <a:p>
-            <a:r>
-              <a:rPr lang="ko-KR" altLang="en-US" dirty="0" smtClean="0">
-                <a:latin typeface="함초롬돋움" panose="020B0604000101010101" pitchFamily="50" charset="-127"/>
-                <a:ea typeface="함초롬돋움" panose="020B0604000101010101" pitchFamily="50" charset="-127"/>
-                <a:cs typeface="함초롬돋움" panose="020B0604000101010101" pitchFamily="50" charset="-127"/>
-              </a:rPr>
               <a:t>설치 및 실행 방법</a:t>
             </a:r>
             <a:endParaRPr lang="ko-KR" altLang="en-US" dirty="0">
@@ -9252,7 +8938,7 @@
     </p:spTree>
     <p:extLst>
       <p:ext uri="{BB962C8B-B14F-4D97-AF65-F5344CB8AC3E}">
-        <p14:creationId xmlns:p14="http://schemas.microsoft.com/office/powerpoint/2010/main" val="2169063619"/>
+        <p14:creationId xmlns:p14="http://schemas.microsoft.com/office/powerpoint/2010/main" val="4133640699"/>
       </p:ext>
     </p:extLst>
   </p:cSld>
@@ -9333,7 +9019,31 @@
                 <a:ea typeface="함초롬돋움" panose="020B0604000101010101" pitchFamily="50" charset="-127"/>
                 <a:cs typeface="함초롬돋움" panose="020B0604000101010101" pitchFamily="50" charset="-127"/>
               </a:rPr>
-              <a:t>설치 및 실행 방법</a:t>
+              <a:t>게시</a:t>
+            </a:r>
+            <a:r>
+              <a:rPr lang="en-US" altLang="ko-KR" dirty="0">
+                <a:latin typeface="함초롬돋움" panose="020B0604000101010101" pitchFamily="50" charset="-127"/>
+                <a:ea typeface="함초롬돋움" panose="020B0604000101010101" pitchFamily="50" charset="-127"/>
+                <a:cs typeface="함초롬돋움" panose="020B0604000101010101" pitchFamily="50" charset="-127"/>
+              </a:rPr>
+              <a:t> </a:t>
+            </a:r>
+            <a:r>
+              <a:rPr lang="ko-KR" altLang="en-US" dirty="0" smtClean="0">
+                <a:latin typeface="함초롬돋움" panose="020B0604000101010101" pitchFamily="50" charset="-127"/>
+                <a:ea typeface="함초롬돋움" panose="020B0604000101010101" pitchFamily="50" charset="-127"/>
+                <a:cs typeface="함초롬돋움" panose="020B0604000101010101" pitchFamily="50" charset="-127"/>
+              </a:rPr>
+              <a:t>마법사로 만들기 </a:t>
+            </a:r>
+            <a:r>
+              <a:rPr lang="en-US" altLang="ko-KR" dirty="0" smtClean="0">
+                <a:latin typeface="함초롬돋움" panose="020B0604000101010101" pitchFamily="50" charset="-127"/>
+                <a:ea typeface="함초롬돋움" panose="020B0604000101010101" pitchFamily="50" charset="-127"/>
+                <a:cs typeface="함초롬돋움" panose="020B0604000101010101" pitchFamily="50" charset="-127"/>
+              </a:rPr>
+              <a:t>(1)</a:t>
             </a:r>
             <a:endParaRPr lang="ko-KR" altLang="en-US" dirty="0">
               <a:latin typeface="함초롬돋움" panose="020B0604000101010101" pitchFamily="50" charset="-127"/>
@@ -9343,130 +9053,92 @@
           </a:p>
         </p:txBody>
       </p:sp>
-      <p:sp>
-        <p:nvSpPr>
-          <p:cNvPr id="2" name="내용 개체 틀 1"/>
-          <p:cNvSpPr>
-            <a:spLocks noGrp="1"/>
-          </p:cNvSpPr>
-          <p:nvPr>
-            <p:ph idx="1"/>
-          </p:nvPr>
-        </p:nvSpPr>
-        <p:spPr/>
-        <p:txBody>
-          <a:bodyPr>
-            <a:normAutofit/>
+      <p:pic>
+        <p:nvPicPr>
+          <p:cNvPr id="3" name="그림 2"/>
+          <p:cNvPicPr>
+            <a:picLocks noChangeAspect="1"/>
+          </p:cNvPicPr>
+          <p:nvPr/>
+        </p:nvPicPr>
+        <p:blipFill>
+          <a:blip r:embed="rId2">
+            <a:extLst>
+              <a:ext uri="{28A0092B-C50C-407E-A947-70E740481C1C}">
+                <a14:useLocalDpi xmlns:a14="http://schemas.microsoft.com/office/drawing/2010/main" val="0"/>
+              </a:ext>
+            </a:extLst>
+          </a:blip>
+          <a:stretch>
+            <a:fillRect/>
+          </a:stretch>
+        </p:blipFill>
+        <p:spPr>
+          <a:xfrm>
+            <a:off x="580255" y="3378539"/>
+            <a:ext cx="5515745" cy="2162477"/>
+          </a:xfrm>
+          <a:prstGeom prst="rect">
+            <a:avLst/>
+          </a:prstGeom>
+        </p:spPr>
+      </p:pic>
+      <p:sp>
+        <p:nvSpPr>
+          <p:cNvPr id="6" name="TextBox 5"/>
+          <p:cNvSpPr txBox="1"/>
+          <p:nvPr/>
+        </p:nvSpPr>
+        <p:spPr>
+          <a:xfrm>
+            <a:off x="7014150" y="2468880"/>
+            <a:ext cx="4339650" cy="923330"/>
+          </a:xfrm>
+          <a:prstGeom prst="rect">
+            <a:avLst/>
+          </a:prstGeom>
+          <a:noFill/>
+        </p:spPr>
+        <p:txBody>
+          <a:bodyPr wrap="none" rtlCol="0">
+            <a:spAutoFit/>
           </a:bodyPr>
           <a:lstStyle/>
           <a:p>
-            <a:r>
-              <a:rPr lang="en-US" altLang="ko-KR" dirty="0" smtClean="0">
-                <a:latin typeface="+mn-ea"/>
-                <a:cs typeface="함초롬돋움" panose="020B0604000101010101" pitchFamily="50" charset="-127"/>
-              </a:rPr>
-              <a:t>Offline</a:t>
-            </a:r>
-          </a:p>
-          <a:p>
-            <a:pPr lvl="1"/>
-            <a:r>
-              <a:rPr lang="ko-KR" altLang="en-US" dirty="0" smtClean="0">
-                <a:latin typeface="+mn-ea"/>
-                <a:cs typeface="함초롬돋움" panose="020B0604000101010101" pitchFamily="50" charset="-127"/>
-              </a:rPr>
-              <a:t>프로그램에 로컬 컴퓨터에 설치</a:t>
-            </a:r>
-            <a:endParaRPr lang="en-US" altLang="ko-KR" dirty="0" smtClean="0">
-              <a:latin typeface="+mn-ea"/>
-              <a:cs typeface="함초롬돋움" panose="020B0604000101010101" pitchFamily="50" charset="-127"/>
-            </a:endParaRPr>
-          </a:p>
-          <a:p>
-            <a:pPr lvl="1"/>
-            <a:r>
-              <a:rPr lang="ko-KR" altLang="en-US" dirty="0" smtClean="0">
-                <a:latin typeface="+mn-ea"/>
-                <a:cs typeface="함초롬돋움" panose="020B0604000101010101" pitchFamily="50" charset="-127"/>
-              </a:rPr>
-              <a:t>서버와 연결 할 수 없는 경우에도 프로그램 실행 가능</a:t>
-            </a:r>
-            <a:endParaRPr lang="en-US" altLang="ko-KR" dirty="0" smtClean="0">
-              <a:latin typeface="+mn-ea"/>
-              <a:cs typeface="함초롬돋움" panose="020B0604000101010101" pitchFamily="50" charset="-127"/>
-            </a:endParaRPr>
-          </a:p>
-          <a:p>
-            <a:pPr lvl="1"/>
-            <a:endParaRPr lang="en-US" altLang="ko-KR" dirty="0" smtClean="0">
-              <a:latin typeface="+mn-ea"/>
-              <a:cs typeface="함초롬돋움" panose="020B0604000101010101" pitchFamily="50" charset="-127"/>
-            </a:endParaRPr>
-          </a:p>
-          <a:p>
-            <a:r>
-              <a:rPr lang="en-US" altLang="ko-KR" dirty="0" smtClean="0">
-                <a:latin typeface="+mn-ea"/>
-                <a:cs typeface="함초롬돋움" panose="020B0604000101010101" pitchFamily="50" charset="-127"/>
-              </a:rPr>
-              <a:t>Online-Only</a:t>
-            </a:r>
-          </a:p>
-          <a:p>
-            <a:pPr lvl="1"/>
-            <a:r>
-              <a:rPr lang="en-US" altLang="ko-KR" dirty="0" smtClean="0">
-                <a:latin typeface="+mn-ea"/>
-                <a:cs typeface="함초롬돋움" panose="020B0604000101010101" pitchFamily="50" charset="-127"/>
-              </a:rPr>
-              <a:t>URL</a:t>
-            </a:r>
-            <a:r>
-              <a:rPr lang="ko-KR" altLang="en-US" dirty="0" smtClean="0">
-                <a:latin typeface="+mn-ea"/>
-                <a:cs typeface="함초롬돋움" panose="020B0604000101010101" pitchFamily="50" charset="-127"/>
-              </a:rPr>
-              <a:t>을 통해 프로그램을 실행</a:t>
-            </a:r>
-            <a:endParaRPr lang="en-US" altLang="ko-KR" dirty="0" smtClean="0">
-              <a:latin typeface="+mn-ea"/>
-              <a:cs typeface="함초롬돋움" panose="020B0604000101010101" pitchFamily="50" charset="-127"/>
-            </a:endParaRPr>
-          </a:p>
-          <a:p>
-            <a:pPr lvl="1"/>
-            <a:r>
-              <a:rPr lang="ko-KR" altLang="en-US" dirty="0" smtClean="0">
-                <a:latin typeface="+mn-ea"/>
-                <a:cs typeface="함초롬돋움" panose="020B0604000101010101" pitchFamily="50" charset="-127"/>
-              </a:rPr>
-              <a:t>항상 최신 버전의 프로그램으로 실행 가능</a:t>
-            </a:r>
-            <a:endParaRPr lang="en-US" altLang="ko-KR" dirty="0" smtClean="0">
-              <a:latin typeface="+mn-ea"/>
-              <a:cs typeface="함초롬돋움" panose="020B0604000101010101" pitchFamily="50" charset="-127"/>
-            </a:endParaRPr>
-          </a:p>
-          <a:p>
-            <a:pPr lvl="1"/>
-            <a:r>
-              <a:rPr lang="ko-KR" altLang="en-US" dirty="0" smtClean="0">
-                <a:latin typeface="+mn-ea"/>
-                <a:cs typeface="함초롬돋움" panose="020B0604000101010101" pitchFamily="50" charset="-127"/>
-              </a:rPr>
-              <a:t>서버와 연결 할 수 없는 경우 프로그램 실행 불가능</a:t>
-            </a:r>
-            <a:endParaRPr lang="en-US" altLang="ko-KR" dirty="0" smtClean="0">
-              <a:latin typeface="+mn-ea"/>
-              <a:cs typeface="함초롬돋움" panose="020B0604000101010101" pitchFamily="50" charset="-127"/>
-            </a:endParaRPr>
+            <a:pPr marL="285750" indent="-285750">
+              <a:buFont typeface="Arial" panose="020B0604020202020204" pitchFamily="34" charset="0"/>
+              <a:buChar char="•"/>
+            </a:pPr>
+            <a:r>
+              <a:rPr lang="ko-KR" altLang="en-US" dirty="0" smtClean="0"/>
+              <a:t>시작 프로젝트에서 마우스 오른쪽 클릭</a:t>
+            </a:r>
+            <a:endParaRPr lang="en-US" altLang="ko-KR" dirty="0" smtClean="0"/>
+          </a:p>
+          <a:p>
+            <a:pPr marL="285750" indent="-285750">
+              <a:buFont typeface="Arial" panose="020B0604020202020204" pitchFamily="34" charset="0"/>
+              <a:buChar char="•"/>
+            </a:pPr>
+            <a:endParaRPr lang="en-US" altLang="ko-KR" dirty="0" smtClean="0"/>
+          </a:p>
+          <a:p>
+            <a:pPr marL="285750" indent="-285750">
+              <a:buFont typeface="Arial" panose="020B0604020202020204" pitchFamily="34" charset="0"/>
+              <a:buChar char="•"/>
+            </a:pPr>
+            <a:r>
+              <a:rPr lang="ko-KR" altLang="en-US" dirty="0" smtClean="0"/>
+              <a:t>게시 클릭</a:t>
+            </a:r>
+            <a:endParaRPr lang="ko-KR" altLang="en-US" dirty="0"/>
           </a:p>
         </p:txBody>
       </p:sp>
     </p:spTree>
     <p:extLst>
       <p:ext uri="{BB962C8B-B14F-4D97-AF65-F5344CB8AC3E}">
-        <p14:creationId xmlns:p14="http://schemas.microsoft.com/office/powerpoint/2010/main" val="4133640699"/>
+        <p14:creationId xmlns:p14="http://schemas.microsoft.com/office/powerpoint/2010/main" val="277517212"/>
       </p:ext>
     </p:extLst>
   </p:cSld>
@@ -9550,206 +9222,6 @@
               <a:t>게시</a:t>
             </a:r>
             <a:r>
-              <a:rPr lang="en-US" altLang="ko-KR" dirty="0">
-                <a:latin typeface="함초롬돋움" panose="020B0604000101010101" pitchFamily="50" charset="-127"/>
-                <a:ea typeface="함초롬돋움" panose="020B0604000101010101" pitchFamily="50" charset="-127"/>
-                <a:cs typeface="함초롬돋움" panose="020B0604000101010101" pitchFamily="50" charset="-127"/>
-              </a:rPr>
-              <a:t> </a:t>
-            </a:r>
-            <a:r>
-              <a:rPr lang="ko-KR" altLang="en-US" dirty="0" smtClean="0">
-                <a:latin typeface="함초롬돋움" panose="020B0604000101010101" pitchFamily="50" charset="-127"/>
-                <a:ea typeface="함초롬돋움" panose="020B0604000101010101" pitchFamily="50" charset="-127"/>
-                <a:cs typeface="함초롬돋움" panose="020B0604000101010101" pitchFamily="50" charset="-127"/>
-              </a:rPr>
-              <a:t>마법사로 만들기 </a:t>
-            </a:r>
-            <a:r>
-              <a:rPr lang="en-US" altLang="ko-KR" dirty="0" smtClean="0">
-                <a:latin typeface="함초롬돋움" panose="020B0604000101010101" pitchFamily="50" charset="-127"/>
-                <a:ea typeface="함초롬돋움" panose="020B0604000101010101" pitchFamily="50" charset="-127"/>
-                <a:cs typeface="함초롬돋움" panose="020B0604000101010101" pitchFamily="50" charset="-127"/>
-              </a:rPr>
-              <a:t>(1)</a:t>
-            </a:r>
-            <a:endParaRPr lang="ko-KR" altLang="en-US" dirty="0">
-              <a:latin typeface="함초롬돋움" panose="020B0604000101010101" pitchFamily="50" charset="-127"/>
-              <a:ea typeface="함초롬돋움" panose="020B0604000101010101" pitchFamily="50" charset="-127"/>
-              <a:cs typeface="함초롬돋움" panose="020B0604000101010101" pitchFamily="50" charset="-127"/>
-            </a:endParaRPr>
-          </a:p>
-        </p:txBody>
-      </p:sp>
-      <p:pic>
-        <p:nvPicPr>
-          <p:cNvPr id="3" name="그림 2"/>
-          <p:cNvPicPr>
-            <a:picLocks noChangeAspect="1"/>
-          </p:cNvPicPr>
-          <p:nvPr/>
-        </p:nvPicPr>
-        <p:blipFill>
-          <a:blip r:embed="rId2">
-            <a:extLst>
-              <a:ext uri="{28A0092B-C50C-407E-A947-70E740481C1C}">
-                <a14:useLocalDpi xmlns:a14="http://schemas.microsoft.com/office/drawing/2010/main" val="0"/>
-              </a:ext>
-            </a:extLst>
-          </a:blip>
-          <a:stretch>
-            <a:fillRect/>
-          </a:stretch>
-        </p:blipFill>
-        <p:spPr>
-          <a:xfrm>
-            <a:off x="580255" y="3378539"/>
-            <a:ext cx="5515745" cy="2162477"/>
-          </a:xfrm>
-          <a:prstGeom prst="rect">
-            <a:avLst/>
-          </a:prstGeom>
-        </p:spPr>
-      </p:pic>
-      <p:sp>
-        <p:nvSpPr>
-          <p:cNvPr id="6" name="TextBox 5"/>
-          <p:cNvSpPr txBox="1"/>
-          <p:nvPr/>
-        </p:nvSpPr>
-        <p:spPr>
-          <a:xfrm>
-            <a:off x="7014150" y="2468880"/>
-            <a:ext cx="4339650" cy="923330"/>
-          </a:xfrm>
-          <a:prstGeom prst="rect">
-            <a:avLst/>
-          </a:prstGeom>
-          <a:noFill/>
-        </p:spPr>
-        <p:txBody>
-          <a:bodyPr wrap="none" rtlCol="0">
-            <a:spAutoFit/>
-          </a:bodyPr>
-          <a:lstStyle/>
-          <a:p>
-            <a:pPr marL="285750" indent="-285750">
-              <a:buFont typeface="Arial" panose="020B0604020202020204" pitchFamily="34" charset="0"/>
-              <a:buChar char="•"/>
-            </a:pPr>
-            <a:r>
-              <a:rPr lang="ko-KR" altLang="en-US" dirty="0" smtClean="0"/>
-              <a:t>시작 프로젝트에서 마우스 오른쪽 클릭</a:t>
-            </a:r>
-            <a:endParaRPr lang="en-US" altLang="ko-KR" dirty="0" smtClean="0"/>
-          </a:p>
-          <a:p>
-            <a:pPr marL="285750" indent="-285750">
-              <a:buFont typeface="Arial" panose="020B0604020202020204" pitchFamily="34" charset="0"/>
-              <a:buChar char="•"/>
-            </a:pPr>
-            <a:endParaRPr lang="en-US" altLang="ko-KR" dirty="0" smtClean="0"/>
-          </a:p>
-          <a:p>
-            <a:pPr marL="285750" indent="-285750">
-              <a:buFont typeface="Arial" panose="020B0604020202020204" pitchFamily="34" charset="0"/>
-              <a:buChar char="•"/>
-            </a:pPr>
-            <a:r>
-              <a:rPr lang="ko-KR" altLang="en-US" dirty="0" smtClean="0"/>
-              <a:t>게시 클릭</a:t>
-            </a:r>
-            <a:endParaRPr lang="ko-KR" altLang="en-US" dirty="0"/>
-          </a:p>
-        </p:txBody>
-      </p:sp>
-    </p:spTree>
-    <p:extLst>
-      <p:ext uri="{BB962C8B-B14F-4D97-AF65-F5344CB8AC3E}">
-        <p14:creationId xmlns:p14="http://schemas.microsoft.com/office/powerpoint/2010/main" val="277517212"/>
-      </p:ext>
-    </p:extLst>
-  </p:cSld>
-  <p:clrMapOvr>
-    <a:masterClrMapping/>
-  </p:clrMapOvr>
-  <p:timing>
-    <p:tnLst>
-      <p:par>
-        <p:cTn id="1" dur="indefinite" restart="never" nodeType="tmRoot"/>
-      </p:par>
-    </p:tnLst>
-  </p:timing>
-</p:sld>
-</file>
-
-<file path=ppt/slides/slide7.xml><?xml version="1.0" encoding="utf-8"?>
-<p:sld xmlns:a="http://schemas.openxmlformats.org/drawingml/2006/main" xmlns:r="http://schemas.openxmlformats.org/officeDocument/2006/relationships" xmlns:p="http://schemas.openxmlformats.org/presentationml/2006/main">
-  <p:cSld>
-    <p:spTree>
-      <p:nvGrpSpPr>
-        <p:cNvPr id="1" name=""/>
-        <p:cNvGrpSpPr/>
-        <p:nvPr/>
-      </p:nvGrpSpPr>
-      <p:grpSpPr>
-        <a:xfrm>
-          <a:off x="0" y="0"/>
-          <a:ext cx="0" cy="0"/>
-          <a:chOff x="0" y="0"/>
-          <a:chExt cx="0" cy="0"/>
-        </a:xfrm>
-      </p:grpSpPr>
-      <p:sp>
-        <p:nvSpPr>
-          <p:cNvPr id="7" name="제목 1"/>
-          <p:cNvSpPr txBox="1">
-            <a:spLocks/>
-          </p:cNvSpPr>
-          <p:nvPr/>
-        </p:nvSpPr>
-        <p:spPr>
-          <a:xfrm>
-            <a:off x="838200" y="365125"/>
-            <a:ext cx="10515600" cy="1090189"/>
-          </a:xfrm>
-          <a:prstGeom prst="rect">
-            <a:avLst/>
-          </a:prstGeom>
-        </p:spPr>
-        <p:txBody>
-          <a:bodyPr vert="horz" lIns="91440" tIns="45720" rIns="91440" bIns="45720" rtlCol="0" anchor="ctr">
-            <a:normAutofit/>
-          </a:bodyPr>
-          <a:lstStyle>
-            <a:lvl1pPr algn="l" defTabSz="914400" rtl="0" eaLnBrk="1" latinLnBrk="1" hangingPunct="1">
-              <a:lnSpc>
-                <a:spcPct val="90000"/>
-              </a:lnSpc>
-              <a:spcBef>
-                <a:spcPct val="0"/>
-              </a:spcBef>
-              <a:buNone/>
-              <a:defRPr sz="4800" kern="1200">
-                <a:solidFill>
-                  <a:schemeClr val="accent4"/>
-                </a:solidFill>
-                <a:latin typeface="+mj-lt"/>
-                <a:ea typeface="+mj-ea"/>
-                <a:cs typeface="+mj-cs"/>
-              </a:defRPr>
-            </a:lvl1pPr>
-          </a:lstStyle>
-          <a:p>
-            <a:r>
-              <a:rPr lang="ko-KR" altLang="en-US" dirty="0" smtClean="0">
-                <a:latin typeface="함초롬돋움" panose="020B0604000101010101" pitchFamily="50" charset="-127"/>
-                <a:ea typeface="함초롬돋움" panose="020B0604000101010101" pitchFamily="50" charset="-127"/>
-                <a:cs typeface="함초롬돋움" panose="020B0604000101010101" pitchFamily="50" charset="-127"/>
-              </a:rPr>
-              <a:t>게시</a:t>
-            </a:r>
-            <a:r>
               <a:rPr lang="en-US" altLang="ko-KR" dirty="0" smtClean="0">
                 <a:latin typeface="함초롬돋움" panose="020B0604000101010101" pitchFamily="50" charset="-127"/>
                 <a:ea typeface="함초롬돋움" panose="020B0604000101010101" pitchFamily="50" charset="-127"/>
@@ -9947,7 +9419,7 @@
 </p:sld>
 </file>
 
-<file path=ppt/slides/slide8.xml><?xml version="1.0" encoding="utf-8"?>
+<file path=ppt/slides/slide7.xml><?xml version="1.0" encoding="utf-8"?>
 <p:sld xmlns:a="http://schemas.openxmlformats.org/drawingml/2006/main" xmlns:r="http://schemas.openxmlformats.org/officeDocument/2006/relationships" xmlns:p="http://schemas.openxmlformats.org/presentationml/2006/main">
   <p:cSld>
     <p:spTree>
@@ -10383,7 +9855,7 @@
 </p:sld>
 </file>
 
-<file path=ppt/slides/slide9.xml><?xml version="1.0" encoding="utf-8"?>
+<file path=ppt/slides/slide8.xml><?xml version="1.0" encoding="utf-8"?>
 <p:sld xmlns:a="http://schemas.openxmlformats.org/drawingml/2006/main" xmlns:r="http://schemas.openxmlformats.org/officeDocument/2006/relationships" xmlns:p="http://schemas.openxmlformats.org/presentationml/2006/main">
   <p:cSld>
     <p:spTree>
@@ -10693,6 +10165,312 @@
     <p:extLst>
       <p:ext uri="{BB962C8B-B14F-4D97-AF65-F5344CB8AC3E}">
         <p14:creationId xmlns:p14="http://schemas.microsoft.com/office/powerpoint/2010/main" val="1481472713"/>
+      </p:ext>
+    </p:extLst>
+  </p:cSld>
+  <p:clrMapOvr>
+    <a:masterClrMapping/>
+  </p:clrMapOvr>
+  <p:timing>
+    <p:tnLst>
+      <p:par>
+        <p:cTn id="1" dur="indefinite" restart="never" nodeType="tmRoot"/>
+      </p:par>
+    </p:tnLst>
+  </p:timing>
+</p:sld>
+</file>
+
+<file path=ppt/slides/slide9.xml><?xml version="1.0" encoding="utf-8"?>
+<p:sld xmlns:a="http://schemas.openxmlformats.org/drawingml/2006/main" xmlns:r="http://schemas.openxmlformats.org/officeDocument/2006/relationships" xmlns:p="http://schemas.openxmlformats.org/presentationml/2006/main">
+  <p:cSld>
+    <p:spTree>
+      <p:nvGrpSpPr>
+        <p:cNvPr id="1" name=""/>
+        <p:cNvGrpSpPr/>
+        <p:nvPr/>
+      </p:nvGrpSpPr>
+      <p:grpSpPr>
+        <a:xfrm>
+          <a:off x="0" y="0"/>
+          <a:ext cx="0" cy="0"/>
+          <a:chOff x="0" y="0"/>
+          <a:chExt cx="0" cy="0"/>
+        </a:xfrm>
+      </p:grpSpPr>
+      <p:pic>
+        <p:nvPicPr>
+          <p:cNvPr id="3" name="그림 2"/>
+          <p:cNvPicPr>
+            <a:picLocks noChangeAspect="1"/>
+          </p:cNvPicPr>
+          <p:nvPr/>
+        </p:nvPicPr>
+        <p:blipFill>
+          <a:blip r:embed="rId2">
+            <a:extLst>
+              <a:ext uri="{28A0092B-C50C-407E-A947-70E740481C1C}">
+                <a14:useLocalDpi xmlns:a14="http://schemas.microsoft.com/office/drawing/2010/main" val="0"/>
+              </a:ext>
+            </a:extLst>
+          </a:blip>
+          <a:stretch>
+            <a:fillRect/>
+          </a:stretch>
+        </p:blipFill>
+        <p:spPr>
+          <a:xfrm>
+            <a:off x="896389" y="2502132"/>
+            <a:ext cx="3910386" cy="3804700"/>
+          </a:xfrm>
+          <a:prstGeom prst="rect">
+            <a:avLst/>
+          </a:prstGeom>
+        </p:spPr>
+      </p:pic>
+      <p:sp>
+        <p:nvSpPr>
+          <p:cNvPr id="7" name="제목 1"/>
+          <p:cNvSpPr txBox="1">
+            <a:spLocks/>
+          </p:cNvSpPr>
+          <p:nvPr/>
+        </p:nvSpPr>
+        <p:spPr>
+          <a:xfrm>
+            <a:off x="838200" y="365125"/>
+            <a:ext cx="10515600" cy="1090189"/>
+          </a:xfrm>
+          <a:prstGeom prst="rect">
+            <a:avLst/>
+          </a:prstGeom>
+        </p:spPr>
+        <p:txBody>
+          <a:bodyPr vert="horz" lIns="91440" tIns="45720" rIns="91440" bIns="45720" rtlCol="0" anchor="ctr">
+            <a:normAutofit/>
+          </a:bodyPr>
+          <a:lstStyle>
+            <a:lvl1pPr algn="l" defTabSz="914400" rtl="0" eaLnBrk="1" latinLnBrk="1" hangingPunct="1">
+              <a:lnSpc>
+                <a:spcPct val="90000"/>
+              </a:lnSpc>
+              <a:spcBef>
+                <a:spcPct val="0"/>
+              </a:spcBef>
+              <a:buNone/>
+              <a:defRPr sz="4800" kern="1200">
+                <a:solidFill>
+                  <a:schemeClr val="accent4"/>
+                </a:solidFill>
+                <a:latin typeface="+mj-lt"/>
+                <a:ea typeface="+mj-ea"/>
+                <a:cs typeface="+mj-cs"/>
+              </a:defRPr>
+            </a:lvl1pPr>
+          </a:lstStyle>
+          <a:p>
+            <a:r>
+              <a:rPr lang="ko-KR" altLang="en-US" dirty="0" smtClean="0">
+                <a:latin typeface="함초롬돋움" panose="020B0604000101010101" pitchFamily="50" charset="-127"/>
+                <a:ea typeface="함초롬돋움" panose="020B0604000101010101" pitchFamily="50" charset="-127"/>
+                <a:cs typeface="함초롬돋움" panose="020B0604000101010101" pitchFamily="50" charset="-127"/>
+              </a:rPr>
+              <a:t>게시</a:t>
+            </a:r>
+            <a:r>
+              <a:rPr lang="en-US" altLang="ko-KR" dirty="0" smtClean="0">
+                <a:latin typeface="함초롬돋움" panose="020B0604000101010101" pitchFamily="50" charset="-127"/>
+                <a:ea typeface="함초롬돋움" panose="020B0604000101010101" pitchFamily="50" charset="-127"/>
+                <a:cs typeface="함초롬돋움" panose="020B0604000101010101" pitchFamily="50" charset="-127"/>
+              </a:rPr>
+              <a:t> </a:t>
+            </a:r>
+            <a:r>
+              <a:rPr lang="ko-KR" altLang="en-US" dirty="0" smtClean="0">
+                <a:latin typeface="함초롬돋움" panose="020B0604000101010101" pitchFamily="50" charset="-127"/>
+                <a:ea typeface="함초롬돋움" panose="020B0604000101010101" pitchFamily="50" charset="-127"/>
+                <a:cs typeface="함초롬돋움" panose="020B0604000101010101" pitchFamily="50" charset="-127"/>
+              </a:rPr>
+              <a:t>마법사로 만들기</a:t>
+            </a:r>
+            <a:r>
+              <a:rPr lang="en-US" altLang="ko-KR" dirty="0" smtClean="0">
+                <a:latin typeface="함초롬돋움" panose="020B0604000101010101" pitchFamily="50" charset="-127"/>
+                <a:ea typeface="함초롬돋움" panose="020B0604000101010101" pitchFamily="50" charset="-127"/>
+                <a:cs typeface="함초롬돋움" panose="020B0604000101010101" pitchFamily="50" charset="-127"/>
+              </a:rPr>
+              <a:t> (4-2)</a:t>
+            </a:r>
+            <a:endParaRPr lang="ko-KR" altLang="en-US" dirty="0">
+              <a:latin typeface="함초롬돋움" panose="020B0604000101010101" pitchFamily="50" charset="-127"/>
+              <a:ea typeface="함초롬돋움" panose="020B0604000101010101" pitchFamily="50" charset="-127"/>
+              <a:cs typeface="함초롬돋움" panose="020B0604000101010101" pitchFamily="50" charset="-127"/>
+            </a:endParaRPr>
+          </a:p>
+        </p:txBody>
+      </p:sp>
+      <p:sp>
+        <p:nvSpPr>
+          <p:cNvPr id="6" name="TextBox 5"/>
+          <p:cNvSpPr txBox="1"/>
+          <p:nvPr/>
+        </p:nvSpPr>
+        <p:spPr>
+          <a:xfrm>
+            <a:off x="896389" y="2011680"/>
+            <a:ext cx="2699778" cy="369332"/>
+          </a:xfrm>
+          <a:prstGeom prst="rect">
+            <a:avLst/>
+          </a:prstGeom>
+          <a:noFill/>
+        </p:spPr>
+        <p:txBody>
+          <a:bodyPr wrap="none" rtlCol="0">
+            <a:spAutoFit/>
+          </a:bodyPr>
+          <a:lstStyle/>
+          <a:p>
+            <a:pPr marL="285750" indent="-285750">
+              <a:buFont typeface="Arial" panose="020B0604020202020204" pitchFamily="34" charset="0"/>
+              <a:buChar char="•"/>
+            </a:pPr>
+            <a:r>
+              <a:rPr lang="ko-KR" altLang="en-US" dirty="0" smtClean="0"/>
+              <a:t>이동식 미디어인 경우 </a:t>
+            </a:r>
+            <a:endParaRPr lang="en-US" altLang="ko-KR" dirty="0" smtClean="0"/>
+          </a:p>
+        </p:txBody>
+      </p:sp>
+      <p:sp>
+        <p:nvSpPr>
+          <p:cNvPr id="9" name="TextBox 8"/>
+          <p:cNvSpPr txBox="1"/>
+          <p:nvPr/>
+        </p:nvSpPr>
+        <p:spPr>
+          <a:xfrm>
+            <a:off x="5762122" y="2502132"/>
+            <a:ext cx="5306261" cy="923330"/>
+          </a:xfrm>
+          <a:prstGeom prst="rect">
+            <a:avLst/>
+          </a:prstGeom>
+          <a:noFill/>
+        </p:spPr>
+        <p:txBody>
+          <a:bodyPr wrap="none" rtlCol="0">
+            <a:spAutoFit/>
+          </a:bodyPr>
+          <a:lstStyle/>
+          <a:p>
+            <a:pPr marL="285750" indent="-285750">
+              <a:buFont typeface="Arial" panose="020B0604020202020204" pitchFamily="34" charset="0"/>
+              <a:buChar char="•"/>
+            </a:pPr>
+            <a:r>
+              <a:rPr lang="ko-KR" altLang="en-US" dirty="0" smtClean="0"/>
+              <a:t>응용 프로그램이 업데이트를 확인하도록 허용함</a:t>
+            </a:r>
+            <a:endParaRPr lang="en-US" altLang="ko-KR" dirty="0" smtClean="0"/>
+          </a:p>
+          <a:p>
+            <a:pPr marL="285750" indent="-285750">
+              <a:buFont typeface="Arial" panose="020B0604020202020204" pitchFamily="34" charset="0"/>
+              <a:buChar char="•"/>
+            </a:pPr>
+            <a:endParaRPr lang="en-US" altLang="ko-KR" dirty="0" smtClean="0"/>
+          </a:p>
+          <a:p>
+            <a:pPr marL="285750" indent="-285750">
+              <a:buFont typeface="Arial" panose="020B0604020202020204" pitchFamily="34" charset="0"/>
+              <a:buChar char="•"/>
+            </a:pPr>
+            <a:r>
+              <a:rPr lang="ko-KR" altLang="en-US" dirty="0" smtClean="0"/>
+              <a:t>응용 프로그램이 업데이트를 확인하지 않도록 함</a:t>
+            </a:r>
+            <a:endParaRPr lang="en-US" altLang="ko-KR" dirty="0" smtClean="0"/>
+          </a:p>
+        </p:txBody>
+      </p:sp>
+      <p:cxnSp>
+        <p:nvCxnSpPr>
+          <p:cNvPr id="10" name="직선 화살표 연결선 9"/>
+          <p:cNvCxnSpPr/>
+          <p:nvPr/>
+        </p:nvCxnSpPr>
+        <p:spPr>
+          <a:xfrm flipH="1">
+            <a:off x="2851582" y="2701636"/>
+            <a:ext cx="3000578" cy="598517"/>
+          </a:xfrm>
+          <a:prstGeom prst="straightConnector1">
+            <a:avLst/>
+          </a:prstGeom>
+          <a:ln>
+            <a:solidFill>
+              <a:srgbClr val="FF0000"/>
+            </a:solidFill>
+            <a:tailEnd type="triangle"/>
+          </a:ln>
+        </p:spPr>
+        <p:style>
+          <a:lnRef idx="1">
+            <a:schemeClr val="accent1"/>
+          </a:lnRef>
+          <a:fillRef idx="0">
+            <a:schemeClr val="accent1"/>
+          </a:fillRef>
+          <a:effectRef idx="0">
+            <a:schemeClr val="accent1"/>
+          </a:effectRef>
+          <a:fontRef idx="minor">
+            <a:schemeClr val="tx1"/>
+          </a:fontRef>
+        </p:style>
+      </p:cxnSp>
+      <p:cxnSp>
+        <p:nvCxnSpPr>
+          <p:cNvPr id="14" name="직선 화살표 연결선 13"/>
+          <p:cNvCxnSpPr/>
+          <p:nvPr/>
+        </p:nvCxnSpPr>
+        <p:spPr>
+          <a:xfrm flipH="1">
+            <a:off x="2937933" y="3243031"/>
+            <a:ext cx="2914227" cy="441611"/>
+          </a:xfrm>
+          <a:prstGeom prst="straightConnector1">
+            <a:avLst/>
+          </a:prstGeom>
+          <a:ln>
+            <a:solidFill>
+              <a:srgbClr val="FF0000"/>
+            </a:solidFill>
+            <a:tailEnd type="triangle"/>
+          </a:ln>
+        </p:spPr>
+        <p:style>
+          <a:lnRef idx="1">
+            <a:schemeClr val="accent1"/>
+          </a:lnRef>
+          <a:fillRef idx="0">
+            <a:schemeClr val="accent1"/>
+          </a:fillRef>
+          <a:effectRef idx="0">
+            <a:schemeClr val="accent1"/>
+          </a:effectRef>
+          <a:fontRef idx="minor">
+            <a:schemeClr val="tx1"/>
+          </a:fontRef>
+        </p:style>
+      </p:cxnSp>
+    </p:spTree>
+    <p:extLst>
+      <p:ext uri="{BB962C8B-B14F-4D97-AF65-F5344CB8AC3E}">
+        <p14:creationId xmlns:p14="http://schemas.microsoft.com/office/powerpoint/2010/main" val="2405417954"/>
       </p:ext>
     </p:extLst>
   </p:cSld>
